--- a/ei1333.pptx
+++ b/ei1333.pptx
@@ -5,39 +5,40 @@
     <p:sldMasterId id="2147483648" r:id="rId1"/>
   </p:sldMasterIdLst>
   <p:notesMasterIdLst>
-    <p:notesMasterId r:id="rId29"/>
+    <p:notesMasterId r:id="rId30"/>
   </p:notesMasterIdLst>
   <p:handoutMasterIdLst>
-    <p:handoutMasterId r:id="rId30"/>
+    <p:handoutMasterId r:id="rId31"/>
   </p:handoutMasterIdLst>
   <p:sldIdLst>
     <p:sldId id="256" r:id="rId2"/>
     <p:sldId id="269" r:id="rId3"/>
     <p:sldId id="265" r:id="rId4"/>
-    <p:sldId id="266" r:id="rId5"/>
-    <p:sldId id="268" r:id="rId6"/>
-    <p:sldId id="270" r:id="rId7"/>
-    <p:sldId id="284" r:id="rId8"/>
-    <p:sldId id="272" r:id="rId9"/>
-    <p:sldId id="273" r:id="rId10"/>
-    <p:sldId id="274" r:id="rId11"/>
-    <p:sldId id="275" r:id="rId12"/>
-    <p:sldId id="276" r:id="rId13"/>
-    <p:sldId id="278" r:id="rId14"/>
-    <p:sldId id="279" r:id="rId15"/>
-    <p:sldId id="280" r:id="rId16"/>
-    <p:sldId id="281" r:id="rId17"/>
-    <p:sldId id="259" r:id="rId18"/>
-    <p:sldId id="260" r:id="rId19"/>
-    <p:sldId id="261" r:id="rId20"/>
-    <p:sldId id="262" r:id="rId21"/>
-    <p:sldId id="263" r:id="rId22"/>
-    <p:sldId id="264" r:id="rId23"/>
-    <p:sldId id="282" r:id="rId24"/>
-    <p:sldId id="283" r:id="rId25"/>
-    <p:sldId id="257" r:id="rId26"/>
-    <p:sldId id="258" r:id="rId27"/>
-    <p:sldId id="285" r:id="rId28"/>
+    <p:sldId id="286" r:id="rId5"/>
+    <p:sldId id="266" r:id="rId6"/>
+    <p:sldId id="268" r:id="rId7"/>
+    <p:sldId id="287" r:id="rId8"/>
+    <p:sldId id="270" r:id="rId9"/>
+    <p:sldId id="284" r:id="rId10"/>
+    <p:sldId id="272" r:id="rId11"/>
+    <p:sldId id="273" r:id="rId12"/>
+    <p:sldId id="274" r:id="rId13"/>
+    <p:sldId id="275" r:id="rId14"/>
+    <p:sldId id="276" r:id="rId15"/>
+    <p:sldId id="278" r:id="rId16"/>
+    <p:sldId id="279" r:id="rId17"/>
+    <p:sldId id="280" r:id="rId18"/>
+    <p:sldId id="281" r:id="rId19"/>
+    <p:sldId id="259" r:id="rId20"/>
+    <p:sldId id="260" r:id="rId21"/>
+    <p:sldId id="261" r:id="rId22"/>
+    <p:sldId id="262" r:id="rId23"/>
+    <p:sldId id="263" r:id="rId24"/>
+    <p:sldId id="264" r:id="rId25"/>
+    <p:sldId id="282" r:id="rId26"/>
+    <p:sldId id="283" r:id="rId27"/>
+    <p:sldId id="257" r:id="rId28"/>
+    <p:sldId id="258" r:id="rId29"/>
   </p:sldIdLst>
   <p:sldSz cx="12192000" cy="6858000"/>
   <p:notesSz cx="6858000" cy="9144000"/>
@@ -921,7 +922,7 @@
             </a:lvl1pPr>
           </a:lstStyle>
           <a:p>
-            <a:fld id="{0A79EF69-D095-4CF8-8CE5-D26CCE75756B}" type="datetime1">
+            <a:fld id="{18F2CFFA-ED1E-4C1D-B711-88804D481F3B}" type="datetime1">
               <a:rPr lang="ja-JP" altLang="en-US" smtClean="0"/>
               <a:t>2017/1/10</a:t>
             </a:fld>
@@ -962,7 +963,7 @@
           <a:p>
             <a:r>
               <a:rPr lang="ja-JP" altLang="en-US"/>
-              <a:t>マクロのつかいかた</a:t>
+              <a:t>解説</a:t>
             </a:r>
           </a:p>
         </p:txBody>
@@ -1210,7 +1211,7 @@
             </a:lvl1pPr>
           </a:lstStyle>
           <a:p>
-            <a:fld id="{06303609-9F62-4436-A1A1-18FA82CBF892}" type="datetime1">
+            <a:fld id="{2CC9E5DA-E98D-4D20-B2DD-858CAC9EFB3F}" type="datetime1">
               <a:rPr lang="ja-JP" altLang="en-US" smtClean="0"/>
               <a:t>2017/1/10</a:t>
             </a:fld>
@@ -1251,7 +1252,7 @@
           <a:p>
             <a:r>
               <a:rPr lang="ja-JP" altLang="en-US"/>
-              <a:t>マクロのつかいかた</a:t>
+              <a:t>解説</a:t>
             </a:r>
           </a:p>
         </p:txBody>
@@ -1472,7 +1473,7 @@
             </a:lvl1pPr>
           </a:lstStyle>
           <a:p>
-            <a:fld id="{E6F3A1C9-CF26-4632-8C09-4F7B27F26E71}" type="datetime1">
+            <a:fld id="{8E7081E7-EB45-402D-8A4B-20CBD821E0DC}" type="datetime1">
               <a:rPr lang="ja-JP" altLang="en-US" smtClean="0"/>
               <a:t>2017/1/10</a:t>
             </a:fld>
@@ -1513,7 +1514,7 @@
           <a:p>
             <a:r>
               <a:rPr lang="ja-JP" altLang="en-US"/>
-              <a:t>マクロのつかいかた</a:t>
+              <a:t>解説</a:t>
             </a:r>
           </a:p>
         </p:txBody>
@@ -1746,7 +1747,7 @@
             </a:lvl1pPr>
           </a:lstStyle>
           <a:p>
-            <a:fld id="{B1A103DF-03ED-4B04-9FA4-76EE9EA73D19}" type="datetime1">
+            <a:fld id="{451071AE-DA85-4311-9703-2D0CC35A7936}" type="datetime1">
               <a:rPr lang="ja-JP" altLang="en-US" smtClean="0"/>
               <a:t>2017/1/10</a:t>
             </a:fld>
@@ -1787,7 +1788,7 @@
           <a:p>
             <a:r>
               <a:rPr lang="ja-JP" altLang="en-US"/>
-              <a:t>マクロのつかいかた</a:t>
+              <a:t>解説</a:t>
             </a:r>
           </a:p>
         </p:txBody>
@@ -2089,7 +2090,7 @@
             </a:lvl1pPr>
           </a:lstStyle>
           <a:p>
-            <a:fld id="{5E7868B8-2924-4416-AB90-604A7BACC42F}" type="datetime1">
+            <a:fld id="{2DF70EAF-1527-4C1D-97B6-BC967FFB0FFF}" type="datetime1">
               <a:rPr lang="ja-JP" altLang="en-US" smtClean="0"/>
               <a:t>2017/1/10</a:t>
             </a:fld>
@@ -2130,7 +2131,7 @@
           <a:p>
             <a:r>
               <a:rPr lang="ja-JP" altLang="en-US"/>
-              <a:t>マクロのつかいかた</a:t>
+              <a:t>解説</a:t>
             </a:r>
           </a:p>
         </p:txBody>
@@ -2471,7 +2472,7 @@
             </a:lvl1pPr>
           </a:lstStyle>
           <a:p>
-            <a:fld id="{4939E13E-E5AA-48CC-A168-60E481C85EF7}" type="datetime1">
+            <a:fld id="{7B26EFCF-2534-4D07-99AD-6FD995F37D0A}" type="datetime1">
               <a:rPr lang="ja-JP" altLang="en-US" smtClean="0"/>
               <a:t>2017/1/10</a:t>
             </a:fld>
@@ -2512,7 +2513,7 @@
           <a:p>
             <a:r>
               <a:rPr lang="ja-JP" altLang="en-US"/>
-              <a:t>マクロのつかいかた</a:t>
+              <a:t>解説</a:t>
             </a:r>
           </a:p>
         </p:txBody>
@@ -2951,7 +2952,7 @@
             </a:lvl1pPr>
           </a:lstStyle>
           <a:p>
-            <a:fld id="{4C0B5F3C-7D0A-42CC-9EE7-8FAB7E9D4F7C}" type="datetime1">
+            <a:fld id="{5AF9E6B2-3147-4C83-A08B-22180AD2E06F}" type="datetime1">
               <a:rPr lang="ja-JP" altLang="en-US" smtClean="0"/>
               <a:t>2017/1/10</a:t>
             </a:fld>
@@ -2992,7 +2993,7 @@
           <a:p>
             <a:r>
               <a:rPr lang="ja-JP" altLang="en-US"/>
-              <a:t>マクロのつかいかた</a:t>
+              <a:t>解説</a:t>
             </a:r>
           </a:p>
         </p:txBody>
@@ -3120,7 +3121,7 @@
             </a:lvl1pPr>
           </a:lstStyle>
           <a:p>
-            <a:fld id="{FDB350A8-8FAC-4CAC-A479-8E570174AD79}" type="datetime1">
+            <a:fld id="{521D642E-C1A9-4700-B2BF-242B17C4BFEB}" type="datetime1">
               <a:rPr lang="ja-JP" altLang="en-US" smtClean="0"/>
               <a:t>2017/1/10</a:t>
             </a:fld>
@@ -3161,7 +3162,7 @@
           <a:p>
             <a:r>
               <a:rPr lang="ja-JP" altLang="en-US"/>
-              <a:t>マクロのつかいかた</a:t>
+              <a:t>解説</a:t>
             </a:r>
           </a:p>
         </p:txBody>
@@ -3267,7 +3268,7 @@
             </a:lvl1pPr>
           </a:lstStyle>
           <a:p>
-            <a:fld id="{03C3964D-B6F3-4D44-A863-A121EE49EE8B}" type="datetime1">
+            <a:fld id="{F71124E5-E09F-4C25-BA95-B286D49422CF}" type="datetime1">
               <a:rPr lang="ja-JP" altLang="en-US" smtClean="0"/>
               <a:t>2017/1/10</a:t>
             </a:fld>
@@ -3308,7 +3309,7 @@
           <a:p>
             <a:r>
               <a:rPr lang="ja-JP" altLang="en-US"/>
-              <a:t>マクロのつかいかた</a:t>
+              <a:t>解説</a:t>
             </a:r>
           </a:p>
         </p:txBody>
@@ -3626,7 +3627,7 @@
             </a:lvl1pPr>
           </a:lstStyle>
           <a:p>
-            <a:fld id="{98BC866C-39BE-42AC-A0DF-C021A57EA20F}" type="datetime1">
+            <a:fld id="{9D3AD279-15C6-4A2E-8A90-4DC19E083EAF}" type="datetime1">
               <a:rPr lang="ja-JP" altLang="en-US" smtClean="0"/>
               <a:t>2017/1/10</a:t>
             </a:fld>
@@ -3667,7 +3668,7 @@
           <a:p>
             <a:r>
               <a:rPr lang="ja-JP" altLang="en-US"/>
-              <a:t>マクロのつかいかた</a:t>
+              <a:t>解説</a:t>
             </a:r>
           </a:p>
         </p:txBody>
@@ -3930,7 +3931,7 @@
             </a:lvl1pPr>
           </a:lstStyle>
           <a:p>
-            <a:fld id="{44BA1D3A-FE7E-4165-A2E3-E9D055C6166D}" type="datetime1">
+            <a:fld id="{3BE47833-B42E-4032-A9E4-BFEB8A974BD5}" type="datetime1">
               <a:rPr lang="ja-JP" altLang="en-US" smtClean="0"/>
               <a:t>2017/1/10</a:t>
             </a:fld>
@@ -3971,7 +3972,7 @@
           <a:p>
             <a:r>
               <a:rPr lang="ja-JP" altLang="en-US"/>
-              <a:t>マクロのつかいかた</a:t>
+              <a:t>解説</a:t>
             </a:r>
           </a:p>
         </p:txBody>
@@ -4290,7 +4291,7 @@
             </a:lvl1pPr>
           </a:lstStyle>
           <a:p>
-            <a:fld id="{43A3FC06-B014-4105-B09D-532DE4411A2D}" type="datetime1">
+            <a:fld id="{39CB9F03-95A9-4FCC-AF6A-AD74DF47EBBA}" type="datetime1">
               <a:rPr lang="ja-JP" altLang="en-US" smtClean="0"/>
               <a:t>2017/1/10</a:t>
             </a:fld>
@@ -4330,9 +4331,10 @@
           </a:lstStyle>
           <a:p>
             <a:r>
-              <a:rPr lang="ja-JP" altLang="en-US" dirty="0"/>
-              <a:t>マクロのつかいかた</a:t>
-            </a:r>
+              <a:rPr lang="ja-JP" altLang="en-US"/>
+              <a:t>解説</a:t>
+            </a:r>
+            <a:endParaRPr lang="ja-JP" altLang="en-US" dirty="0"/>
           </a:p>
         </p:txBody>
       </p:sp>
@@ -4822,7 +4824,9 @@
         </p:nvSpPr>
         <p:spPr/>
         <p:txBody>
-          <a:bodyPr/>
+          <a:bodyPr>
+            <a:normAutofit/>
+          </a:bodyPr>
           <a:lstStyle/>
           <a:p>
             <a:r>
@@ -4830,29 +4834,243 @@
               <a:t>5 </a:t>
             </a:r>
             <a:r>
+              <a:rPr kumimoji="1" lang="ja-JP" altLang="en-US" dirty="0"/>
+              <a:t>問目</a:t>
+            </a:r>
+            <a:r>
+              <a:rPr lang="en-US" altLang="ja-JP" dirty="0"/>
+              <a:t> – </a:t>
+            </a:r>
+            <a:r>
               <a:rPr lang="ja-JP" altLang="en-US" dirty="0"/>
-              <a:t>問目 </a:t>
-            </a:r>
-            <a:r>
-              <a:rPr lang="en-US" altLang="ja-JP" dirty="0"/>
-              <a:t>– </a:t>
-            </a:r>
-            <a:r>
-              <a:rPr lang="ja-JP" altLang="en-US" dirty="0"/>
-              <a:t>方針</a:t>
+              <a:t>問題概要</a:t>
             </a:r>
             <a:endParaRPr kumimoji="1" lang="ja-JP" altLang="en-US" dirty="0"/>
           </a:p>
         </p:txBody>
       </p:sp>
-      <p:sp>
-        <p:nvSpPr>
-          <p:cNvPr id="3" name="コンテンツ プレースホルダー 2"/>
-          <p:cNvSpPr>
-            <a:spLocks noGrp="1"/>
-          </p:cNvSpPr>
-          <p:nvPr>
-            <p:ph idx="1"/>
+      <mc:AlternateContent xmlns:mc="http://schemas.openxmlformats.org/markup-compatibility/2006" xmlns:a14="http://schemas.microsoft.com/office/drawing/2010/main">
+        <mc:Choice Requires="a14">
+          <p:sp>
+            <p:nvSpPr>
+              <p:cNvPr id="3" name="コンテンツ プレースホルダー 2"/>
+              <p:cNvSpPr>
+                <a:spLocks noGrp="1"/>
+              </p:cNvSpPr>
+              <p:nvPr>
+                <p:ph idx="1"/>
+              </p:nvPr>
+            </p:nvSpPr>
+            <p:spPr/>
+            <p:txBody>
+              <a:bodyPr/>
+              <a:lstStyle/>
+              <a:p>
+                <a:r>
+                  <a:rPr lang="en-US" altLang="ja-JP" dirty="0"/>
+                  <a:t>W </a:t>
+                </a:r>
+                <a:r>
+                  <a:rPr lang="ja-JP" altLang="en-US" dirty="0"/>
+                  <a:t>個のスイッチが横に並んでいて</a:t>
+                </a:r>
+                <a:r>
+                  <a:rPr lang="en-US" altLang="ja-JP" dirty="0"/>
+                  <a:t>, </a:t>
+                </a:r>
+                <a:r>
+                  <a:rPr lang="ja-JP" altLang="en-US" dirty="0"/>
+                  <a:t>すべてのスイッチは最初 </a:t>
+                </a:r>
+                <a:r>
+                  <a:rPr lang="en-US" altLang="ja-JP" dirty="0"/>
+                  <a:t>OFF</a:t>
+                </a:r>
+              </a:p>
+              <a:p>
+                <a:r>
+                  <a:rPr lang="en-US" altLang="ja-JP" dirty="0"/>
+                  <a:t>Q </a:t>
+                </a:r>
+                <a:r>
+                  <a:rPr lang="ja-JP" altLang="en-US" dirty="0"/>
+                  <a:t>匹のうさぎちゃんが</a:t>
+                </a:r>
+                <a:r>
+                  <a:rPr lang="en-US" altLang="ja-JP" dirty="0"/>
+                  <a:t>, </a:t>
+                </a:r>
+                <a:r>
+                  <a:rPr lang="ja-JP" altLang="en-US" dirty="0"/>
+                  <a:t>以下の操作を既に行った</a:t>
+                </a:r>
+                <a:endParaRPr lang="en-US" altLang="ja-JP" dirty="0"/>
+              </a:p>
+              <a:p>
+                <a:pPr lvl="1"/>
+                <a:r>
+                  <a:rPr lang="ja-JP" altLang="en-US" dirty="0"/>
+                  <a:t>スイッチ </a:t>
+                </a:r>
+                <a14:m>
+                  <m:oMath xmlns:m="http://schemas.openxmlformats.org/officeDocument/2006/math">
+                    <m:sSub>
+                      <m:sSubPr>
+                        <m:ctrlPr>
+                          <a:rPr lang="en-US" altLang="ja-JP" i="1" dirty="0" smtClean="0">
+                            <a:latin typeface="Cambria Math" panose="02040503050406030204" pitchFamily="18" charset="0"/>
+                          </a:rPr>
+                        </m:ctrlPr>
+                      </m:sSubPr>
+                      <m:e>
+                        <m:r>
+                          <a:rPr lang="en-US" altLang="ja-JP" i="1" dirty="0" smtClean="0">
+                            <a:latin typeface="Cambria Math" panose="02040503050406030204" pitchFamily="18" charset="0"/>
+                          </a:rPr>
+                          <m:t>𝐿</m:t>
+                        </m:r>
+                      </m:e>
+                      <m:sub>
+                        <m:r>
+                          <a:rPr lang="en-US" altLang="ja-JP" i="1" dirty="0" smtClean="0">
+                            <a:latin typeface="Cambria Math" panose="02040503050406030204" pitchFamily="18" charset="0"/>
+                          </a:rPr>
+                          <m:t>𝑖</m:t>
+                        </m:r>
+                      </m:sub>
+                    </m:sSub>
+                  </m:oMath>
+                </a14:m>
+                <a:r>
+                  <a:rPr lang="en-US" altLang="ja-JP" dirty="0"/>
+                  <a:t> </a:t>
+                </a:r>
+                <a:r>
+                  <a:rPr lang="ja-JP" altLang="en-US" dirty="0"/>
+                  <a:t>からスイッチ </a:t>
+                </a:r>
+                <a14:m>
+                  <m:oMath xmlns:m="http://schemas.openxmlformats.org/officeDocument/2006/math">
+                    <m:sSub>
+                      <m:sSubPr>
+                        <m:ctrlPr>
+                          <a:rPr lang="en-US" altLang="ja-JP" i="1" dirty="0" smtClean="0">
+                            <a:latin typeface="Cambria Math" panose="02040503050406030204" pitchFamily="18" charset="0"/>
+                          </a:rPr>
+                        </m:ctrlPr>
+                      </m:sSubPr>
+                      <m:e>
+                        <m:r>
+                          <a:rPr lang="en-US" altLang="ja-JP" i="1" dirty="0" smtClean="0">
+                            <a:latin typeface="Cambria Math" panose="02040503050406030204" pitchFamily="18" charset="0"/>
+                          </a:rPr>
+                          <m:t>𝑅</m:t>
+                        </m:r>
+                      </m:e>
+                      <m:sub>
+                        <m:r>
+                          <a:rPr lang="en-US" altLang="ja-JP" i="1" dirty="0" smtClean="0">
+                            <a:latin typeface="Cambria Math" panose="02040503050406030204" pitchFamily="18" charset="0"/>
+                          </a:rPr>
+                          <m:t>𝑖</m:t>
+                        </m:r>
+                      </m:sub>
+                    </m:sSub>
+                  </m:oMath>
+                </a14:m>
+                <a:r>
+                  <a:rPr lang="en-US" altLang="ja-JP" dirty="0"/>
+                  <a:t> </a:t>
+                </a:r>
+                <a:r>
+                  <a:rPr lang="ja-JP" altLang="en-US" dirty="0"/>
+                  <a:t>の区間の状態を反転</a:t>
+                </a:r>
+                <a:endParaRPr lang="en-US" altLang="ja-JP" dirty="0"/>
+              </a:p>
+              <a:p>
+                <a:r>
+                  <a:rPr lang="ja-JP" altLang="en-US" dirty="0"/>
+                  <a:t>上の操作をもう何回か行って</a:t>
+                </a:r>
+                <a:r>
+                  <a:rPr lang="en-US" altLang="ja-JP" dirty="0"/>
+                  <a:t>, </a:t>
+                </a:r>
+                <a:r>
+                  <a:rPr lang="ja-JP" altLang="en-US" dirty="0"/>
+                  <a:t>すべてのスイッチを </a:t>
+                </a:r>
+                <a:r>
+                  <a:rPr lang="en-US" altLang="ja-JP" dirty="0"/>
+                  <a:t>ON </a:t>
+                </a:r>
+                <a:r>
+                  <a:rPr lang="ja-JP" altLang="en-US" dirty="0"/>
+                  <a:t>にしたい</a:t>
+                </a:r>
+                <a:endParaRPr lang="en-US" altLang="ja-JP" dirty="0"/>
+              </a:p>
+              <a:p>
+                <a:pPr lvl="1"/>
+                <a:r>
+                  <a:rPr lang="ja-JP" altLang="en-US" dirty="0"/>
+                  <a:t>このときの区間は自由に選べる</a:t>
+                </a:r>
+                <a:endParaRPr lang="en-US" altLang="ja-JP" dirty="0"/>
+              </a:p>
+              <a:p>
+                <a:r>
+                  <a:rPr lang="ja-JP" altLang="en-US" dirty="0"/>
+                  <a:t>操作する回数の最小回数とその手順を出力せよ</a:t>
+                </a:r>
+                <a:endParaRPr lang="en-US" altLang="ja-JP" dirty="0"/>
+              </a:p>
+            </p:txBody>
+          </p:sp>
+        </mc:Choice>
+        <mc:Fallback xmlns="">
+          <p:sp>
+            <p:nvSpPr>
+              <p:cNvPr id="3" name="コンテンツ プレースホルダー 2"/>
+              <p:cNvSpPr>
+                <a:spLocks noGrp="1" noRot="1" noChangeAspect="1" noMove="1" noResize="1" noEditPoints="1" noAdjustHandles="1" noChangeArrowheads="1" noChangeShapeType="1" noTextEdit="1"/>
+              </p:cNvSpPr>
+              <p:nvPr>
+                <p:ph idx="1"/>
+              </p:nvPr>
+            </p:nvSpPr>
+            <p:spPr>
+              <a:blipFill>
+                <a:blip r:embed="rId2"/>
+                <a:stretch>
+                  <a:fillRect t="-127"/>
+                </a:stretch>
+              </a:blipFill>
+            </p:spPr>
+            <p:txBody>
+              <a:bodyPr/>
+              <a:lstStyle/>
+              <a:p>
+                <a:r>
+                  <a:rPr lang="ja-JP" altLang="en-US">
+                    <a:noFill/>
+                  </a:rPr>
+                  <a:t> </a:t>
+                </a:r>
+              </a:p>
+            </p:txBody>
+          </p:sp>
+        </mc:Fallback>
+      </mc:AlternateContent>
+      <p:sp>
+        <p:nvSpPr>
+          <p:cNvPr id="4" name="日付プレースホルダー 3"/>
+          <p:cNvSpPr>
+            <a:spLocks noGrp="1"/>
+          </p:cNvSpPr>
+          <p:nvPr>
+            <p:ph type="dt" sz="half" idx="2"/>
           </p:nvPr>
         </p:nvSpPr>
         <p:spPr/>
@@ -4860,149 +5078,7 @@
           <a:bodyPr/>
           <a:lstStyle/>
           <a:p>
-            <a:r>
-              <a:rPr kumimoji="1" lang="ja-JP" altLang="en-US" dirty="0"/>
-              <a:t>この問題は以下の </a:t>
-            </a:r>
-            <a:r>
-              <a:rPr kumimoji="1" lang="en-US" altLang="ja-JP" dirty="0"/>
-              <a:t>2 </a:t>
-            </a:r>
-            <a:r>
-              <a:rPr kumimoji="1" lang="ja-JP" altLang="en-US" dirty="0" err="1"/>
-              <a:t>つの</a:t>
-            </a:r>
-            <a:r>
-              <a:rPr kumimoji="1" lang="ja-JP" altLang="en-US" dirty="0"/>
-              <a:t>問題に分けて考えるとよい</a:t>
-            </a:r>
-            <a:endParaRPr kumimoji="1" lang="en-US" altLang="ja-JP" dirty="0"/>
-          </a:p>
-          <a:p>
-            <a:pPr marL="514350" indent="-514350">
-              <a:buFont typeface="+mj-lt"/>
-              <a:buAutoNum type="arabicPeriod"/>
-            </a:pPr>
-            <a:r>
-              <a:rPr kumimoji="1" lang="en-US" altLang="ja-JP" dirty="0"/>
-              <a:t>Q</a:t>
-            </a:r>
-            <a:r>
-              <a:rPr kumimoji="1" lang="ja-JP" altLang="en-US" dirty="0"/>
-              <a:t>匹のうさぎちゃんによる区間反転</a:t>
-            </a:r>
-            <a:r>
-              <a:rPr lang="ja-JP" altLang="en-US" dirty="0"/>
-              <a:t>後の盤面を求める</a:t>
-            </a:r>
-            <a:endParaRPr kumimoji="1" lang="en-US" altLang="ja-JP" dirty="0"/>
-          </a:p>
-          <a:p>
-            <a:pPr marL="514350" indent="-514350">
-              <a:buFont typeface="+mj-lt"/>
-              <a:buAutoNum type="arabicPeriod"/>
-            </a:pPr>
-            <a:r>
-              <a:rPr kumimoji="1" lang="ja-JP" altLang="en-US" dirty="0"/>
-              <a:t>盤面から</a:t>
-            </a:r>
-            <a:r>
-              <a:rPr kumimoji="1" lang="en-US" altLang="ja-JP" dirty="0"/>
-              <a:t>, </a:t>
-            </a:r>
-            <a:r>
-              <a:rPr kumimoji="1" lang="ja-JP" altLang="en-US" dirty="0"/>
-              <a:t>すべてのスイッチを </a:t>
-            </a:r>
-            <a:r>
-              <a:rPr kumimoji="1" lang="en-US" altLang="ja-JP" dirty="0"/>
-              <a:t>ON </a:t>
-            </a:r>
-            <a:r>
-              <a:rPr kumimoji="1" lang="ja-JP" altLang="en-US" dirty="0"/>
-              <a:t>にするための区間反転の</a:t>
-            </a:r>
-            <a:br>
-              <a:rPr kumimoji="1" lang="en-US" altLang="ja-JP" dirty="0"/>
-            </a:br>
-            <a:r>
-              <a:rPr kumimoji="1" lang="ja-JP" altLang="en-US" dirty="0"/>
-              <a:t>最小回数とその操作手順を求める</a:t>
-            </a:r>
-            <a:endParaRPr lang="en-US" altLang="ja-JP" dirty="0"/>
-          </a:p>
-          <a:p>
-            <a:r>
-              <a:rPr lang="ja-JP" altLang="en-US" dirty="0"/>
-              <a:t>以後</a:t>
-            </a:r>
-            <a:r>
-              <a:rPr lang="en-US" altLang="ja-JP" dirty="0"/>
-              <a:t>, </a:t>
-            </a:r>
-            <a:r>
-              <a:rPr lang="ja-JP" altLang="en-US" dirty="0"/>
-              <a:t>スイッチの</a:t>
-            </a:r>
-            <a:r>
-              <a:rPr lang="en-US" altLang="ja-JP" dirty="0"/>
-              <a:t>OFF/ON</a:t>
-            </a:r>
-            <a:r>
-              <a:rPr lang="ja-JP" altLang="en-US" dirty="0"/>
-              <a:t>の状態を</a:t>
-            </a:r>
-            <a:r>
-              <a:rPr lang="en-US" altLang="ja-JP" dirty="0"/>
-              <a:t>0/1</a:t>
-            </a:r>
-            <a:r>
-              <a:rPr lang="ja-JP" altLang="en-US" dirty="0"/>
-              <a:t>で表すこととします</a:t>
-            </a:r>
-            <a:endParaRPr lang="en-US" altLang="ja-JP" dirty="0"/>
-          </a:p>
-          <a:p>
-            <a:r>
-              <a:rPr lang="ja-JP" altLang="en-US" dirty="0"/>
-              <a:t>解説の都合上</a:t>
-            </a:r>
-            <a:r>
-              <a:rPr lang="en-US" altLang="ja-JP" dirty="0"/>
-              <a:t>, </a:t>
-            </a:r>
-            <a:r>
-              <a:rPr lang="ja-JP" altLang="en-US" dirty="0"/>
-              <a:t>最初に </a:t>
-            </a:r>
-            <a:r>
-              <a:rPr lang="en-US" altLang="ja-JP" dirty="0"/>
-              <a:t>2. </a:t>
-            </a:r>
-            <a:r>
-              <a:rPr lang="ja-JP" altLang="en-US" dirty="0"/>
-              <a:t>の問題を考えます</a:t>
-            </a:r>
-            <a:endParaRPr lang="en-US" altLang="ja-JP" dirty="0"/>
-          </a:p>
-        </p:txBody>
-      </p:sp>
-      <p:sp>
-        <p:nvSpPr>
-          <p:cNvPr id="4" name="日付プレースホルダー 3"/>
-          <p:cNvSpPr>
-            <a:spLocks noGrp="1"/>
-          </p:cNvSpPr>
-          <p:nvPr>
-            <p:ph type="dt" sz="half" idx="2"/>
-          </p:nvPr>
-        </p:nvSpPr>
-        <p:spPr/>
-        <p:txBody>
-          <a:bodyPr/>
-          <a:lstStyle/>
-          <a:p>
-            <a:fld id="{B1A103DF-03ED-4B04-9FA4-76EE9EA73D19}" type="datetime1">
+            <a:fld id="{517CB059-196A-46DC-AD2D-D83AA75190EE}" type="datetime1">
               <a:rPr lang="ja-JP" altLang="en-US" smtClean="0"/>
               <a:t>2017/1/10</a:t>
             </a:fld>
@@ -5027,7 +5103,7 @@
           <a:p>
             <a:r>
               <a:rPr lang="ja-JP" altLang="en-US"/>
-              <a:t>マクロのつかいかた</a:t>
+              <a:t>解説</a:t>
             </a:r>
           </a:p>
         </p:txBody>
@@ -5059,7 +5135,7 @@
     </p:spTree>
     <p:extLst>
       <p:ext uri="{BB962C8B-B14F-4D97-AF65-F5344CB8AC3E}">
-        <p14:creationId xmlns:p14="http://schemas.microsoft.com/office/powerpoint/2010/main" val="15016774"/>
+        <p14:creationId xmlns:p14="http://schemas.microsoft.com/office/powerpoint/2010/main" val="2745784167"/>
       </p:ext>
     </p:extLst>
   </p:cSld>
@@ -5098,7 +5174,9 @@
         </p:nvSpPr>
         <p:spPr/>
         <p:txBody>
-          <a:bodyPr/>
+          <a:bodyPr>
+            <a:normAutofit/>
+          </a:bodyPr>
           <a:lstStyle/>
           <a:p>
             <a:r>
@@ -5115,24 +5193,332 @@
             </a:r>
             <a:r>
               <a:rPr kumimoji="1" lang="ja-JP" altLang="en-US" dirty="0"/>
-              <a:t>部分問題 </a:t>
-            </a:r>
-            <a:r>
-              <a:rPr kumimoji="1" lang="en-US" altLang="ja-JP" dirty="0"/>
-              <a:t>2</a:t>
-            </a:r>
-            <a:endParaRPr kumimoji="1" lang="ja-JP" altLang="en-US" dirty="0"/>
-          </a:p>
-        </p:txBody>
-      </p:sp>
-      <p:sp>
-        <p:nvSpPr>
-          <p:cNvPr id="3" name="コンテンツ プレースホルダー 2"/>
-          <p:cNvSpPr>
-            <a:spLocks noGrp="1"/>
-          </p:cNvSpPr>
-          <p:nvPr>
-            <p:ph idx="1"/>
+              <a:t>制約</a:t>
+            </a:r>
+          </a:p>
+        </p:txBody>
+      </p:sp>
+      <mc:AlternateContent xmlns:mc="http://schemas.openxmlformats.org/markup-compatibility/2006" xmlns:a14="http://schemas.microsoft.com/office/drawing/2010/main">
+        <mc:Choice Requires="a14">
+          <p:sp>
+            <p:nvSpPr>
+              <p:cNvPr id="3" name="コンテンツ プレースホルダー 2"/>
+              <p:cNvSpPr>
+                <a:spLocks noGrp="1"/>
+              </p:cNvSpPr>
+              <p:nvPr>
+                <p:ph idx="1"/>
+              </p:nvPr>
+            </p:nvSpPr>
+            <p:spPr/>
+            <p:txBody>
+              <a:bodyPr/>
+              <a:lstStyle/>
+              <a:p>
+                <a:r>
+                  <a:rPr kumimoji="1" lang="ja-JP" altLang="en-US" dirty="0"/>
+                  <a:t>部分点制約</a:t>
+                </a:r>
+                <a:endParaRPr lang="en-US" altLang="ja-JP" dirty="0"/>
+              </a:p>
+              <a:p>
+                <a:pPr lvl="1"/>
+                <a:r>
+                  <a:rPr lang="ja-JP" altLang="en-US" dirty="0"/>
+                  <a:t>スイッチの個数 </a:t>
+                </a:r>
+                <a14:m>
+                  <m:oMath xmlns:m="http://schemas.openxmlformats.org/officeDocument/2006/math">
+                    <m:r>
+                      <a:rPr lang="en-US" altLang="ja-JP" i="1" dirty="0">
+                        <a:latin typeface="Cambria Math" panose="02040503050406030204" pitchFamily="18" charset="0"/>
+                      </a:rPr>
+                      <m:t>𝑊</m:t>
+                    </m:r>
+                    <m:d>
+                      <m:dPr>
+                        <m:ctrlPr>
+                          <a:rPr lang="en-US" altLang="ja-JP" i="1" dirty="0">
+                            <a:latin typeface="Cambria Math" panose="02040503050406030204" pitchFamily="18" charset="0"/>
+                          </a:rPr>
+                        </m:ctrlPr>
+                      </m:dPr>
+                      <m:e>
+                        <m:r>
+                          <a:rPr lang="en-US" altLang="ja-JP" i="1" dirty="0">
+                            <a:latin typeface="Cambria Math" panose="02040503050406030204" pitchFamily="18" charset="0"/>
+                          </a:rPr>
+                          <m:t>1≤</m:t>
+                        </m:r>
+                        <m:r>
+                          <a:rPr lang="en-US" altLang="ja-JP" i="1" dirty="0">
+                            <a:latin typeface="Cambria Math" panose="02040503050406030204" pitchFamily="18" charset="0"/>
+                          </a:rPr>
+                          <m:t>𝑊</m:t>
+                        </m:r>
+                        <m:r>
+                          <a:rPr lang="en-US" altLang="ja-JP" i="1" dirty="0">
+                            <a:latin typeface="Cambria Math" panose="02040503050406030204" pitchFamily="18" charset="0"/>
+                          </a:rPr>
+                          <m:t>≤1000</m:t>
+                        </m:r>
+                      </m:e>
+                    </m:d>
+                  </m:oMath>
+                </a14:m>
+                <a:endParaRPr lang="en-US" altLang="ja-JP" dirty="0"/>
+              </a:p>
+              <a:p>
+                <a:pPr lvl="1"/>
+                <a:r>
+                  <a:rPr lang="ja-JP" altLang="en-US" dirty="0"/>
+                  <a:t>うさぎちゃんの匹数</a:t>
+                </a:r>
+                <a:r>
+                  <a:rPr lang="en-US" altLang="ja-JP" dirty="0"/>
+                  <a:t> </a:t>
+                </a:r>
+                <a14:m>
+                  <m:oMath xmlns:m="http://schemas.openxmlformats.org/officeDocument/2006/math">
+                    <m:r>
+                      <a:rPr lang="en-US" altLang="ja-JP" i="1">
+                        <a:latin typeface="Cambria Math" panose="02040503050406030204" pitchFamily="18" charset="0"/>
+                      </a:rPr>
+                      <m:t>𝑄</m:t>
+                    </m:r>
+                    <m:d>
+                      <m:dPr>
+                        <m:ctrlPr>
+                          <a:rPr lang="en-US" altLang="ja-JP" i="1" smtClean="0">
+                            <a:latin typeface="Cambria Math" panose="02040503050406030204" pitchFamily="18" charset="0"/>
+                          </a:rPr>
+                        </m:ctrlPr>
+                      </m:dPr>
+                      <m:e>
+                        <m:r>
+                          <a:rPr lang="en-US" altLang="ja-JP" i="1">
+                            <a:latin typeface="Cambria Math" panose="02040503050406030204" pitchFamily="18" charset="0"/>
+                          </a:rPr>
+                          <m:t>0≤</m:t>
+                        </m:r>
+                        <m:r>
+                          <a:rPr lang="en-US" altLang="ja-JP" i="1">
+                            <a:latin typeface="Cambria Math" panose="02040503050406030204" pitchFamily="18" charset="0"/>
+                          </a:rPr>
+                          <m:t>𝑄</m:t>
+                        </m:r>
+                        <m:r>
+                          <a:rPr lang="en-US" altLang="ja-JP" i="1">
+                            <a:latin typeface="Cambria Math" panose="02040503050406030204" pitchFamily="18" charset="0"/>
+                          </a:rPr>
+                          <m:t>≤1000</m:t>
+                        </m:r>
+                      </m:e>
+                    </m:d>
+                  </m:oMath>
+                </a14:m>
+                <a:endParaRPr kumimoji="1" lang="en-US" altLang="ja-JP" dirty="0"/>
+              </a:p>
+              <a:p>
+                <a:r>
+                  <a:rPr lang="ja-JP" altLang="en-US" dirty="0"/>
+                  <a:t>満点制約</a:t>
+                </a:r>
+                <a:endParaRPr lang="en-US" altLang="ja-JP" dirty="0"/>
+              </a:p>
+              <a:p>
+                <a:pPr lvl="1"/>
+                <a:r>
+                  <a:rPr kumimoji="1" lang="ja-JP" altLang="en-US" dirty="0"/>
+                  <a:t>スイッチの個数 </a:t>
+                </a:r>
+                <a14:m>
+                  <m:oMath xmlns:m="http://schemas.openxmlformats.org/officeDocument/2006/math">
+                    <m:r>
+                      <a:rPr kumimoji="1" lang="en-US" altLang="ja-JP" i="1" dirty="0" smtClean="0">
+                        <a:latin typeface="Cambria Math" panose="02040503050406030204" pitchFamily="18" charset="0"/>
+                      </a:rPr>
+                      <m:t>𝑊</m:t>
+                    </m:r>
+                    <m:d>
+                      <m:dPr>
+                        <m:ctrlPr>
+                          <a:rPr kumimoji="1" lang="en-US" altLang="ja-JP" i="1" dirty="0" smtClean="0">
+                            <a:latin typeface="Cambria Math" panose="02040503050406030204" pitchFamily="18" charset="0"/>
+                          </a:rPr>
+                        </m:ctrlPr>
+                      </m:dPr>
+                      <m:e>
+                        <m:r>
+                          <a:rPr kumimoji="1" lang="en-US" altLang="ja-JP" i="1" dirty="0" smtClean="0">
+                            <a:latin typeface="Cambria Math" panose="02040503050406030204" pitchFamily="18" charset="0"/>
+                          </a:rPr>
+                          <m:t>1≤</m:t>
+                        </m:r>
+                        <m:r>
+                          <a:rPr kumimoji="1" lang="en-US" altLang="ja-JP" b="0" i="1" dirty="0" smtClean="0">
+                            <a:latin typeface="Cambria Math" panose="02040503050406030204" pitchFamily="18" charset="0"/>
+                          </a:rPr>
+                          <m:t>𝑊</m:t>
+                        </m:r>
+                        <m:r>
+                          <a:rPr kumimoji="1" lang="en-US" altLang="ja-JP" i="1" dirty="0" smtClean="0">
+                            <a:latin typeface="Cambria Math" panose="02040503050406030204" pitchFamily="18" charset="0"/>
+                          </a:rPr>
+                          <m:t>≤2×</m:t>
+                        </m:r>
+                        <m:sSup>
+                          <m:sSupPr>
+                            <m:ctrlPr>
+                              <a:rPr kumimoji="1" lang="en-US" altLang="ja-JP" i="1" dirty="0" smtClean="0">
+                                <a:latin typeface="Cambria Math" panose="02040503050406030204" pitchFamily="18" charset="0"/>
+                              </a:rPr>
+                            </m:ctrlPr>
+                          </m:sSupPr>
+                          <m:e>
+                            <m:r>
+                              <a:rPr kumimoji="1" lang="en-US" altLang="ja-JP" i="1" dirty="0" smtClean="0">
+                                <a:latin typeface="Cambria Math" panose="02040503050406030204" pitchFamily="18" charset="0"/>
+                              </a:rPr>
+                              <m:t>10</m:t>
+                            </m:r>
+                          </m:e>
+                          <m:sup>
+                            <m:r>
+                              <a:rPr kumimoji="1" lang="en-US" altLang="ja-JP" i="1" dirty="0" smtClean="0">
+                                <a:latin typeface="Cambria Math" panose="02040503050406030204" pitchFamily="18" charset="0"/>
+                              </a:rPr>
+                              <m:t>5</m:t>
+                            </m:r>
+                          </m:sup>
+                        </m:sSup>
+                      </m:e>
+                    </m:d>
+                  </m:oMath>
+                </a14:m>
+                <a:endParaRPr kumimoji="1" lang="en-US" altLang="ja-JP" dirty="0"/>
+              </a:p>
+              <a:p>
+                <a:pPr lvl="1"/>
+                <a:r>
+                  <a:rPr lang="ja-JP" altLang="en-US" dirty="0"/>
+                  <a:t>うさぎちゃんの匹数</a:t>
+                </a:r>
+                <a:r>
+                  <a:rPr lang="en-US" altLang="ja-JP" dirty="0"/>
+                  <a:t> </a:t>
+                </a:r>
+                <a14:m>
+                  <m:oMath xmlns:m="http://schemas.openxmlformats.org/officeDocument/2006/math">
+                    <m:r>
+                      <a:rPr lang="en-US" altLang="ja-JP" b="0" i="1" smtClean="0">
+                        <a:latin typeface="Cambria Math" panose="02040503050406030204" pitchFamily="18" charset="0"/>
+                      </a:rPr>
+                      <m:t>𝑄</m:t>
+                    </m:r>
+                    <m:d>
+                      <m:dPr>
+                        <m:ctrlPr>
+                          <a:rPr lang="en-US" altLang="ja-JP" b="0" i="1" smtClean="0">
+                            <a:latin typeface="Cambria Math" panose="02040503050406030204" pitchFamily="18" charset="0"/>
+                          </a:rPr>
+                        </m:ctrlPr>
+                      </m:dPr>
+                      <m:e>
+                        <m:r>
+                          <a:rPr lang="en-US" altLang="ja-JP" b="0" i="1" smtClean="0">
+                            <a:latin typeface="Cambria Math" panose="02040503050406030204" pitchFamily="18" charset="0"/>
+                          </a:rPr>
+                          <m:t>0≤</m:t>
+                        </m:r>
+                        <m:r>
+                          <a:rPr lang="en-US" altLang="ja-JP" b="0" i="1" smtClean="0">
+                            <a:latin typeface="Cambria Math" panose="02040503050406030204" pitchFamily="18" charset="0"/>
+                          </a:rPr>
+                          <m:t>𝑄</m:t>
+                        </m:r>
+                        <m:r>
+                          <a:rPr lang="en-US" altLang="ja-JP" b="0" i="1" smtClean="0">
+                            <a:latin typeface="Cambria Math" panose="02040503050406030204" pitchFamily="18" charset="0"/>
+                          </a:rPr>
+                          <m:t>≤2×</m:t>
+                        </m:r>
+                        <m:sSup>
+                          <m:sSupPr>
+                            <m:ctrlPr>
+                              <a:rPr lang="en-US" altLang="ja-JP" b="0" i="1" smtClean="0">
+                                <a:latin typeface="Cambria Math" panose="02040503050406030204" pitchFamily="18" charset="0"/>
+                              </a:rPr>
+                            </m:ctrlPr>
+                          </m:sSupPr>
+                          <m:e>
+                            <m:r>
+                              <a:rPr lang="en-US" altLang="ja-JP" b="0" i="1" smtClean="0">
+                                <a:latin typeface="Cambria Math" panose="02040503050406030204" pitchFamily="18" charset="0"/>
+                              </a:rPr>
+                              <m:t>10</m:t>
+                            </m:r>
+                          </m:e>
+                          <m:sup>
+                            <m:r>
+                              <a:rPr lang="en-US" altLang="ja-JP" b="0" i="1" smtClean="0">
+                                <a:latin typeface="Cambria Math" panose="02040503050406030204" pitchFamily="18" charset="0"/>
+                              </a:rPr>
+                              <m:t>5</m:t>
+                            </m:r>
+                          </m:sup>
+                        </m:sSup>
+                      </m:e>
+                    </m:d>
+                  </m:oMath>
+                </a14:m>
+                <a:endParaRPr lang="en-US" altLang="ja-JP" dirty="0"/>
+              </a:p>
+            </p:txBody>
+          </p:sp>
+        </mc:Choice>
+        <mc:Fallback xmlns="">
+          <p:sp>
+            <p:nvSpPr>
+              <p:cNvPr id="3" name="コンテンツ プレースホルダー 2"/>
+              <p:cNvSpPr>
+                <a:spLocks noGrp="1" noRot="1" noChangeAspect="1" noMove="1" noResize="1" noEditPoints="1" noAdjustHandles="1" noChangeArrowheads="1" noChangeShapeType="1" noTextEdit="1"/>
+              </p:cNvSpPr>
+              <p:nvPr>
+                <p:ph idx="1"/>
+              </p:nvPr>
+            </p:nvSpPr>
+            <p:spPr>
+              <a:blipFill>
+                <a:blip r:embed="rId2"/>
+                <a:stretch>
+                  <a:fillRect/>
+                </a:stretch>
+              </a:blipFill>
+            </p:spPr>
+            <p:txBody>
+              <a:bodyPr/>
+              <a:lstStyle/>
+              <a:p>
+                <a:r>
+                  <a:rPr lang="ja-JP" altLang="en-US">
+                    <a:noFill/>
+                  </a:rPr>
+                  <a:t> </a:t>
+                </a:r>
+              </a:p>
+            </p:txBody>
+          </p:sp>
+        </mc:Fallback>
+      </mc:AlternateContent>
+      <p:sp>
+        <p:nvSpPr>
+          <p:cNvPr id="4" name="日付プレースホルダー 3"/>
+          <p:cNvSpPr>
+            <a:spLocks noGrp="1"/>
+          </p:cNvSpPr>
+          <p:nvPr>
+            <p:ph type="dt" sz="half" idx="2"/>
           </p:nvPr>
         </p:nvSpPr>
         <p:spPr/>
@@ -5140,70 +5526,7 @@
           <a:bodyPr/>
           <a:lstStyle/>
           <a:p>
-            <a:r>
-              <a:rPr lang="ja-JP" altLang="en-US" dirty="0"/>
-              <a:t>例えば</a:t>
-            </a:r>
-            <a:r>
-              <a:rPr lang="en-US" altLang="ja-JP" dirty="0"/>
-              <a:t>, </a:t>
-            </a:r>
-            <a:r>
-              <a:rPr lang="ja-JP" altLang="en-US" dirty="0"/>
-              <a:t>盤面が以下だったとする</a:t>
-            </a:r>
-            <a:endParaRPr lang="en-US" altLang="ja-JP" dirty="0"/>
-          </a:p>
-          <a:p>
-            <a:pPr lvl="1"/>
-            <a:r>
-              <a:rPr lang="en-US" altLang="ja-JP" dirty="0"/>
-              <a:t>101111000000001011</a:t>
-            </a:r>
-          </a:p>
-          <a:p>
-            <a:r>
-              <a:rPr lang="ja-JP" altLang="en-US" dirty="0"/>
-              <a:t>この列を何回か区間反転することによりすべて </a:t>
-            </a:r>
-            <a:r>
-              <a:rPr lang="en-US" altLang="ja-JP" dirty="0"/>
-              <a:t>1 </a:t>
-            </a:r>
-            <a:r>
-              <a:rPr lang="ja-JP" altLang="en-US" dirty="0"/>
-              <a:t>にしたい</a:t>
-            </a:r>
-            <a:endParaRPr lang="en-US" altLang="ja-JP" dirty="0"/>
-          </a:p>
-          <a:p>
-            <a:endParaRPr lang="en-US" altLang="ja-JP" dirty="0"/>
-          </a:p>
-          <a:p>
-            <a:r>
-              <a:rPr lang="ja-JP" altLang="en-US" dirty="0"/>
-              <a:t>どうする！？</a:t>
-            </a:r>
-            <a:endParaRPr lang="en-US" altLang="ja-JP" dirty="0"/>
-          </a:p>
-        </p:txBody>
-      </p:sp>
-      <p:sp>
-        <p:nvSpPr>
-          <p:cNvPr id="4" name="日付プレースホルダー 3"/>
-          <p:cNvSpPr>
-            <a:spLocks noGrp="1"/>
-          </p:cNvSpPr>
-          <p:nvPr>
-            <p:ph type="dt" sz="half" idx="2"/>
-          </p:nvPr>
-        </p:nvSpPr>
-        <p:spPr/>
-        <p:txBody>
-          <a:bodyPr/>
-          <a:lstStyle/>
-          <a:p>
-            <a:fld id="{B1A103DF-03ED-4B04-9FA4-76EE9EA73D19}" type="datetime1">
+            <a:fld id="{72E1E621-8992-4073-BBA7-E72BDD804151}" type="datetime1">
               <a:rPr lang="ja-JP" altLang="en-US" smtClean="0"/>
               <a:t>2017/1/10</a:t>
             </a:fld>
@@ -5228,7 +5551,7 @@
           <a:p>
             <a:r>
               <a:rPr lang="ja-JP" altLang="en-US"/>
-              <a:t>マクロのつかいかた</a:t>
+              <a:t>解説</a:t>
             </a:r>
           </a:p>
         </p:txBody>
@@ -5260,7 +5583,7 @@
     </p:spTree>
     <p:extLst>
       <p:ext uri="{BB962C8B-B14F-4D97-AF65-F5344CB8AC3E}">
-        <p14:creationId xmlns:p14="http://schemas.microsoft.com/office/powerpoint/2010/main" val="3424389068"/>
+        <p14:creationId xmlns:p14="http://schemas.microsoft.com/office/powerpoint/2010/main" val="1057238243"/>
       </p:ext>
     </p:extLst>
   </p:cSld>
@@ -5307,43 +5630,111 @@
               <a:t>5 </a:t>
             </a:r>
             <a:r>
+              <a:rPr lang="ja-JP" altLang="en-US" dirty="0"/>
+              <a:t>問目 </a:t>
+            </a:r>
+            <a:r>
+              <a:rPr lang="en-US" altLang="ja-JP" dirty="0"/>
+              <a:t>– </a:t>
+            </a:r>
+            <a:r>
+              <a:rPr lang="ja-JP" altLang="en-US" dirty="0"/>
+              <a:t>方針</a:t>
+            </a:r>
+            <a:endParaRPr kumimoji="1" lang="ja-JP" altLang="en-US" dirty="0"/>
+          </a:p>
+        </p:txBody>
+      </p:sp>
+      <p:sp>
+        <p:nvSpPr>
+          <p:cNvPr id="3" name="コンテンツ プレースホルダー 2"/>
+          <p:cNvSpPr>
+            <a:spLocks noGrp="1"/>
+          </p:cNvSpPr>
+          <p:nvPr>
+            <p:ph idx="1"/>
+          </p:nvPr>
+        </p:nvSpPr>
+        <p:spPr/>
+        <p:txBody>
+          <a:bodyPr/>
+          <a:lstStyle/>
+          <a:p>
+            <a:r>
               <a:rPr kumimoji="1" lang="ja-JP" altLang="en-US" dirty="0"/>
-              <a:t>問目 </a:t>
+              <a:t>この問題は以下の </a:t>
             </a:r>
             <a:r>
               <a:rPr kumimoji="1" lang="en-US" altLang="ja-JP" dirty="0"/>
-              <a:t>– </a:t>
+              <a:t>2 </a:t>
+            </a:r>
+            <a:r>
+              <a:rPr kumimoji="1" lang="ja-JP" altLang="en-US" dirty="0" err="1"/>
+              <a:t>つの</a:t>
             </a:r>
             <a:r>
               <a:rPr kumimoji="1" lang="ja-JP" altLang="en-US" dirty="0"/>
-              <a:t>部分問題 </a:t>
-            </a:r>
+              <a:t>問題に分けて考えるとよい</a:t>
+            </a:r>
+            <a:endParaRPr kumimoji="1" lang="en-US" altLang="ja-JP" dirty="0"/>
+          </a:p>
+          <a:p>
+            <a:pPr marL="514350" indent="-514350">
+              <a:buFont typeface="+mj-lt"/>
+              <a:buAutoNum type="arabicPeriod"/>
+            </a:pPr>
             <a:r>
               <a:rPr kumimoji="1" lang="en-US" altLang="ja-JP" dirty="0"/>
-              <a:t>2</a:t>
-            </a:r>
-            <a:endParaRPr kumimoji="1" lang="ja-JP" altLang="en-US" dirty="0"/>
-          </a:p>
-        </p:txBody>
-      </p:sp>
-      <p:sp>
-        <p:nvSpPr>
-          <p:cNvPr id="3" name="コンテンツ プレースホルダー 2"/>
-          <p:cNvSpPr>
-            <a:spLocks noGrp="1"/>
-          </p:cNvSpPr>
-          <p:nvPr>
-            <p:ph idx="1"/>
-          </p:nvPr>
-        </p:nvSpPr>
-        <p:spPr/>
-        <p:txBody>
-          <a:bodyPr/>
-          <a:lstStyle/>
-          <a:p>
+              <a:t>Q</a:t>
+            </a:r>
+            <a:r>
+              <a:rPr kumimoji="1" lang="ja-JP" altLang="en-US" dirty="0"/>
+              <a:t>匹のうさぎちゃんによる区間反転</a:t>
+            </a:r>
             <a:r>
               <a:rPr lang="ja-JP" altLang="en-US" dirty="0"/>
-              <a:t>例えば</a:t>
+              <a:t>後の盤面を求める</a:t>
+            </a:r>
+            <a:endParaRPr kumimoji="1" lang="en-US" altLang="ja-JP" dirty="0"/>
+          </a:p>
+          <a:p>
+            <a:pPr marL="514350" indent="-514350">
+              <a:buFont typeface="+mj-lt"/>
+              <a:buAutoNum type="arabicPeriod"/>
+            </a:pPr>
+            <a:r>
+              <a:rPr kumimoji="1" lang="ja-JP" altLang="en-US" dirty="0"/>
+              <a:t>盤面から</a:t>
+            </a:r>
+            <a:r>
+              <a:rPr kumimoji="1" lang="en-US" altLang="ja-JP" dirty="0"/>
+              <a:t>, </a:t>
+            </a:r>
+            <a:r>
+              <a:rPr kumimoji="1" lang="ja-JP" altLang="en-US" dirty="0"/>
+              <a:t>すべてのスイッチを </a:t>
+            </a:r>
+            <a:r>
+              <a:rPr kumimoji="1" lang="en-US" altLang="ja-JP" dirty="0"/>
+              <a:t>ON </a:t>
+            </a:r>
+            <a:r>
+              <a:rPr kumimoji="1" lang="ja-JP" altLang="en-US" dirty="0"/>
+              <a:t>にするための区間反転の</a:t>
+            </a:r>
+            <a:br>
+              <a:rPr kumimoji="1" lang="en-US" altLang="ja-JP" dirty="0"/>
+            </a:br>
+            <a:r>
+              <a:rPr kumimoji="1" lang="ja-JP" altLang="en-US" dirty="0"/>
+              <a:t>最小回数とその操作手順を求める</a:t>
+            </a:r>
+            <a:endParaRPr lang="en-US" altLang="ja-JP" dirty="0"/>
+          </a:p>
+          <a:p>
+            <a:r>
+              <a:rPr lang="ja-JP" altLang="en-US" dirty="0"/>
+              <a:t>以後</a:t>
             </a:r>
             <a:r>
               <a:rPr lang="en-US" altLang="ja-JP" dirty="0"/>
@@ -5351,183 +5742,30 @@
             </a:r>
             <a:r>
               <a:rPr lang="ja-JP" altLang="en-US" dirty="0"/>
-              <a:t>盤面が以下だったとする</a:t>
+              <a:t>スイッチの</a:t>
+            </a:r>
+            <a:r>
+              <a:rPr lang="en-US" altLang="ja-JP" dirty="0"/>
+              <a:t>OFF/ON</a:t>
+            </a:r>
+            <a:r>
+              <a:rPr lang="ja-JP" altLang="en-US" dirty="0"/>
+              <a:t>の状態を</a:t>
+            </a:r>
+            <a:r>
+              <a:rPr lang="en-US" altLang="ja-JP" dirty="0"/>
+              <a:t>0/1</a:t>
+            </a:r>
+            <a:r>
+              <a:rPr lang="ja-JP" altLang="en-US" dirty="0"/>
+              <a:t>で表すこととします</a:t>
             </a:r>
             <a:endParaRPr lang="en-US" altLang="ja-JP" dirty="0"/>
           </a:p>
           <a:p>
-            <a:pPr lvl="1"/>
-            <a:r>
-              <a:rPr lang="en-US" altLang="ja-JP" b="1" dirty="0">
-                <a:solidFill>
-                  <a:srgbClr val="FF0000"/>
-                </a:solidFill>
-              </a:rPr>
-              <a:t>1</a:t>
-            </a:r>
-            <a:r>
-              <a:rPr lang="en-US" altLang="ja-JP" b="1" dirty="0">
-                <a:solidFill>
-                  <a:schemeClr val="accent3"/>
-                </a:solidFill>
-              </a:rPr>
-              <a:t>0</a:t>
-            </a:r>
-            <a:r>
-              <a:rPr lang="en-US" altLang="ja-JP" b="1" dirty="0">
-                <a:solidFill>
-                  <a:srgbClr val="FF0000"/>
-                </a:solidFill>
-              </a:rPr>
-              <a:t>1111</a:t>
-            </a:r>
-            <a:r>
-              <a:rPr lang="en-US" altLang="ja-JP" b="1" dirty="0">
-                <a:solidFill>
-                  <a:schemeClr val="accent3"/>
-                </a:solidFill>
-              </a:rPr>
-              <a:t>00000000</a:t>
-            </a:r>
-            <a:r>
-              <a:rPr lang="en-US" altLang="ja-JP" b="1" dirty="0">
-                <a:solidFill>
-                  <a:srgbClr val="FF0000"/>
-                </a:solidFill>
-              </a:rPr>
-              <a:t>1</a:t>
-            </a:r>
-            <a:r>
-              <a:rPr lang="en-US" altLang="ja-JP" b="1" dirty="0">
-                <a:solidFill>
-                  <a:schemeClr val="accent3"/>
-                </a:solidFill>
-              </a:rPr>
-              <a:t>0</a:t>
-            </a:r>
-            <a:r>
-              <a:rPr lang="en-US" altLang="ja-JP" b="1" dirty="0">
-                <a:solidFill>
-                  <a:srgbClr val="FF0000"/>
-                </a:solidFill>
-              </a:rPr>
-              <a:t>11</a:t>
-            </a:r>
-          </a:p>
-          <a:p>
-            <a:pPr marL="457200" lvl="1" indent="0">
-              <a:buNone/>
-            </a:pPr>
             <a:r>
               <a:rPr lang="ja-JP" altLang="en-US" dirty="0"/>
-              <a:t>→ </a:t>
-            </a:r>
-            <a:r>
-              <a:rPr lang="en-US" altLang="ja-JP" b="1" dirty="0">
-                <a:solidFill>
-                  <a:srgbClr val="FF0000"/>
-                </a:solidFill>
-              </a:rPr>
-              <a:t>1</a:t>
-            </a:r>
-            <a:r>
-              <a:rPr lang="en-US" altLang="ja-JP" b="1" dirty="0">
-                <a:solidFill>
-                  <a:schemeClr val="accent3"/>
-                </a:solidFill>
-              </a:rPr>
-              <a:t>0</a:t>
-            </a:r>
-            <a:r>
-              <a:rPr lang="en-US" altLang="ja-JP" b="1" dirty="0">
-                <a:solidFill>
-                  <a:srgbClr val="FF0000"/>
-                </a:solidFill>
-              </a:rPr>
-              <a:t>1</a:t>
-            </a:r>
-            <a:r>
-              <a:rPr lang="en-US" altLang="ja-JP" b="1" dirty="0">
-                <a:solidFill>
-                  <a:schemeClr val="accent3"/>
-                </a:solidFill>
-              </a:rPr>
-              <a:t>0</a:t>
-            </a:r>
-            <a:r>
-              <a:rPr lang="en-US" altLang="ja-JP" b="1" dirty="0">
-                <a:solidFill>
-                  <a:srgbClr val="FF0000"/>
-                </a:solidFill>
-              </a:rPr>
-              <a:t>1</a:t>
-            </a:r>
-            <a:r>
-              <a:rPr lang="en-US" altLang="ja-JP" b="1" dirty="0">
-                <a:solidFill>
-                  <a:schemeClr val="accent3"/>
-                </a:solidFill>
-              </a:rPr>
-              <a:t>0</a:t>
-            </a:r>
-            <a:r>
-              <a:rPr lang="en-US" altLang="ja-JP" b="1" dirty="0">
-                <a:solidFill>
-                  <a:srgbClr val="FF0000"/>
-                </a:solidFill>
-              </a:rPr>
-              <a:t>1</a:t>
-            </a:r>
-            <a:endParaRPr lang="en-US" altLang="ja-JP" dirty="0"/>
-          </a:p>
-          <a:p>
-            <a:r>
-              <a:rPr lang="en-US" altLang="ja-JP" dirty="0"/>
-              <a:t>(</a:t>
-            </a:r>
-            <a:r>
-              <a:rPr lang="ja-JP" altLang="en-US" dirty="0"/>
-              <a:t>考察 </a:t>
-            </a:r>
-            <a:r>
-              <a:rPr lang="en-US" altLang="ja-JP" dirty="0"/>
-              <a:t>1) </a:t>
-            </a:r>
-            <a:r>
-              <a:rPr lang="ja-JP" altLang="en-US" dirty="0"/>
-              <a:t>連続している </a:t>
-            </a:r>
-            <a:r>
-              <a:rPr lang="en-US" altLang="ja-JP" dirty="0"/>
-              <a:t>1 </a:t>
-            </a:r>
-            <a:r>
-              <a:rPr lang="ja-JP" altLang="en-US" dirty="0"/>
-              <a:t>や </a:t>
-            </a:r>
-            <a:r>
-              <a:rPr lang="en-US" altLang="ja-JP" dirty="0"/>
-              <a:t>0 </a:t>
-            </a:r>
-            <a:r>
-              <a:rPr lang="ja-JP" altLang="en-US" dirty="0"/>
-              <a:t>は </a:t>
-            </a:r>
-            <a:r>
-              <a:rPr lang="en-US" altLang="ja-JP" dirty="0"/>
-              <a:t>1 </a:t>
-            </a:r>
-            <a:r>
-              <a:rPr lang="ja-JP" altLang="en-US" dirty="0"/>
-              <a:t>つと見なしてもよい</a:t>
-            </a:r>
-            <a:endParaRPr lang="en-US" altLang="ja-JP" dirty="0"/>
-          </a:p>
-          <a:p>
-            <a:pPr lvl="1"/>
-            <a:r>
-              <a:rPr lang="ja-JP" altLang="en-US" dirty="0"/>
-              <a:t>微妙なところを選んで反転するのは</a:t>
+              <a:t>解説の都合上</a:t>
             </a:r>
             <a:r>
               <a:rPr lang="en-US" altLang="ja-JP" dirty="0"/>
@@ -5535,25 +5773,18 @@
             </a:r>
             <a:r>
               <a:rPr lang="ja-JP" altLang="en-US" dirty="0"/>
-              <a:t>盤面を複雑にするだけ</a:t>
+              <a:t>最初に </a:t>
+            </a:r>
+            <a:r>
+              <a:rPr lang="en-US" altLang="ja-JP" dirty="0"/>
+              <a:t>2. </a:t>
+            </a:r>
+            <a:r>
+              <a:rPr lang="ja-JP" altLang="en-US" dirty="0"/>
+              <a:t>の問題を考えます</a:t>
             </a:r>
             <a:endParaRPr lang="en-US" altLang="ja-JP" dirty="0"/>
           </a:p>
-          <a:p>
-            <a:r>
-              <a:rPr lang="ja-JP" altLang="en-US" dirty="0"/>
-              <a:t>この処理を施すと</a:t>
-            </a:r>
-            <a:r>
-              <a:rPr lang="en-US" altLang="ja-JP" dirty="0"/>
-              <a:t>, 01 </a:t>
-            </a:r>
-            <a:r>
-              <a:rPr lang="ja-JP" altLang="en-US" dirty="0"/>
-              <a:t>の交互列になる</a:t>
-            </a:r>
-            <a:endParaRPr lang="en-US" altLang="ja-JP" dirty="0"/>
-          </a:p>
         </p:txBody>
       </p:sp>
       <p:sp>
@@ -5571,7 +5802,7 @@
           <a:bodyPr/>
           <a:lstStyle/>
           <a:p>
-            <a:fld id="{B1A103DF-03ED-4B04-9FA4-76EE9EA73D19}" type="datetime1">
+            <a:fld id="{A984BFA0-7141-426D-9010-B24D2EAC3E91}" type="datetime1">
               <a:rPr lang="ja-JP" altLang="en-US" smtClean="0"/>
               <a:t>2017/1/10</a:t>
             </a:fld>
@@ -5596,7 +5827,7 @@
           <a:p>
             <a:r>
               <a:rPr lang="ja-JP" altLang="en-US"/>
-              <a:t>マクロのつかいかた</a:t>
+              <a:t>解説</a:t>
             </a:r>
           </a:p>
         </p:txBody>
@@ -5628,7 +5859,7 @@
     </p:spTree>
     <p:extLst>
       <p:ext uri="{BB962C8B-B14F-4D97-AF65-F5344CB8AC3E}">
-        <p14:creationId xmlns:p14="http://schemas.microsoft.com/office/powerpoint/2010/main" val="1050239822"/>
+        <p14:creationId xmlns:p14="http://schemas.microsoft.com/office/powerpoint/2010/main" val="15016774"/>
       </p:ext>
     </p:extLst>
   </p:cSld>
@@ -5706,9 +5937,7 @@
         </p:nvSpPr>
         <p:spPr/>
         <p:txBody>
-          <a:bodyPr>
-            <a:normAutofit fontScale="92500" lnSpcReduction="10000"/>
-          </a:bodyPr>
+          <a:bodyPr/>
           <a:lstStyle/>
           <a:p>
             <a:r>
@@ -5717,15 +5946,208 @@
             </a:r>
             <a:r>
               <a:rPr lang="en-US" altLang="ja-JP" dirty="0"/>
-              <a:t>, (</a:t>
+              <a:t>, </a:t>
             </a:r>
             <a:r>
               <a:rPr lang="ja-JP" altLang="en-US" dirty="0"/>
-              <a:t>圧縮後の</a:t>
-            </a:r>
+              <a:t>盤面が以下だったとする</a:t>
+            </a:r>
+            <a:endParaRPr lang="en-US" altLang="ja-JP" dirty="0"/>
+          </a:p>
+          <a:p>
+            <a:pPr lvl="1"/>
             <a:r>
               <a:rPr lang="en-US" altLang="ja-JP" dirty="0"/>
-              <a:t>)</a:t>
+              <a:t>101111000000001011</a:t>
+            </a:r>
+          </a:p>
+          <a:p>
+            <a:r>
+              <a:rPr lang="ja-JP" altLang="en-US" dirty="0"/>
+              <a:t>この列を何回か区間反転することによりすべて </a:t>
+            </a:r>
+            <a:r>
+              <a:rPr lang="en-US" altLang="ja-JP" dirty="0"/>
+              <a:t>1 </a:t>
+            </a:r>
+            <a:r>
+              <a:rPr lang="ja-JP" altLang="en-US" dirty="0"/>
+              <a:t>にしたい</a:t>
+            </a:r>
+            <a:endParaRPr lang="en-US" altLang="ja-JP" dirty="0"/>
+          </a:p>
+          <a:p>
+            <a:endParaRPr lang="en-US" altLang="ja-JP" dirty="0"/>
+          </a:p>
+          <a:p>
+            <a:r>
+              <a:rPr lang="ja-JP" altLang="en-US" dirty="0"/>
+              <a:t>どうする！？</a:t>
+            </a:r>
+            <a:endParaRPr lang="en-US" altLang="ja-JP" dirty="0"/>
+          </a:p>
+        </p:txBody>
+      </p:sp>
+      <p:sp>
+        <p:nvSpPr>
+          <p:cNvPr id="4" name="日付プレースホルダー 3"/>
+          <p:cNvSpPr>
+            <a:spLocks noGrp="1"/>
+          </p:cNvSpPr>
+          <p:nvPr>
+            <p:ph type="dt" sz="half" idx="2"/>
+          </p:nvPr>
+        </p:nvSpPr>
+        <p:spPr/>
+        <p:txBody>
+          <a:bodyPr/>
+          <a:lstStyle/>
+          <a:p>
+            <a:fld id="{B9E01F8A-8B39-4183-9E8A-6014860C7DF1}" type="datetime1">
+              <a:rPr lang="ja-JP" altLang="en-US" smtClean="0"/>
+              <a:t>2017/1/10</a:t>
+            </a:fld>
+            <a:endParaRPr lang="ja-JP" altLang="en-US" dirty="0"/>
+          </a:p>
+        </p:txBody>
+      </p:sp>
+      <p:sp>
+        <p:nvSpPr>
+          <p:cNvPr id="5" name="フッター プレースホルダー 4"/>
+          <p:cNvSpPr>
+            <a:spLocks noGrp="1"/>
+          </p:cNvSpPr>
+          <p:nvPr>
+            <p:ph type="ftr" sz="quarter" idx="3"/>
+          </p:nvPr>
+        </p:nvSpPr>
+        <p:spPr/>
+        <p:txBody>
+          <a:bodyPr/>
+          <a:lstStyle/>
+          <a:p>
+            <a:r>
+              <a:rPr lang="ja-JP" altLang="en-US"/>
+              <a:t>解説</a:t>
+            </a:r>
+          </a:p>
+        </p:txBody>
+      </p:sp>
+      <p:sp>
+        <p:nvSpPr>
+          <p:cNvPr id="6" name="スライド番号プレースホルダー 5"/>
+          <p:cNvSpPr>
+            <a:spLocks noGrp="1"/>
+          </p:cNvSpPr>
+          <p:nvPr>
+            <p:ph type="sldNum" sz="quarter" idx="4"/>
+          </p:nvPr>
+        </p:nvSpPr>
+        <p:spPr/>
+        <p:txBody>
+          <a:bodyPr/>
+          <a:lstStyle/>
+          <a:p>
+            <a:fld id="{DC383006-1B5B-4F31-9C76-A2B56E08D15E}" type="slidenum">
+              <a:rPr lang="ja-JP" altLang="en-US" smtClean="0"/>
+              <a:pPr/>
+              <a:t>13</a:t>
+            </a:fld>
+            <a:endParaRPr lang="ja-JP" altLang="en-US" dirty="0"/>
+          </a:p>
+        </p:txBody>
+      </p:sp>
+    </p:spTree>
+    <p:extLst>
+      <p:ext uri="{BB962C8B-B14F-4D97-AF65-F5344CB8AC3E}">
+        <p14:creationId xmlns:p14="http://schemas.microsoft.com/office/powerpoint/2010/main" val="3424389068"/>
+      </p:ext>
+    </p:extLst>
+  </p:cSld>
+  <p:clrMapOvr>
+    <a:masterClrMapping/>
+  </p:clrMapOvr>
+</p:sld>
+</file>
+
+<file path=ppt/slides/slide14.xml><?xml version="1.0" encoding="utf-8"?>
+<p:sld xmlns:a="http://schemas.openxmlformats.org/drawingml/2006/main" xmlns:r="http://schemas.openxmlformats.org/officeDocument/2006/relationships" xmlns:p="http://schemas.openxmlformats.org/presentationml/2006/main">
+  <p:cSld>
+    <p:spTree>
+      <p:nvGrpSpPr>
+        <p:cNvPr id="1" name=""/>
+        <p:cNvGrpSpPr/>
+        <p:nvPr/>
+      </p:nvGrpSpPr>
+      <p:grpSpPr>
+        <a:xfrm>
+          <a:off x="0" y="0"/>
+          <a:ext cx="0" cy="0"/>
+          <a:chOff x="0" y="0"/>
+          <a:chExt cx="0" cy="0"/>
+        </a:xfrm>
+      </p:grpSpPr>
+      <p:sp>
+        <p:nvSpPr>
+          <p:cNvPr id="2" name="タイトル 1"/>
+          <p:cNvSpPr>
+            <a:spLocks noGrp="1"/>
+          </p:cNvSpPr>
+          <p:nvPr>
+            <p:ph type="title"/>
+          </p:nvPr>
+        </p:nvSpPr>
+        <p:spPr/>
+        <p:txBody>
+          <a:bodyPr/>
+          <a:lstStyle/>
+          <a:p>
+            <a:r>
+              <a:rPr kumimoji="1" lang="en-US" altLang="ja-JP" dirty="0"/>
+              <a:t>5 </a:t>
+            </a:r>
+            <a:r>
+              <a:rPr kumimoji="1" lang="ja-JP" altLang="en-US" dirty="0"/>
+              <a:t>問目 </a:t>
+            </a:r>
+            <a:r>
+              <a:rPr kumimoji="1" lang="en-US" altLang="ja-JP" dirty="0"/>
+              <a:t>– </a:t>
+            </a:r>
+            <a:r>
+              <a:rPr kumimoji="1" lang="ja-JP" altLang="en-US" dirty="0"/>
+              <a:t>部分問題 </a:t>
+            </a:r>
+            <a:r>
+              <a:rPr kumimoji="1" lang="en-US" altLang="ja-JP" dirty="0"/>
+              <a:t>2</a:t>
+            </a:r>
+            <a:endParaRPr kumimoji="1" lang="ja-JP" altLang="en-US" dirty="0"/>
+          </a:p>
+        </p:txBody>
+      </p:sp>
+      <p:sp>
+        <p:nvSpPr>
+          <p:cNvPr id="3" name="コンテンツ プレースホルダー 2"/>
+          <p:cNvSpPr>
+            <a:spLocks noGrp="1"/>
+          </p:cNvSpPr>
+          <p:nvPr>
+            <p:ph idx="1"/>
+          </p:nvPr>
+        </p:nvSpPr>
+        <p:spPr/>
+        <p:txBody>
+          <a:bodyPr/>
+          <a:lstStyle/>
+          <a:p>
+            <a:r>
+              <a:rPr lang="ja-JP" altLang="en-US" dirty="0"/>
+              <a:t>例えば</a:t>
+            </a:r>
+            <a:r>
+              <a:rPr lang="en-US" altLang="ja-JP" dirty="0"/>
+              <a:t>, </a:t>
             </a:r>
             <a:r>
               <a:rPr lang="ja-JP" altLang="en-US" dirty="0"/>
@@ -5757,6 +6179,22 @@
                   <a:srgbClr val="FF0000"/>
                 </a:solidFill>
               </a:rPr>
+              <a:t>1111</a:t>
+            </a:r>
+            <a:r>
+              <a:rPr lang="en-US" altLang="ja-JP" b="1" dirty="0">
+                <a:solidFill>
+                  <a:schemeClr val="accent3"/>
+                </a:solidFill>
+              </a:rPr>
+              <a:t>00000000</a:t>
+            </a:r>
+            <a:r>
+              <a:rPr lang="en-US" altLang="ja-JP" b="1" dirty="0">
+                <a:solidFill>
+                  <a:srgbClr val="FF0000"/>
+                </a:solidFill>
+              </a:rPr>
               <a:t>1</a:t>
             </a:r>
             <a:r>
@@ -5773,6 +6211,23 @@
                   <a:srgbClr val="FF0000"/>
                 </a:solidFill>
               </a:rPr>
+              <a:t>11</a:t>
+            </a:r>
+          </a:p>
+          <a:p>
+            <a:pPr marL="457200" lvl="1" indent="0">
+              <a:buNone/>
+            </a:pPr>
+            <a:r>
+              <a:rPr lang="ja-JP" altLang="en-US" dirty="0"/>
+              <a:t>→ </a:t>
+            </a:r>
+            <a:r>
+              <a:rPr lang="en-US" altLang="ja-JP" b="1" dirty="0">
+                <a:solidFill>
+                  <a:srgbClr val="FF0000"/>
+                </a:solidFill>
+              </a:rPr>
               <a:t>1</a:t>
             </a:r>
             <a:r>
@@ -5791,8 +6246,14 @@
               </a:rPr>
               <a:t>1</a:t>
             </a:r>
-          </a:p>
-          <a:p>
+            <a:r>
+              <a:rPr lang="en-US" altLang="ja-JP" b="1" dirty="0">
+                <a:solidFill>
+                  <a:schemeClr val="accent3"/>
+                </a:solidFill>
+              </a:rPr>
+              <a:t>0</a:t>
+            </a:r>
             <a:r>
               <a:rPr lang="en-US" altLang="ja-JP" b="1" dirty="0">
                 <a:solidFill>
@@ -5817,9 +6278,36 @@
               </a:rPr>
               <a:t>1</a:t>
             </a:r>
+            <a:endParaRPr lang="en-US" altLang="ja-JP" dirty="0"/>
+          </a:p>
+          <a:p>
             <a:r>
               <a:rPr lang="en-US" altLang="ja-JP" dirty="0"/>
-              <a:t> </a:t>
+              <a:t>(</a:t>
+            </a:r>
+            <a:r>
+              <a:rPr lang="ja-JP" altLang="en-US" dirty="0"/>
+              <a:t>考察 </a:t>
+            </a:r>
+            <a:r>
+              <a:rPr lang="en-US" altLang="ja-JP" dirty="0"/>
+              <a:t>1) </a:t>
+            </a:r>
+            <a:r>
+              <a:rPr lang="ja-JP" altLang="en-US" dirty="0"/>
+              <a:t>連続している </a:t>
+            </a:r>
+            <a:r>
+              <a:rPr lang="en-US" altLang="ja-JP" dirty="0"/>
+              <a:t>1 </a:t>
+            </a:r>
+            <a:r>
+              <a:rPr lang="ja-JP" altLang="en-US" dirty="0"/>
+              <a:t>や </a:t>
+            </a:r>
+            <a:r>
+              <a:rPr lang="en-US" altLang="ja-JP" dirty="0"/>
+              <a:t>0 </a:t>
             </a:r>
             <a:r>
               <a:rPr lang="ja-JP" altLang="en-US" dirty="0"/>
@@ -5831,19 +6319,222 @@
             </a:r>
             <a:r>
               <a:rPr lang="ja-JP" altLang="en-US" dirty="0"/>
-              <a:t>回で</a:t>
+              <a:t>つと見なしてもよい</a:t>
+            </a:r>
+            <a:endParaRPr lang="en-US" altLang="ja-JP" dirty="0"/>
+          </a:p>
+          <a:p>
+            <a:pPr lvl="1"/>
+            <a:r>
+              <a:rPr lang="ja-JP" altLang="en-US" dirty="0"/>
+              <a:t>微妙なところを選んで反転するのは</a:t>
             </a:r>
             <a:r>
               <a:rPr lang="en-US" altLang="ja-JP" dirty="0"/>
-              <a:t> 111 </a:t>
+              <a:t>, </a:t>
             </a:r>
             <a:r>
               <a:rPr lang="ja-JP" altLang="en-US" dirty="0"/>
-              <a:t>にできる</a:t>
+              <a:t>盤面を複雑にするだけ</a:t>
             </a:r>
             <a:endParaRPr lang="en-US" altLang="ja-JP" dirty="0"/>
           </a:p>
           <a:p>
+            <a:r>
+              <a:rPr lang="ja-JP" altLang="en-US" dirty="0"/>
+              <a:t>この処理を施すと</a:t>
+            </a:r>
+            <a:r>
+              <a:rPr lang="en-US" altLang="ja-JP" dirty="0"/>
+              <a:t>, 01 </a:t>
+            </a:r>
+            <a:r>
+              <a:rPr lang="ja-JP" altLang="en-US" dirty="0"/>
+              <a:t>の交互列になる</a:t>
+            </a:r>
+            <a:endParaRPr lang="en-US" altLang="ja-JP" dirty="0"/>
+          </a:p>
+        </p:txBody>
+      </p:sp>
+      <p:sp>
+        <p:nvSpPr>
+          <p:cNvPr id="4" name="日付プレースホルダー 3"/>
+          <p:cNvSpPr>
+            <a:spLocks noGrp="1"/>
+          </p:cNvSpPr>
+          <p:nvPr>
+            <p:ph type="dt" sz="half" idx="2"/>
+          </p:nvPr>
+        </p:nvSpPr>
+        <p:spPr/>
+        <p:txBody>
+          <a:bodyPr/>
+          <a:lstStyle/>
+          <a:p>
+            <a:fld id="{E389B5B8-01EB-4804-A26C-E714FDD6E79A}" type="datetime1">
+              <a:rPr lang="ja-JP" altLang="en-US" smtClean="0"/>
+              <a:t>2017/1/10</a:t>
+            </a:fld>
+            <a:endParaRPr lang="ja-JP" altLang="en-US" dirty="0"/>
+          </a:p>
+        </p:txBody>
+      </p:sp>
+      <p:sp>
+        <p:nvSpPr>
+          <p:cNvPr id="5" name="フッター プレースホルダー 4"/>
+          <p:cNvSpPr>
+            <a:spLocks noGrp="1"/>
+          </p:cNvSpPr>
+          <p:nvPr>
+            <p:ph type="ftr" sz="quarter" idx="3"/>
+          </p:nvPr>
+        </p:nvSpPr>
+        <p:spPr/>
+        <p:txBody>
+          <a:bodyPr/>
+          <a:lstStyle/>
+          <a:p>
+            <a:r>
+              <a:rPr lang="ja-JP" altLang="en-US"/>
+              <a:t>解説</a:t>
+            </a:r>
+          </a:p>
+        </p:txBody>
+      </p:sp>
+      <p:sp>
+        <p:nvSpPr>
+          <p:cNvPr id="6" name="スライド番号プレースホルダー 5"/>
+          <p:cNvSpPr>
+            <a:spLocks noGrp="1"/>
+          </p:cNvSpPr>
+          <p:nvPr>
+            <p:ph type="sldNum" sz="quarter" idx="4"/>
+          </p:nvPr>
+        </p:nvSpPr>
+        <p:spPr/>
+        <p:txBody>
+          <a:bodyPr/>
+          <a:lstStyle/>
+          <a:p>
+            <a:fld id="{DC383006-1B5B-4F31-9C76-A2B56E08D15E}" type="slidenum">
+              <a:rPr lang="ja-JP" altLang="en-US" smtClean="0"/>
+              <a:pPr/>
+              <a:t>14</a:t>
+            </a:fld>
+            <a:endParaRPr lang="ja-JP" altLang="en-US" dirty="0"/>
+          </a:p>
+        </p:txBody>
+      </p:sp>
+    </p:spTree>
+    <p:extLst>
+      <p:ext uri="{BB962C8B-B14F-4D97-AF65-F5344CB8AC3E}">
+        <p14:creationId xmlns:p14="http://schemas.microsoft.com/office/powerpoint/2010/main" val="1050239822"/>
+      </p:ext>
+    </p:extLst>
+  </p:cSld>
+  <p:clrMapOvr>
+    <a:masterClrMapping/>
+  </p:clrMapOvr>
+</p:sld>
+</file>
+
+<file path=ppt/slides/slide15.xml><?xml version="1.0" encoding="utf-8"?>
+<p:sld xmlns:a="http://schemas.openxmlformats.org/drawingml/2006/main" xmlns:r="http://schemas.openxmlformats.org/officeDocument/2006/relationships" xmlns:p="http://schemas.openxmlformats.org/presentationml/2006/main">
+  <p:cSld>
+    <p:spTree>
+      <p:nvGrpSpPr>
+        <p:cNvPr id="1" name=""/>
+        <p:cNvGrpSpPr/>
+        <p:nvPr/>
+      </p:nvGrpSpPr>
+      <p:grpSpPr>
+        <a:xfrm>
+          <a:off x="0" y="0"/>
+          <a:ext cx="0" cy="0"/>
+          <a:chOff x="0" y="0"/>
+          <a:chExt cx="0" cy="0"/>
+        </a:xfrm>
+      </p:grpSpPr>
+      <p:sp>
+        <p:nvSpPr>
+          <p:cNvPr id="2" name="タイトル 1"/>
+          <p:cNvSpPr>
+            <a:spLocks noGrp="1"/>
+          </p:cNvSpPr>
+          <p:nvPr>
+            <p:ph type="title"/>
+          </p:nvPr>
+        </p:nvSpPr>
+        <p:spPr/>
+        <p:txBody>
+          <a:bodyPr/>
+          <a:lstStyle/>
+          <a:p>
+            <a:r>
+              <a:rPr kumimoji="1" lang="en-US" altLang="ja-JP" dirty="0"/>
+              <a:t>5 </a:t>
+            </a:r>
+            <a:r>
+              <a:rPr kumimoji="1" lang="ja-JP" altLang="en-US" dirty="0"/>
+              <a:t>問目 </a:t>
+            </a:r>
+            <a:r>
+              <a:rPr kumimoji="1" lang="en-US" altLang="ja-JP" dirty="0"/>
+              <a:t>– </a:t>
+            </a:r>
+            <a:r>
+              <a:rPr kumimoji="1" lang="ja-JP" altLang="en-US" dirty="0"/>
+              <a:t>部分問題 </a:t>
+            </a:r>
+            <a:r>
+              <a:rPr kumimoji="1" lang="en-US" altLang="ja-JP" dirty="0"/>
+              <a:t>2</a:t>
+            </a:r>
+            <a:endParaRPr kumimoji="1" lang="ja-JP" altLang="en-US" dirty="0"/>
+          </a:p>
+        </p:txBody>
+      </p:sp>
+      <p:sp>
+        <p:nvSpPr>
+          <p:cNvPr id="3" name="コンテンツ プレースホルダー 2"/>
+          <p:cNvSpPr>
+            <a:spLocks noGrp="1"/>
+          </p:cNvSpPr>
+          <p:nvPr>
+            <p:ph idx="1"/>
+          </p:nvPr>
+        </p:nvSpPr>
+        <p:spPr/>
+        <p:txBody>
+          <a:bodyPr>
+            <a:normAutofit fontScale="92500" lnSpcReduction="10000"/>
+          </a:bodyPr>
+          <a:lstStyle/>
+          <a:p>
+            <a:r>
+              <a:rPr lang="ja-JP" altLang="en-US" dirty="0"/>
+              <a:t>例えば</a:t>
+            </a:r>
+            <a:r>
+              <a:rPr lang="en-US" altLang="ja-JP" dirty="0"/>
+              <a:t>, (</a:t>
+            </a:r>
+            <a:r>
+              <a:rPr lang="ja-JP" altLang="en-US" dirty="0"/>
+              <a:t>圧縮後の</a:t>
+            </a:r>
+            <a:r>
+              <a:rPr lang="en-US" altLang="ja-JP" dirty="0"/>
+              <a:t>)</a:t>
+            </a:r>
+            <a:r>
+              <a:rPr lang="ja-JP" altLang="en-US" dirty="0"/>
+              <a:t>盤面が以下だったとする</a:t>
+            </a:r>
+            <a:endParaRPr lang="en-US" altLang="ja-JP" dirty="0"/>
+          </a:p>
+          <a:p>
+            <a:pPr lvl="1"/>
             <a:r>
               <a:rPr lang="en-US" altLang="ja-JP" b="1" dirty="0">
                 <a:solidFill>
@@ -5877,33 +6568,6 @@
               <a:t>0</a:t>
             </a:r>
             <a:r>
-              <a:rPr lang="en-US" altLang="ja-JP" dirty="0"/>
-              <a:t> </a:t>
-            </a:r>
-            <a:r>
-              <a:rPr lang="ja-JP" altLang="en-US" dirty="0"/>
-              <a:t>は </a:t>
-            </a:r>
-            <a:r>
-              <a:rPr lang="en-US" altLang="ja-JP" dirty="0"/>
-              <a:t>2 </a:t>
-            </a:r>
-            <a:r>
-              <a:rPr lang="ja-JP" altLang="en-US" dirty="0"/>
-              <a:t>回で </a:t>
-            </a:r>
-            <a:r>
-              <a:rPr lang="en-US" altLang="ja-JP" dirty="0"/>
-              <a:t>1111 </a:t>
-            </a:r>
-            <a:r>
-              <a:rPr lang="ja-JP" altLang="en-US" dirty="0"/>
-              <a:t>にできる</a:t>
-            </a:r>
-            <a:endParaRPr lang="en-US" altLang="ja-JP" dirty="0"/>
-          </a:p>
-          <a:p>
-            <a:r>
               <a:rPr lang="en-US" altLang="ja-JP" b="1" dirty="0">
                 <a:solidFill>
                   <a:srgbClr val="FF0000"/>
@@ -5927,6 +6591,16 @@
               </a:rPr>
               <a:t>1</a:t>
             </a:r>
+          </a:p>
+          <a:p>
+            <a:r>
+              <a:rPr lang="en-US" altLang="ja-JP" b="1" dirty="0">
+                <a:solidFill>
+                  <a:srgbClr val="FF0000"/>
+                </a:solidFill>
+              </a:rPr>
+              <a:t>1</a:t>
+            </a:r>
             <a:r>
               <a:rPr lang="en-US" altLang="ja-JP" b="1" dirty="0">
                 <a:solidFill>
@@ -5953,15 +6627,15 @@
             </a:r>
             <a:r>
               <a:rPr lang="en-US" altLang="ja-JP" dirty="0"/>
-              <a:t>2 </a:t>
+              <a:t>1 </a:t>
             </a:r>
             <a:r>
               <a:rPr lang="ja-JP" altLang="en-US" dirty="0"/>
-              <a:t>回で </a:t>
+              <a:t>回で</a:t>
             </a:r>
             <a:r>
               <a:rPr lang="en-US" altLang="ja-JP" dirty="0"/>
-              <a:t>1111 </a:t>
+              <a:t> 111 </a:t>
             </a:r>
             <a:r>
               <a:rPr lang="ja-JP" altLang="en-US" dirty="0"/>
@@ -6003,6 +6677,33 @@
               <a:t>0</a:t>
             </a:r>
             <a:r>
+              <a:rPr lang="en-US" altLang="ja-JP" dirty="0"/>
+              <a:t> </a:t>
+            </a:r>
+            <a:r>
+              <a:rPr lang="ja-JP" altLang="en-US" dirty="0"/>
+              <a:t>は </a:t>
+            </a:r>
+            <a:r>
+              <a:rPr lang="en-US" altLang="ja-JP" dirty="0"/>
+              <a:t>2 </a:t>
+            </a:r>
+            <a:r>
+              <a:rPr lang="ja-JP" altLang="en-US" dirty="0"/>
+              <a:t>回で </a:t>
+            </a:r>
+            <a:r>
+              <a:rPr lang="en-US" altLang="ja-JP" dirty="0"/>
+              <a:t>1111 </a:t>
+            </a:r>
+            <a:r>
+              <a:rPr lang="ja-JP" altLang="en-US" dirty="0"/>
+              <a:t>にできる</a:t>
+            </a:r>
+            <a:endParaRPr lang="en-US" altLang="ja-JP" dirty="0"/>
+          </a:p>
+          <a:p>
+            <a:r>
               <a:rPr lang="en-US" altLang="ja-JP" b="1" dirty="0">
                 <a:solidFill>
                   <a:srgbClr val="FF0000"/>
@@ -6019,51 +6720,12 @@
               <a:t>0</a:t>
             </a:r>
             <a:r>
-              <a:rPr lang="en-US" altLang="ja-JP" dirty="0"/>
-              <a:t> </a:t>
-            </a:r>
-            <a:r>
-              <a:rPr lang="ja-JP" altLang="en-US" dirty="0"/>
-              <a:t>は </a:t>
-            </a:r>
-            <a:r>
-              <a:rPr lang="en-US" altLang="ja-JP" dirty="0"/>
-              <a:t>3 </a:t>
-            </a:r>
-            <a:r>
-              <a:rPr lang="ja-JP" altLang="en-US" dirty="0"/>
-              <a:t>回で </a:t>
-            </a:r>
-            <a:r>
-              <a:rPr lang="en-US" altLang="ja-JP" dirty="0"/>
-              <a:t>11111 </a:t>
-            </a:r>
-            <a:r>
-              <a:rPr lang="ja-JP" altLang="en-US" dirty="0"/>
-              <a:t>にできる</a:t>
-            </a:r>
-            <a:endParaRPr lang="en-US" altLang="ja-JP" dirty="0"/>
-          </a:p>
-          <a:p>
-            <a:r>
-              <a:rPr lang="ja-JP" altLang="en-US" dirty="0"/>
-              <a:t>→ </a:t>
-            </a:r>
-            <a:r>
-              <a:rPr lang="en-US" altLang="ja-JP" dirty="0"/>
-              <a:t>(</a:t>
-            </a:r>
-            <a:r>
-              <a:rPr lang="ja-JP" altLang="en-US" dirty="0"/>
-              <a:t>圧縮後の</a:t>
-            </a:r>
-            <a:r>
-              <a:rPr lang="en-US" altLang="ja-JP" dirty="0"/>
-              <a:t>)</a:t>
-            </a:r>
-            <a:r>
-              <a:rPr lang="ja-JP" altLang="en-US" dirty="0"/>
-              <a:t>盤面に含まれる </a:t>
+              <a:rPr lang="en-US" altLang="ja-JP" b="1" dirty="0">
+                <a:solidFill>
+                  <a:srgbClr val="FF0000"/>
+                </a:solidFill>
+              </a:rPr>
+              <a:t>1</a:t>
             </a:r>
             <a:r>
               <a:rPr lang="en-US" altLang="ja-JP" b="1" dirty="0">
@@ -6074,11 +6736,149 @@
               <a:t>0</a:t>
             </a:r>
             <a:r>
+              <a:rPr lang="en-US" altLang="ja-JP" b="1" dirty="0">
+                <a:solidFill>
+                  <a:srgbClr val="FF0000"/>
+                </a:solidFill>
+              </a:rPr>
+              <a:t>1</a:t>
+            </a:r>
+            <a:r>
               <a:rPr lang="en-US" altLang="ja-JP" dirty="0"/>
               <a:t> </a:t>
             </a:r>
             <a:r>
               <a:rPr lang="ja-JP" altLang="en-US" dirty="0"/>
+              <a:t>は </a:t>
+            </a:r>
+            <a:r>
+              <a:rPr lang="en-US" altLang="ja-JP" dirty="0"/>
+              <a:t>2 </a:t>
+            </a:r>
+            <a:r>
+              <a:rPr lang="ja-JP" altLang="en-US" dirty="0"/>
+              <a:t>回で </a:t>
+            </a:r>
+            <a:r>
+              <a:rPr lang="en-US" altLang="ja-JP" dirty="0"/>
+              <a:t>1111 </a:t>
+            </a:r>
+            <a:r>
+              <a:rPr lang="ja-JP" altLang="en-US" dirty="0"/>
+              <a:t>にできる</a:t>
+            </a:r>
+            <a:endParaRPr lang="en-US" altLang="ja-JP" dirty="0"/>
+          </a:p>
+          <a:p>
+            <a:r>
+              <a:rPr lang="en-US" altLang="ja-JP" b="1" dirty="0">
+                <a:solidFill>
+                  <a:srgbClr val="FF0000"/>
+                </a:solidFill>
+              </a:rPr>
+              <a:t>1</a:t>
+            </a:r>
+            <a:r>
+              <a:rPr lang="en-US" altLang="ja-JP" b="1" dirty="0">
+                <a:solidFill>
+                  <a:schemeClr val="accent3"/>
+                </a:solidFill>
+              </a:rPr>
+              <a:t>0</a:t>
+            </a:r>
+            <a:r>
+              <a:rPr lang="en-US" altLang="ja-JP" b="1" dirty="0">
+                <a:solidFill>
+                  <a:srgbClr val="FF0000"/>
+                </a:solidFill>
+              </a:rPr>
+              <a:t>1</a:t>
+            </a:r>
+            <a:r>
+              <a:rPr lang="en-US" altLang="ja-JP" b="1" dirty="0">
+                <a:solidFill>
+                  <a:schemeClr val="accent3"/>
+                </a:solidFill>
+              </a:rPr>
+              <a:t>0</a:t>
+            </a:r>
+            <a:r>
+              <a:rPr lang="en-US" altLang="ja-JP" b="1" dirty="0">
+                <a:solidFill>
+                  <a:srgbClr val="FF0000"/>
+                </a:solidFill>
+              </a:rPr>
+              <a:t>1</a:t>
+            </a:r>
+            <a:r>
+              <a:rPr lang="en-US" altLang="ja-JP" b="1" dirty="0">
+                <a:solidFill>
+                  <a:schemeClr val="accent3"/>
+                </a:solidFill>
+              </a:rPr>
+              <a:t>0</a:t>
+            </a:r>
+            <a:r>
+              <a:rPr lang="en-US" altLang="ja-JP" dirty="0"/>
+              <a:t> </a:t>
+            </a:r>
+            <a:r>
+              <a:rPr lang="ja-JP" altLang="en-US" dirty="0"/>
+              <a:t>は </a:t>
+            </a:r>
+            <a:r>
+              <a:rPr lang="en-US" altLang="ja-JP" dirty="0"/>
+              <a:t>3 </a:t>
+            </a:r>
+            <a:r>
+              <a:rPr lang="ja-JP" altLang="en-US" dirty="0"/>
+              <a:t>回で </a:t>
+            </a:r>
+            <a:r>
+              <a:rPr lang="en-US" altLang="ja-JP" dirty="0"/>
+              <a:t>11111 </a:t>
+            </a:r>
+            <a:r>
+              <a:rPr lang="ja-JP" altLang="en-US" dirty="0"/>
+              <a:t>にできる</a:t>
+            </a:r>
+            <a:endParaRPr lang="en-US" altLang="ja-JP" dirty="0"/>
+          </a:p>
+          <a:p>
+            <a:r>
+              <a:rPr lang="ja-JP" altLang="en-US" dirty="0"/>
+              <a:t>→ </a:t>
+            </a:r>
+            <a:r>
+              <a:rPr lang="en-US" altLang="ja-JP" dirty="0"/>
+              <a:t>(</a:t>
+            </a:r>
+            <a:r>
+              <a:rPr lang="ja-JP" altLang="en-US" dirty="0"/>
+              <a:t>圧縮後の</a:t>
+            </a:r>
+            <a:r>
+              <a:rPr lang="en-US" altLang="ja-JP" dirty="0"/>
+              <a:t>)</a:t>
+            </a:r>
+            <a:r>
+              <a:rPr lang="ja-JP" altLang="en-US" dirty="0"/>
+              <a:t>盤面に含まれる </a:t>
+            </a:r>
+            <a:r>
+              <a:rPr lang="en-US" altLang="ja-JP" b="1" dirty="0">
+                <a:solidFill>
+                  <a:schemeClr val="accent3"/>
+                </a:solidFill>
+              </a:rPr>
+              <a:t>0</a:t>
+            </a:r>
+            <a:r>
+              <a:rPr lang="en-US" altLang="ja-JP" dirty="0"/>
+              <a:t> </a:t>
+            </a:r>
+            <a:r>
+              <a:rPr lang="ja-JP" altLang="en-US" dirty="0"/>
               <a:t>の個数が最小回数！！</a:t>
             </a:r>
             <a:endParaRPr lang="en-US" altLang="ja-JP" dirty="0"/>
@@ -6100,7 +6900,7 @@
           <a:bodyPr/>
           <a:lstStyle/>
           <a:p>
-            <a:fld id="{B1A103DF-03ED-4B04-9FA4-76EE9EA73D19}" type="datetime1">
+            <a:fld id="{E5A3DCBB-6EB5-4A49-B2F5-F88539EB2902}" type="datetime1">
               <a:rPr lang="ja-JP" altLang="en-US" smtClean="0"/>
               <a:t>2017/1/10</a:t>
             </a:fld>
@@ -6125,7 +6925,7 @@
           <a:p>
             <a:r>
               <a:rPr lang="ja-JP" altLang="en-US"/>
-              <a:t>マクロのつかいかた</a:t>
+              <a:t>解説</a:t>
             </a:r>
           </a:p>
         </p:txBody>
@@ -6148,7 +6948,7 @@
             <a:fld id="{DC383006-1B5B-4F31-9C76-A2B56E08D15E}" type="slidenum">
               <a:rPr lang="ja-JP" altLang="en-US" smtClean="0"/>
               <a:pPr/>
-              <a:t>13</a:t>
+              <a:t>15</a:t>
             </a:fld>
             <a:endParaRPr lang="ja-JP" altLang="en-US" dirty="0"/>
           </a:p>
@@ -6167,7 +6967,7 @@
 </p:sld>
 </file>
 
-<file path=ppt/slides/slide14.xml><?xml version="1.0" encoding="utf-8"?>
+<file path=ppt/slides/slide16.xml><?xml version="1.0" encoding="utf-8"?>
 <p:sld xmlns:a="http://schemas.openxmlformats.org/drawingml/2006/main" xmlns:r="http://schemas.openxmlformats.org/officeDocument/2006/relationships" xmlns:p="http://schemas.openxmlformats.org/presentationml/2006/main">
   <p:cSld>
     <p:spTree>
@@ -6450,7 +7250,7 @@
           <a:bodyPr/>
           <a:lstStyle/>
           <a:p>
-            <a:fld id="{B1A103DF-03ED-4B04-9FA4-76EE9EA73D19}" type="datetime1">
+            <a:fld id="{66999F90-D46D-4B1C-8611-CF68B6DDD543}" type="datetime1">
               <a:rPr lang="ja-JP" altLang="en-US" smtClean="0"/>
               <a:t>2017/1/10</a:t>
             </a:fld>
@@ -6475,7 +7275,7 @@
           <a:p>
             <a:r>
               <a:rPr lang="ja-JP" altLang="en-US"/>
-              <a:t>マクロのつかいかた</a:t>
+              <a:t>解説</a:t>
             </a:r>
           </a:p>
         </p:txBody>
@@ -6498,7 +7298,7 @@
             <a:fld id="{DC383006-1B5B-4F31-9C76-A2B56E08D15E}" type="slidenum">
               <a:rPr lang="ja-JP" altLang="en-US" smtClean="0"/>
               <a:pPr/>
-              <a:t>14</a:t>
+              <a:t>16</a:t>
             </a:fld>
             <a:endParaRPr lang="ja-JP" altLang="en-US" dirty="0"/>
           </a:p>
@@ -6610,7 +7410,7 @@
 </p:sld>
 </file>
 
-<file path=ppt/slides/slide15.xml><?xml version="1.0" encoding="utf-8"?>
+<file path=ppt/slides/slide17.xml><?xml version="1.0" encoding="utf-8"?>
 <p:sld xmlns:a="http://schemas.openxmlformats.org/drawingml/2006/main" xmlns:r="http://schemas.openxmlformats.org/officeDocument/2006/relationships" xmlns:p="http://schemas.openxmlformats.org/presentationml/2006/main">
   <p:cSld>
     <p:spTree>
@@ -6914,7 +7714,7 @@
           <a:bodyPr/>
           <a:lstStyle/>
           <a:p>
-            <a:fld id="{B1A103DF-03ED-4B04-9FA4-76EE9EA73D19}" type="datetime1">
+            <a:fld id="{3D6DB1DA-7F62-40B1-AE7B-CBF9AF5AAABA}" type="datetime1">
               <a:rPr lang="ja-JP" altLang="en-US" smtClean="0"/>
               <a:t>2017/1/10</a:t>
             </a:fld>
@@ -6939,7 +7739,7 @@
           <a:p>
             <a:r>
               <a:rPr lang="ja-JP" altLang="en-US"/>
-              <a:t>マクロのつかいかた</a:t>
+              <a:t>解説</a:t>
             </a:r>
           </a:p>
         </p:txBody>
@@ -6962,7 +7762,7 @@
             <a:fld id="{DC383006-1B5B-4F31-9C76-A2B56E08D15E}" type="slidenum">
               <a:rPr lang="ja-JP" altLang="en-US" smtClean="0"/>
               <a:pPr/>
-              <a:t>15</a:t>
+              <a:t>17</a:t>
             </a:fld>
             <a:endParaRPr lang="ja-JP" altLang="en-US" dirty="0"/>
           </a:p>
@@ -6981,7 +7781,7 @@
 </p:sld>
 </file>
 
-<file path=ppt/slides/slide16.xml><?xml version="1.0" encoding="utf-8"?>
+<file path=ppt/slides/slide18.xml><?xml version="1.0" encoding="utf-8"?>
 <p:sld xmlns:a="http://schemas.openxmlformats.org/drawingml/2006/main" xmlns:r="http://schemas.openxmlformats.org/officeDocument/2006/relationships" xmlns:p="http://schemas.openxmlformats.org/presentationml/2006/main">
   <p:cSld>
     <p:spTree>
@@ -7037,8 +7837,8 @@
           </a:p>
         </p:txBody>
       </p:sp>
-      <mc:AlternateContent xmlns:mc="http://schemas.openxmlformats.org/markup-compatibility/2006">
-        <mc:Choice xmlns:a14="http://schemas.microsoft.com/office/drawing/2010/main" Requires="a14">
+      <mc:AlternateContent xmlns:mc="http://schemas.openxmlformats.org/markup-compatibility/2006" xmlns:a14="http://schemas.microsoft.com/office/drawing/2010/main">
+        <mc:Choice Requires="a14">
           <p:sp>
             <p:nvSpPr>
               <p:cNvPr id="3" name="コンテンツ プレースホルダー 2"/>
@@ -7294,7 +8094,7 @@
             </p:txBody>
           </p:sp>
         </mc:Choice>
-        <mc:Fallback>
+        <mc:Fallback xmlns="">
           <p:sp>
             <p:nvSpPr>
               <p:cNvPr id="3" name="コンテンツ プレースホルダー 2"/>
@@ -7343,7 +8143,7 @@
           <a:bodyPr/>
           <a:lstStyle/>
           <a:p>
-            <a:fld id="{B1A103DF-03ED-4B04-9FA4-76EE9EA73D19}" type="datetime1">
+            <a:fld id="{C2A10F04-C234-49AA-9501-1E8576469B97}" type="datetime1">
               <a:rPr lang="ja-JP" altLang="en-US" smtClean="0"/>
               <a:t>2017/1/10</a:t>
             </a:fld>
@@ -7368,7 +8168,7 @@
           <a:p>
             <a:r>
               <a:rPr lang="ja-JP" altLang="en-US"/>
-              <a:t>マクロのつかいかた</a:t>
+              <a:t>解説</a:t>
             </a:r>
           </a:p>
         </p:txBody>
@@ -7391,7 +8191,7 @@
             <a:fld id="{DC383006-1B5B-4F31-9C76-A2B56E08D15E}" type="slidenum">
               <a:rPr lang="ja-JP" altLang="en-US" smtClean="0"/>
               <a:pPr/>
-              <a:t>16</a:t>
+              <a:t>18</a:t>
             </a:fld>
             <a:endParaRPr lang="ja-JP" altLang="en-US" dirty="0"/>
           </a:p>
@@ -7410,7 +8210,7 @@
 </p:sld>
 </file>
 
-<file path=ppt/slides/slide17.xml><?xml version="1.0" encoding="utf-8"?>
+<file path=ppt/slides/slide19.xml><?xml version="1.0" encoding="utf-8"?>
 <p:sld xmlns:a="http://schemas.openxmlformats.org/drawingml/2006/main" xmlns:r="http://schemas.openxmlformats.org/officeDocument/2006/relationships" xmlns:p="http://schemas.openxmlformats.org/presentationml/2006/main">
   <p:cSld>
     <p:spTree>
@@ -7838,7 +8638,7 @@
           <a:bodyPr/>
           <a:lstStyle/>
           <a:p>
-            <a:fld id="{B1A103DF-03ED-4B04-9FA4-76EE9EA73D19}" type="datetime1">
+            <a:fld id="{49BE9B0F-E32E-41FD-A1FA-8A9D91AFE79B}" type="datetime1">
               <a:rPr lang="ja-JP" altLang="en-US" smtClean="0"/>
               <a:t>2017/1/10</a:t>
             </a:fld>
@@ -7863,7 +8663,7 @@
           <a:p>
             <a:r>
               <a:rPr lang="ja-JP" altLang="en-US"/>
-              <a:t>マクロのつかいかた</a:t>
+              <a:t>解説</a:t>
             </a:r>
           </a:p>
         </p:txBody>
@@ -7886,7 +8686,7 @@
             <a:fld id="{DC383006-1B5B-4F31-9C76-A2B56E08D15E}" type="slidenum">
               <a:rPr lang="ja-JP" altLang="en-US" smtClean="0"/>
               <a:pPr/>
-              <a:t>17</a:t>
+              <a:t>19</a:t>
             </a:fld>
             <a:endParaRPr lang="ja-JP" altLang="en-US" dirty="0"/>
           </a:p>
@@ -7905,7 +8705,497 @@
 </p:sld>
 </file>
 
-<file path=ppt/slides/slide18.xml><?xml version="1.0" encoding="utf-8"?>
+<file path=ppt/slides/slide2.xml><?xml version="1.0" encoding="utf-8"?>
+<p:sld xmlns:a="http://schemas.openxmlformats.org/drawingml/2006/main" xmlns:r="http://schemas.openxmlformats.org/officeDocument/2006/relationships" xmlns:p="http://schemas.openxmlformats.org/presentationml/2006/main">
+  <p:cSld>
+    <p:spTree>
+      <p:nvGrpSpPr>
+        <p:cNvPr id="1" name=""/>
+        <p:cNvGrpSpPr/>
+        <p:nvPr/>
+      </p:nvGrpSpPr>
+      <p:grpSpPr>
+        <a:xfrm>
+          <a:off x="0" y="0"/>
+          <a:ext cx="0" cy="0"/>
+          <a:chOff x="0" y="0"/>
+          <a:chExt cx="0" cy="0"/>
+        </a:xfrm>
+      </p:grpSpPr>
+      <p:sp>
+        <p:nvSpPr>
+          <p:cNvPr id="2" name="タイトル 1"/>
+          <p:cNvSpPr>
+            <a:spLocks noGrp="1"/>
+          </p:cNvSpPr>
+          <p:nvPr>
+            <p:ph type="title"/>
+          </p:nvPr>
+        </p:nvSpPr>
+        <p:spPr/>
+        <p:txBody>
+          <a:bodyPr/>
+          <a:lstStyle/>
+          <a:p>
+            <a:r>
+              <a:rPr kumimoji="1" lang="en-US" altLang="ja-JP" dirty="0"/>
+              <a:t>1 </a:t>
+            </a:r>
+            <a:r>
+              <a:rPr kumimoji="1" lang="ja-JP" altLang="en-US" dirty="0"/>
+              <a:t>問目 </a:t>
+            </a:r>
+            <a:r>
+              <a:rPr kumimoji="1" lang="en-US" altLang="ja-JP" dirty="0"/>
+              <a:t>– </a:t>
+            </a:r>
+            <a:r>
+              <a:rPr kumimoji="1" lang="ja-JP" altLang="en-US" dirty="0"/>
+              <a:t>解法</a:t>
+            </a:r>
+          </a:p>
+        </p:txBody>
+      </p:sp>
+      <mc:AlternateContent xmlns:mc="http://schemas.openxmlformats.org/markup-compatibility/2006" xmlns:a14="http://schemas.microsoft.com/office/drawing/2010/main">
+        <mc:Choice Requires="a14">
+          <p:sp>
+            <p:nvSpPr>
+              <p:cNvPr id="3" name="コンテンツ プレースホルダー 2"/>
+              <p:cNvSpPr>
+                <a:spLocks noGrp="1"/>
+              </p:cNvSpPr>
+              <p:nvPr>
+                <p:ph idx="1"/>
+              </p:nvPr>
+            </p:nvSpPr>
+            <p:spPr/>
+            <p:txBody>
+              <a:bodyPr/>
+              <a:lstStyle/>
+              <a:p>
+                <a14:m>
+                  <m:oMath xmlns:m="http://schemas.openxmlformats.org/officeDocument/2006/math">
+                    <m:r>
+                      <a:rPr lang="en-US" altLang="ja-JP" i="1" dirty="0" smtClean="0">
+                        <a:latin typeface="Cambria Math" panose="02040503050406030204" pitchFamily="18" charset="0"/>
+                      </a:rPr>
+                      <m:t>𝑆</m:t>
+                    </m:r>
+                  </m:oMath>
+                </a14:m>
+                <a:r>
+                  <a:rPr lang="en-US" altLang="ja-JP" dirty="0"/>
+                  <a:t> </a:t>
+                </a:r>
+                <a:r>
+                  <a:rPr lang="ja-JP" altLang="en-US" dirty="0"/>
+                  <a:t>から </a:t>
+                </a:r>
+                <a14:m>
+                  <m:oMath xmlns:m="http://schemas.openxmlformats.org/officeDocument/2006/math">
+                    <m:r>
+                      <a:rPr lang="en-US" altLang="ja-JP" i="1" dirty="0" smtClean="0">
+                        <a:latin typeface="Cambria Math" panose="02040503050406030204" pitchFamily="18" charset="0"/>
+                      </a:rPr>
+                      <m:t>𝑇</m:t>
+                    </m:r>
+                  </m:oMath>
+                </a14:m>
+                <a:r>
+                  <a:rPr lang="en-US" altLang="ja-JP" dirty="0"/>
+                  <a:t> </a:t>
+                </a:r>
+                <a:r>
+                  <a:rPr lang="ja-JP" altLang="en-US" dirty="0"/>
+                  <a:t>に一直線に向かうので移動する距離は </a:t>
+                </a:r>
+                <a14:m>
+                  <m:oMath xmlns:m="http://schemas.openxmlformats.org/officeDocument/2006/math">
+                    <m:d>
+                      <m:dPr>
+                        <m:begChr m:val="|"/>
+                        <m:endChr m:val="|"/>
+                        <m:ctrlPr>
+                          <a:rPr lang="en-US" altLang="ja-JP" i="1" dirty="0" smtClean="0">
+                            <a:latin typeface="Cambria Math" panose="02040503050406030204" pitchFamily="18" charset="0"/>
+                          </a:rPr>
+                        </m:ctrlPr>
+                      </m:dPr>
+                      <m:e>
+                        <m:r>
+                          <a:rPr lang="en-US" altLang="ja-JP" i="1" dirty="0" smtClean="0">
+                            <a:latin typeface="Cambria Math" panose="02040503050406030204" pitchFamily="18" charset="0"/>
+                          </a:rPr>
+                          <m:t>𝑆</m:t>
+                        </m:r>
+                        <m:r>
+                          <a:rPr lang="en-US" altLang="ja-JP" i="1" dirty="0" smtClean="0">
+                            <a:latin typeface="Cambria Math" panose="02040503050406030204" pitchFamily="18" charset="0"/>
+                          </a:rPr>
+                          <m:t>−</m:t>
+                        </m:r>
+                        <m:r>
+                          <a:rPr lang="en-US" altLang="ja-JP" i="1" dirty="0" smtClean="0">
+                            <a:latin typeface="Cambria Math" panose="02040503050406030204" pitchFamily="18" charset="0"/>
+                          </a:rPr>
+                          <m:t>𝑇</m:t>
+                        </m:r>
+                      </m:e>
+                    </m:d>
+                  </m:oMath>
+                </a14:m>
+                <a:endParaRPr kumimoji="1" lang="en-US" altLang="ja-JP" dirty="0"/>
+              </a:p>
+              <a:p>
+                <a14:m>
+                  <m:oMath xmlns:m="http://schemas.openxmlformats.org/officeDocument/2006/math">
+                    <m:d>
+                      <m:dPr>
+                        <m:begChr m:val="|"/>
+                        <m:endChr m:val="|"/>
+                        <m:ctrlPr>
+                          <a:rPr kumimoji="1" lang="en-US" altLang="ja-JP" i="1" dirty="0" smtClean="0">
+                            <a:latin typeface="Cambria Math" panose="02040503050406030204" pitchFamily="18" charset="0"/>
+                          </a:rPr>
+                        </m:ctrlPr>
+                      </m:dPr>
+                      <m:e>
+                        <m:r>
+                          <a:rPr kumimoji="1" lang="en-US" altLang="ja-JP" i="1" dirty="0" smtClean="0">
+                            <a:latin typeface="Cambria Math" panose="02040503050406030204" pitchFamily="18" charset="0"/>
+                          </a:rPr>
+                          <m:t>𝑆</m:t>
+                        </m:r>
+                        <m:r>
+                          <a:rPr kumimoji="1" lang="en-US" altLang="ja-JP" i="1" dirty="0" smtClean="0">
+                            <a:latin typeface="Cambria Math" panose="02040503050406030204" pitchFamily="18" charset="0"/>
+                          </a:rPr>
+                          <m:t>−</m:t>
+                        </m:r>
+                        <m:r>
+                          <a:rPr kumimoji="1" lang="en-US" altLang="ja-JP" i="1" dirty="0" smtClean="0">
+                            <a:latin typeface="Cambria Math" panose="02040503050406030204" pitchFamily="18" charset="0"/>
+                          </a:rPr>
+                          <m:t>𝑇</m:t>
+                        </m:r>
+                      </m:e>
+                    </m:d>
+                  </m:oMath>
+                </a14:m>
+                <a:r>
+                  <a:rPr kumimoji="1" lang="en-US" altLang="ja-JP" dirty="0"/>
+                  <a:t> </a:t>
+                </a:r>
+                <a:r>
+                  <a:rPr kumimoji="1" lang="ja-JP" altLang="en-US" dirty="0"/>
+                  <a:t>が </a:t>
+                </a:r>
+                <a14:m>
+                  <m:oMath xmlns:m="http://schemas.openxmlformats.org/officeDocument/2006/math">
+                    <m:r>
+                      <a:rPr kumimoji="1" lang="en-US" altLang="ja-JP" i="1" dirty="0" smtClean="0">
+                        <a:latin typeface="Cambria Math" panose="02040503050406030204" pitchFamily="18" charset="0"/>
+                      </a:rPr>
+                      <m:t>𝐷</m:t>
+                    </m:r>
+                  </m:oMath>
+                </a14:m>
+                <a:r>
+                  <a:rPr kumimoji="1" lang="en-US" altLang="ja-JP" dirty="0"/>
+                  <a:t> </a:t>
+                </a:r>
+                <a:r>
+                  <a:rPr kumimoji="1" lang="ja-JP" altLang="en-US" dirty="0"/>
+                  <a:t>の倍数になっているか確かめれば良い</a:t>
+                </a:r>
+                <a:endParaRPr kumimoji="1" lang="en-US" altLang="ja-JP" dirty="0"/>
+              </a:p>
+              <a:p>
+                <a:pPr lvl="1"/>
+                <a:r>
+                  <a:rPr lang="ja-JP" altLang="en-US" dirty="0"/>
+                  <a:t>これは </a:t>
+                </a:r>
+                <a:r>
+                  <a:rPr lang="en-US" altLang="ja-JP" dirty="0"/>
+                  <a:t>D </a:t>
+                </a:r>
+                <a:r>
+                  <a:rPr lang="ja-JP" altLang="en-US" dirty="0"/>
+                  <a:t>で割った余りが </a:t>
+                </a:r>
+                <a:r>
+                  <a:rPr lang="en-US" altLang="ja-JP" dirty="0"/>
+                  <a:t>0 </a:t>
+                </a:r>
+                <a:r>
+                  <a:rPr lang="ja-JP" altLang="en-US" dirty="0"/>
+                  <a:t>と同値なので</a:t>
+                </a:r>
+                <a:r>
+                  <a:rPr lang="en-US" altLang="ja-JP" dirty="0"/>
+                  <a:t>, </a:t>
+                </a:r>
+                <a:r>
+                  <a:rPr lang="ja-JP" altLang="en-US" dirty="0"/>
+                  <a:t>それを確かめる</a:t>
+                </a:r>
+                <a:endParaRPr lang="en-US" altLang="ja-JP" dirty="0"/>
+              </a:p>
+              <a:p>
+                <a:pPr lvl="1"/>
+                <a:r>
+                  <a:rPr lang="ja-JP" altLang="en-US" dirty="0"/>
+                  <a:t>割り切れるとき </a:t>
+                </a:r>
+                <a14:m>
+                  <m:oMath xmlns:m="http://schemas.openxmlformats.org/officeDocument/2006/math">
+                    <m:f>
+                      <m:fPr>
+                        <m:ctrlPr>
+                          <a:rPr lang="en-US" altLang="ja-JP" i="1" dirty="0" smtClean="0">
+                            <a:latin typeface="Cambria Math" panose="02040503050406030204" pitchFamily="18" charset="0"/>
+                          </a:rPr>
+                        </m:ctrlPr>
+                      </m:fPr>
+                      <m:num>
+                        <m:d>
+                          <m:dPr>
+                            <m:begChr m:val="|"/>
+                            <m:endChr m:val="|"/>
+                            <m:ctrlPr>
+                              <a:rPr lang="en-US" altLang="ja-JP" i="1" dirty="0" smtClean="0">
+                                <a:latin typeface="Cambria Math" panose="02040503050406030204" pitchFamily="18" charset="0"/>
+                              </a:rPr>
+                            </m:ctrlPr>
+                          </m:dPr>
+                          <m:e>
+                            <m:r>
+                              <a:rPr lang="en-US" altLang="ja-JP" i="1" dirty="0" smtClean="0">
+                                <a:latin typeface="Cambria Math" panose="02040503050406030204" pitchFamily="18" charset="0"/>
+                              </a:rPr>
+                              <m:t>𝑆</m:t>
+                            </m:r>
+                            <m:r>
+                              <a:rPr lang="en-US" altLang="ja-JP" i="1" dirty="0" smtClean="0">
+                                <a:latin typeface="Cambria Math" panose="02040503050406030204" pitchFamily="18" charset="0"/>
+                              </a:rPr>
+                              <m:t>−</m:t>
+                            </m:r>
+                            <m:r>
+                              <a:rPr lang="en-US" altLang="ja-JP" i="1" dirty="0" smtClean="0">
+                                <a:latin typeface="Cambria Math" panose="02040503050406030204" pitchFamily="18" charset="0"/>
+                              </a:rPr>
+                              <m:t>𝑇</m:t>
+                            </m:r>
+                          </m:e>
+                        </m:d>
+                      </m:num>
+                      <m:den>
+                        <m:r>
+                          <a:rPr lang="en-US" altLang="ja-JP" i="1" dirty="0" smtClean="0">
+                            <a:latin typeface="Cambria Math" panose="02040503050406030204" pitchFamily="18" charset="0"/>
+                          </a:rPr>
+                          <m:t>𝐷</m:t>
+                        </m:r>
+                      </m:den>
+                    </m:f>
+                  </m:oMath>
+                </a14:m>
+                <a:r>
+                  <a:rPr lang="en-US" altLang="ja-JP" dirty="0"/>
+                  <a:t>, </a:t>
+                </a:r>
+                <a:r>
+                  <a:rPr lang="ja-JP" altLang="en-US" dirty="0"/>
+                  <a:t>割り切れない時 </a:t>
+                </a:r>
+                <a14:m>
+                  <m:oMath xmlns:m="http://schemas.openxmlformats.org/officeDocument/2006/math">
+                    <m:r>
+                      <a:rPr lang="en-US" altLang="ja-JP" i="1" dirty="0" smtClean="0">
+                        <a:latin typeface="Cambria Math" panose="02040503050406030204" pitchFamily="18" charset="0"/>
+                      </a:rPr>
+                      <m:t>−1</m:t>
+                    </m:r>
+                  </m:oMath>
+                </a14:m>
+                <a:endParaRPr lang="en-US" altLang="ja-JP" dirty="0"/>
+              </a:p>
+              <a:p>
+                <a:pPr lvl="1"/>
+                <a:r>
+                  <a:rPr lang="ja-JP" altLang="en-US" dirty="0"/>
+                  <a:t>絶対値は条件分岐を使ったり</a:t>
+                </a:r>
+                <a:r>
+                  <a:rPr lang="en-US" altLang="ja-JP" dirty="0"/>
+                  <a:t>, abs() </a:t>
+                </a:r>
+                <a:r>
+                  <a:rPr lang="ja-JP" altLang="en-US" dirty="0"/>
+                  <a:t>関数を使ったりすればよいです</a:t>
+                </a:r>
+                <a:endParaRPr lang="en-US" altLang="ja-JP" dirty="0"/>
+              </a:p>
+              <a:p>
+                <a:r>
+                  <a:rPr kumimoji="1" lang="ja-JP" altLang="en-US" dirty="0"/>
+                  <a:t>計算量 </a:t>
+                </a:r>
+                <a14:m>
+                  <m:oMath xmlns:m="http://schemas.openxmlformats.org/officeDocument/2006/math">
+                    <m:r>
+                      <a:rPr kumimoji="1" lang="en-US" altLang="ja-JP" i="1" dirty="0" smtClean="0">
+                        <a:latin typeface="Cambria Math" panose="02040503050406030204" pitchFamily="18" charset="0"/>
+                      </a:rPr>
+                      <m:t>𝑂</m:t>
+                    </m:r>
+                    <m:d>
+                      <m:dPr>
+                        <m:ctrlPr>
+                          <a:rPr kumimoji="1" lang="en-US" altLang="ja-JP" i="1" dirty="0" smtClean="0">
+                            <a:latin typeface="Cambria Math" panose="02040503050406030204" pitchFamily="18" charset="0"/>
+                          </a:rPr>
+                        </m:ctrlPr>
+                      </m:dPr>
+                      <m:e>
+                        <m:r>
+                          <a:rPr kumimoji="1" lang="en-US" altLang="ja-JP" i="1" dirty="0" smtClean="0">
+                            <a:latin typeface="Cambria Math" panose="02040503050406030204" pitchFamily="18" charset="0"/>
+                          </a:rPr>
+                          <m:t>1</m:t>
+                        </m:r>
+                      </m:e>
+                    </m:d>
+                  </m:oMath>
+                </a14:m>
+                <a:endParaRPr kumimoji="1" lang="en-US" altLang="ja-JP" dirty="0"/>
+              </a:p>
+              <a:p>
+                <a:pPr lvl="1"/>
+                <a:endParaRPr kumimoji="1" lang="en-US" altLang="ja-JP" dirty="0"/>
+              </a:p>
+            </p:txBody>
+          </p:sp>
+        </mc:Choice>
+        <mc:Fallback xmlns="">
+          <p:sp>
+            <p:nvSpPr>
+              <p:cNvPr id="3" name="コンテンツ プレースホルダー 2"/>
+              <p:cNvSpPr>
+                <a:spLocks noGrp="1" noRot="1" noChangeAspect="1" noMove="1" noResize="1" noEditPoints="1" noAdjustHandles="1" noChangeArrowheads="1" noChangeShapeType="1" noTextEdit="1"/>
+              </p:cNvSpPr>
+              <p:nvPr>
+                <p:ph idx="1"/>
+              </p:nvPr>
+            </p:nvSpPr>
+            <p:spPr>
+              <a:blipFill>
+                <a:blip r:embed="rId2"/>
+                <a:stretch>
+                  <a:fillRect/>
+                </a:stretch>
+              </a:blipFill>
+            </p:spPr>
+            <p:txBody>
+              <a:bodyPr/>
+              <a:lstStyle/>
+              <a:p>
+                <a:r>
+                  <a:rPr lang="ja-JP" altLang="en-US">
+                    <a:noFill/>
+                  </a:rPr>
+                  <a:t> </a:t>
+                </a:r>
+              </a:p>
+            </p:txBody>
+          </p:sp>
+        </mc:Fallback>
+      </mc:AlternateContent>
+      <p:sp>
+        <p:nvSpPr>
+          <p:cNvPr id="4" name="日付プレースホルダー 3"/>
+          <p:cNvSpPr>
+            <a:spLocks noGrp="1"/>
+          </p:cNvSpPr>
+          <p:nvPr>
+            <p:ph type="dt" sz="half" idx="2"/>
+          </p:nvPr>
+        </p:nvSpPr>
+        <p:spPr/>
+        <p:txBody>
+          <a:bodyPr/>
+          <a:lstStyle/>
+          <a:p>
+            <a:fld id="{D1E34E38-FEFA-4C7B-BEDB-247BCB0D5600}" type="datetime1">
+              <a:rPr lang="ja-JP" altLang="en-US" smtClean="0"/>
+              <a:t>2017/1/10</a:t>
+            </a:fld>
+            <a:endParaRPr lang="ja-JP" altLang="en-US" dirty="0"/>
+          </a:p>
+        </p:txBody>
+      </p:sp>
+      <p:sp>
+        <p:nvSpPr>
+          <p:cNvPr id="5" name="フッター プレースホルダー 4"/>
+          <p:cNvSpPr>
+            <a:spLocks noGrp="1"/>
+          </p:cNvSpPr>
+          <p:nvPr>
+            <p:ph type="ftr" sz="quarter" idx="3"/>
+          </p:nvPr>
+        </p:nvSpPr>
+        <p:spPr/>
+        <p:txBody>
+          <a:bodyPr/>
+          <a:lstStyle/>
+          <a:p>
+            <a:r>
+              <a:rPr lang="ja-JP" altLang="en-US"/>
+              <a:t>解説</a:t>
+            </a:r>
+          </a:p>
+        </p:txBody>
+      </p:sp>
+      <p:sp>
+        <p:nvSpPr>
+          <p:cNvPr id="6" name="スライド番号プレースホルダー 5"/>
+          <p:cNvSpPr>
+            <a:spLocks noGrp="1"/>
+          </p:cNvSpPr>
+          <p:nvPr>
+            <p:ph type="sldNum" sz="quarter" idx="4"/>
+          </p:nvPr>
+        </p:nvSpPr>
+        <p:spPr/>
+        <p:txBody>
+          <a:bodyPr/>
+          <a:lstStyle/>
+          <a:p>
+            <a:fld id="{DC383006-1B5B-4F31-9C76-A2B56E08D15E}" type="slidenum">
+              <a:rPr lang="ja-JP" altLang="en-US" smtClean="0"/>
+              <a:pPr/>
+              <a:t>2</a:t>
+            </a:fld>
+            <a:endParaRPr lang="ja-JP" altLang="en-US" dirty="0"/>
+          </a:p>
+        </p:txBody>
+      </p:sp>
+    </p:spTree>
+    <p:extLst>
+      <p:ext uri="{BB962C8B-B14F-4D97-AF65-F5344CB8AC3E}">
+        <p14:creationId xmlns:p14="http://schemas.microsoft.com/office/powerpoint/2010/main" val="3085600019"/>
+      </p:ext>
+    </p:extLst>
+  </p:cSld>
+  <p:clrMapOvr>
+    <a:masterClrMapping/>
+  </p:clrMapOvr>
+</p:sld>
+</file>
+
+<file path=ppt/slides/slide20.xml><?xml version="1.0" encoding="utf-8"?>
 <p:sld xmlns:a="http://schemas.openxmlformats.org/drawingml/2006/main" xmlns:r="http://schemas.openxmlformats.org/officeDocument/2006/relationships" xmlns:p="http://schemas.openxmlformats.org/presentationml/2006/main">
   <p:cSld>
     <p:spTree>
@@ -8393,7 +9683,7 @@
           <a:bodyPr/>
           <a:lstStyle/>
           <a:p>
-            <a:fld id="{B1A103DF-03ED-4B04-9FA4-76EE9EA73D19}" type="datetime1">
+            <a:fld id="{6B4EE4D2-AAF2-4D28-8EED-D14E47AA1349}" type="datetime1">
               <a:rPr lang="ja-JP" altLang="en-US" smtClean="0"/>
               <a:t>2017/1/10</a:t>
             </a:fld>
@@ -8418,7 +9708,7 @@
           <a:p>
             <a:r>
               <a:rPr lang="ja-JP" altLang="en-US"/>
-              <a:t>マクロのつかいかた</a:t>
+              <a:t>解説</a:t>
             </a:r>
           </a:p>
         </p:txBody>
@@ -8441,7 +9731,7 @@
             <a:fld id="{DC383006-1B5B-4F31-9C76-A2B56E08D15E}" type="slidenum">
               <a:rPr lang="ja-JP" altLang="en-US" smtClean="0"/>
               <a:pPr/>
-              <a:t>18</a:t>
+              <a:t>20</a:t>
             </a:fld>
             <a:endParaRPr lang="ja-JP" altLang="en-US" dirty="0"/>
           </a:p>
@@ -8460,7 +9750,7 @@
 </p:sld>
 </file>
 
-<file path=ppt/slides/slide19.xml><?xml version="1.0" encoding="utf-8"?>
+<file path=ppt/slides/slide21.xml><?xml version="1.0" encoding="utf-8"?>
 <p:sld xmlns:a="http://schemas.openxmlformats.org/drawingml/2006/main" xmlns:r="http://schemas.openxmlformats.org/officeDocument/2006/relationships" xmlns:p="http://schemas.openxmlformats.org/presentationml/2006/main">
   <p:cSld>
     <p:spTree>
@@ -8754,7 +10044,7 @@
           <a:bodyPr/>
           <a:lstStyle/>
           <a:p>
-            <a:fld id="{B1A103DF-03ED-4B04-9FA4-76EE9EA73D19}" type="datetime1">
+            <a:fld id="{60B0B464-013E-4B72-9E4A-328DE9A145D8}" type="datetime1">
               <a:rPr lang="ja-JP" altLang="en-US" smtClean="0"/>
               <a:t>2017/1/10</a:t>
             </a:fld>
@@ -8779,7 +10069,7 @@
           <a:p>
             <a:r>
               <a:rPr lang="ja-JP" altLang="en-US"/>
-              <a:t>マクロのつかいかた</a:t>
+              <a:t>解説</a:t>
             </a:r>
           </a:p>
         </p:txBody>
@@ -8802,7 +10092,7 @@
             <a:fld id="{DC383006-1B5B-4F31-9C76-A2B56E08D15E}" type="slidenum">
               <a:rPr lang="ja-JP" altLang="en-US" smtClean="0"/>
               <a:pPr/>
-              <a:t>19</a:t>
+              <a:t>21</a:t>
             </a:fld>
             <a:endParaRPr lang="ja-JP" altLang="en-US" dirty="0"/>
           </a:p>
@@ -8821,497 +10111,7 @@
 </p:sld>
 </file>
 
-<file path=ppt/slides/slide2.xml><?xml version="1.0" encoding="utf-8"?>
-<p:sld xmlns:a="http://schemas.openxmlformats.org/drawingml/2006/main" xmlns:r="http://schemas.openxmlformats.org/officeDocument/2006/relationships" xmlns:p="http://schemas.openxmlformats.org/presentationml/2006/main">
-  <p:cSld>
-    <p:spTree>
-      <p:nvGrpSpPr>
-        <p:cNvPr id="1" name=""/>
-        <p:cNvGrpSpPr/>
-        <p:nvPr/>
-      </p:nvGrpSpPr>
-      <p:grpSpPr>
-        <a:xfrm>
-          <a:off x="0" y="0"/>
-          <a:ext cx="0" cy="0"/>
-          <a:chOff x="0" y="0"/>
-          <a:chExt cx="0" cy="0"/>
-        </a:xfrm>
-      </p:grpSpPr>
-      <p:sp>
-        <p:nvSpPr>
-          <p:cNvPr id="2" name="タイトル 1"/>
-          <p:cNvSpPr>
-            <a:spLocks noGrp="1"/>
-          </p:cNvSpPr>
-          <p:nvPr>
-            <p:ph type="title"/>
-          </p:nvPr>
-        </p:nvSpPr>
-        <p:spPr/>
-        <p:txBody>
-          <a:bodyPr/>
-          <a:lstStyle/>
-          <a:p>
-            <a:r>
-              <a:rPr kumimoji="1" lang="en-US" altLang="ja-JP" dirty="0"/>
-              <a:t>1 </a:t>
-            </a:r>
-            <a:r>
-              <a:rPr kumimoji="1" lang="ja-JP" altLang="en-US" dirty="0"/>
-              <a:t>問目 </a:t>
-            </a:r>
-            <a:r>
-              <a:rPr kumimoji="1" lang="en-US" altLang="ja-JP" dirty="0"/>
-              <a:t>– </a:t>
-            </a:r>
-            <a:r>
-              <a:rPr kumimoji="1" lang="ja-JP" altLang="en-US" dirty="0"/>
-              <a:t>解法</a:t>
-            </a:r>
-          </a:p>
-        </p:txBody>
-      </p:sp>
-      <mc:AlternateContent xmlns:mc="http://schemas.openxmlformats.org/markup-compatibility/2006" xmlns:a14="http://schemas.microsoft.com/office/drawing/2010/main">
-        <mc:Choice Requires="a14">
-          <p:sp>
-            <p:nvSpPr>
-              <p:cNvPr id="3" name="コンテンツ プレースホルダー 2"/>
-              <p:cNvSpPr>
-                <a:spLocks noGrp="1"/>
-              </p:cNvSpPr>
-              <p:nvPr>
-                <p:ph idx="1"/>
-              </p:nvPr>
-            </p:nvSpPr>
-            <p:spPr/>
-            <p:txBody>
-              <a:bodyPr/>
-              <a:lstStyle/>
-              <a:p>
-                <a14:m>
-                  <m:oMath xmlns:m="http://schemas.openxmlformats.org/officeDocument/2006/math">
-                    <m:r>
-                      <a:rPr lang="en-US" altLang="ja-JP" i="1" dirty="0" smtClean="0">
-                        <a:latin typeface="Cambria Math" panose="02040503050406030204" pitchFamily="18" charset="0"/>
-                      </a:rPr>
-                      <m:t>𝑆</m:t>
-                    </m:r>
-                  </m:oMath>
-                </a14:m>
-                <a:r>
-                  <a:rPr lang="en-US" altLang="ja-JP" dirty="0"/>
-                  <a:t> </a:t>
-                </a:r>
-                <a:r>
-                  <a:rPr lang="ja-JP" altLang="en-US" dirty="0"/>
-                  <a:t>から </a:t>
-                </a:r>
-                <a14:m>
-                  <m:oMath xmlns:m="http://schemas.openxmlformats.org/officeDocument/2006/math">
-                    <m:r>
-                      <a:rPr lang="en-US" altLang="ja-JP" i="1" dirty="0" smtClean="0">
-                        <a:latin typeface="Cambria Math" panose="02040503050406030204" pitchFamily="18" charset="0"/>
-                      </a:rPr>
-                      <m:t>𝑇</m:t>
-                    </m:r>
-                  </m:oMath>
-                </a14:m>
-                <a:r>
-                  <a:rPr lang="en-US" altLang="ja-JP" dirty="0"/>
-                  <a:t> </a:t>
-                </a:r>
-                <a:r>
-                  <a:rPr lang="ja-JP" altLang="en-US" dirty="0"/>
-                  <a:t>に一直線に向かうので移動する距離は </a:t>
-                </a:r>
-                <a14:m>
-                  <m:oMath xmlns:m="http://schemas.openxmlformats.org/officeDocument/2006/math">
-                    <m:d>
-                      <m:dPr>
-                        <m:begChr m:val="|"/>
-                        <m:endChr m:val="|"/>
-                        <m:ctrlPr>
-                          <a:rPr lang="en-US" altLang="ja-JP" i="1" dirty="0" smtClean="0">
-                            <a:latin typeface="Cambria Math" panose="02040503050406030204" pitchFamily="18" charset="0"/>
-                          </a:rPr>
-                        </m:ctrlPr>
-                      </m:dPr>
-                      <m:e>
-                        <m:r>
-                          <a:rPr lang="en-US" altLang="ja-JP" i="1" dirty="0" smtClean="0">
-                            <a:latin typeface="Cambria Math" panose="02040503050406030204" pitchFamily="18" charset="0"/>
-                          </a:rPr>
-                          <m:t>𝑆</m:t>
-                        </m:r>
-                        <m:r>
-                          <a:rPr lang="en-US" altLang="ja-JP" i="1" dirty="0" smtClean="0">
-                            <a:latin typeface="Cambria Math" panose="02040503050406030204" pitchFamily="18" charset="0"/>
-                          </a:rPr>
-                          <m:t>−</m:t>
-                        </m:r>
-                        <m:r>
-                          <a:rPr lang="en-US" altLang="ja-JP" i="1" dirty="0" smtClean="0">
-                            <a:latin typeface="Cambria Math" panose="02040503050406030204" pitchFamily="18" charset="0"/>
-                          </a:rPr>
-                          <m:t>𝑇</m:t>
-                        </m:r>
-                      </m:e>
-                    </m:d>
-                  </m:oMath>
-                </a14:m>
-                <a:endParaRPr kumimoji="1" lang="en-US" altLang="ja-JP" dirty="0"/>
-              </a:p>
-              <a:p>
-                <a14:m>
-                  <m:oMath xmlns:m="http://schemas.openxmlformats.org/officeDocument/2006/math">
-                    <m:d>
-                      <m:dPr>
-                        <m:begChr m:val="|"/>
-                        <m:endChr m:val="|"/>
-                        <m:ctrlPr>
-                          <a:rPr kumimoji="1" lang="en-US" altLang="ja-JP" i="1" dirty="0" smtClean="0">
-                            <a:latin typeface="Cambria Math" panose="02040503050406030204" pitchFamily="18" charset="0"/>
-                          </a:rPr>
-                        </m:ctrlPr>
-                      </m:dPr>
-                      <m:e>
-                        <m:r>
-                          <a:rPr kumimoji="1" lang="en-US" altLang="ja-JP" i="1" dirty="0" smtClean="0">
-                            <a:latin typeface="Cambria Math" panose="02040503050406030204" pitchFamily="18" charset="0"/>
-                          </a:rPr>
-                          <m:t>𝑆</m:t>
-                        </m:r>
-                        <m:r>
-                          <a:rPr kumimoji="1" lang="en-US" altLang="ja-JP" i="1" dirty="0" smtClean="0">
-                            <a:latin typeface="Cambria Math" panose="02040503050406030204" pitchFamily="18" charset="0"/>
-                          </a:rPr>
-                          <m:t>−</m:t>
-                        </m:r>
-                        <m:r>
-                          <a:rPr kumimoji="1" lang="en-US" altLang="ja-JP" i="1" dirty="0" smtClean="0">
-                            <a:latin typeface="Cambria Math" panose="02040503050406030204" pitchFamily="18" charset="0"/>
-                          </a:rPr>
-                          <m:t>𝑇</m:t>
-                        </m:r>
-                      </m:e>
-                    </m:d>
-                  </m:oMath>
-                </a14:m>
-                <a:r>
-                  <a:rPr kumimoji="1" lang="en-US" altLang="ja-JP" dirty="0"/>
-                  <a:t> </a:t>
-                </a:r>
-                <a:r>
-                  <a:rPr kumimoji="1" lang="ja-JP" altLang="en-US" dirty="0"/>
-                  <a:t>が </a:t>
-                </a:r>
-                <a14:m>
-                  <m:oMath xmlns:m="http://schemas.openxmlformats.org/officeDocument/2006/math">
-                    <m:r>
-                      <a:rPr kumimoji="1" lang="en-US" altLang="ja-JP" i="1" dirty="0" smtClean="0">
-                        <a:latin typeface="Cambria Math" panose="02040503050406030204" pitchFamily="18" charset="0"/>
-                      </a:rPr>
-                      <m:t>𝐷</m:t>
-                    </m:r>
-                  </m:oMath>
-                </a14:m>
-                <a:r>
-                  <a:rPr kumimoji="1" lang="en-US" altLang="ja-JP" dirty="0"/>
-                  <a:t> </a:t>
-                </a:r>
-                <a:r>
-                  <a:rPr kumimoji="1" lang="ja-JP" altLang="en-US" dirty="0"/>
-                  <a:t>の倍数になっているか確かめれば良い</a:t>
-                </a:r>
-                <a:endParaRPr kumimoji="1" lang="en-US" altLang="ja-JP" dirty="0"/>
-              </a:p>
-              <a:p>
-                <a:pPr lvl="1"/>
-                <a:r>
-                  <a:rPr lang="ja-JP" altLang="en-US" dirty="0"/>
-                  <a:t>これは </a:t>
-                </a:r>
-                <a:r>
-                  <a:rPr lang="en-US" altLang="ja-JP" dirty="0"/>
-                  <a:t>D </a:t>
-                </a:r>
-                <a:r>
-                  <a:rPr lang="ja-JP" altLang="en-US" dirty="0"/>
-                  <a:t>で割った余りが </a:t>
-                </a:r>
-                <a:r>
-                  <a:rPr lang="en-US" altLang="ja-JP" dirty="0"/>
-                  <a:t>0 </a:t>
-                </a:r>
-                <a:r>
-                  <a:rPr lang="ja-JP" altLang="en-US" dirty="0"/>
-                  <a:t>と同値なので</a:t>
-                </a:r>
-                <a:r>
-                  <a:rPr lang="en-US" altLang="ja-JP" dirty="0"/>
-                  <a:t>, </a:t>
-                </a:r>
-                <a:r>
-                  <a:rPr lang="ja-JP" altLang="en-US" dirty="0"/>
-                  <a:t>それを確かめる</a:t>
-                </a:r>
-                <a:endParaRPr lang="en-US" altLang="ja-JP" dirty="0"/>
-              </a:p>
-              <a:p>
-                <a:pPr lvl="1"/>
-                <a:r>
-                  <a:rPr lang="ja-JP" altLang="en-US" dirty="0"/>
-                  <a:t>割り切れるとき </a:t>
-                </a:r>
-                <a14:m>
-                  <m:oMath xmlns:m="http://schemas.openxmlformats.org/officeDocument/2006/math">
-                    <m:f>
-                      <m:fPr>
-                        <m:ctrlPr>
-                          <a:rPr lang="en-US" altLang="ja-JP" i="1" dirty="0" smtClean="0">
-                            <a:latin typeface="Cambria Math" panose="02040503050406030204" pitchFamily="18" charset="0"/>
-                          </a:rPr>
-                        </m:ctrlPr>
-                      </m:fPr>
-                      <m:num>
-                        <m:d>
-                          <m:dPr>
-                            <m:begChr m:val="|"/>
-                            <m:endChr m:val="|"/>
-                            <m:ctrlPr>
-                              <a:rPr lang="en-US" altLang="ja-JP" i="1" dirty="0" smtClean="0">
-                                <a:latin typeface="Cambria Math" panose="02040503050406030204" pitchFamily="18" charset="0"/>
-                              </a:rPr>
-                            </m:ctrlPr>
-                          </m:dPr>
-                          <m:e>
-                            <m:r>
-                              <a:rPr lang="en-US" altLang="ja-JP" i="1" dirty="0" smtClean="0">
-                                <a:latin typeface="Cambria Math" panose="02040503050406030204" pitchFamily="18" charset="0"/>
-                              </a:rPr>
-                              <m:t>𝑆</m:t>
-                            </m:r>
-                            <m:r>
-                              <a:rPr lang="en-US" altLang="ja-JP" i="1" dirty="0" smtClean="0">
-                                <a:latin typeface="Cambria Math" panose="02040503050406030204" pitchFamily="18" charset="0"/>
-                              </a:rPr>
-                              <m:t>−</m:t>
-                            </m:r>
-                            <m:r>
-                              <a:rPr lang="en-US" altLang="ja-JP" i="1" dirty="0" smtClean="0">
-                                <a:latin typeface="Cambria Math" panose="02040503050406030204" pitchFamily="18" charset="0"/>
-                              </a:rPr>
-                              <m:t>𝑇</m:t>
-                            </m:r>
-                          </m:e>
-                        </m:d>
-                      </m:num>
-                      <m:den>
-                        <m:r>
-                          <a:rPr lang="en-US" altLang="ja-JP" i="1" dirty="0" smtClean="0">
-                            <a:latin typeface="Cambria Math" panose="02040503050406030204" pitchFamily="18" charset="0"/>
-                          </a:rPr>
-                          <m:t>𝐷</m:t>
-                        </m:r>
-                      </m:den>
-                    </m:f>
-                  </m:oMath>
-                </a14:m>
-                <a:r>
-                  <a:rPr lang="en-US" altLang="ja-JP" dirty="0"/>
-                  <a:t>, </a:t>
-                </a:r>
-                <a:r>
-                  <a:rPr lang="ja-JP" altLang="en-US" dirty="0"/>
-                  <a:t>割り切れない時 </a:t>
-                </a:r>
-                <a14:m>
-                  <m:oMath xmlns:m="http://schemas.openxmlformats.org/officeDocument/2006/math">
-                    <m:r>
-                      <a:rPr lang="en-US" altLang="ja-JP" i="1" dirty="0" smtClean="0">
-                        <a:latin typeface="Cambria Math" panose="02040503050406030204" pitchFamily="18" charset="0"/>
-                      </a:rPr>
-                      <m:t>−1</m:t>
-                    </m:r>
-                  </m:oMath>
-                </a14:m>
-                <a:endParaRPr lang="en-US" altLang="ja-JP" dirty="0"/>
-              </a:p>
-              <a:p>
-                <a:pPr lvl="1"/>
-                <a:r>
-                  <a:rPr lang="ja-JP" altLang="en-US" dirty="0"/>
-                  <a:t>絶対値は条件分岐を使ったり</a:t>
-                </a:r>
-                <a:r>
-                  <a:rPr lang="en-US" altLang="ja-JP" dirty="0"/>
-                  <a:t>, abs() </a:t>
-                </a:r>
-                <a:r>
-                  <a:rPr lang="ja-JP" altLang="en-US" dirty="0"/>
-                  <a:t>関数を使ったりすればよいです</a:t>
-                </a:r>
-                <a:endParaRPr lang="en-US" altLang="ja-JP" dirty="0"/>
-              </a:p>
-              <a:p>
-                <a:r>
-                  <a:rPr kumimoji="1" lang="ja-JP" altLang="en-US" dirty="0"/>
-                  <a:t>計算量 </a:t>
-                </a:r>
-                <a14:m>
-                  <m:oMath xmlns:m="http://schemas.openxmlformats.org/officeDocument/2006/math">
-                    <m:r>
-                      <a:rPr kumimoji="1" lang="en-US" altLang="ja-JP" i="1" dirty="0" smtClean="0">
-                        <a:latin typeface="Cambria Math" panose="02040503050406030204" pitchFamily="18" charset="0"/>
-                      </a:rPr>
-                      <m:t>𝑂</m:t>
-                    </m:r>
-                    <m:d>
-                      <m:dPr>
-                        <m:ctrlPr>
-                          <a:rPr kumimoji="1" lang="en-US" altLang="ja-JP" i="1" dirty="0" smtClean="0">
-                            <a:latin typeface="Cambria Math" panose="02040503050406030204" pitchFamily="18" charset="0"/>
-                          </a:rPr>
-                        </m:ctrlPr>
-                      </m:dPr>
-                      <m:e>
-                        <m:r>
-                          <a:rPr kumimoji="1" lang="en-US" altLang="ja-JP" i="1" dirty="0" smtClean="0">
-                            <a:latin typeface="Cambria Math" panose="02040503050406030204" pitchFamily="18" charset="0"/>
-                          </a:rPr>
-                          <m:t>1</m:t>
-                        </m:r>
-                      </m:e>
-                    </m:d>
-                  </m:oMath>
-                </a14:m>
-                <a:endParaRPr kumimoji="1" lang="en-US" altLang="ja-JP" dirty="0"/>
-              </a:p>
-              <a:p>
-                <a:pPr lvl="1"/>
-                <a:endParaRPr kumimoji="1" lang="en-US" altLang="ja-JP" dirty="0"/>
-              </a:p>
-            </p:txBody>
-          </p:sp>
-        </mc:Choice>
-        <mc:Fallback xmlns="">
-          <p:sp>
-            <p:nvSpPr>
-              <p:cNvPr id="3" name="コンテンツ プレースホルダー 2"/>
-              <p:cNvSpPr>
-                <a:spLocks noGrp="1" noRot="1" noChangeAspect="1" noMove="1" noResize="1" noEditPoints="1" noAdjustHandles="1" noChangeArrowheads="1" noChangeShapeType="1" noTextEdit="1"/>
-              </p:cNvSpPr>
-              <p:nvPr>
-                <p:ph idx="1"/>
-              </p:nvPr>
-            </p:nvSpPr>
-            <p:spPr>
-              <a:blipFill>
-                <a:blip r:embed="rId2"/>
-                <a:stretch>
-                  <a:fillRect/>
-                </a:stretch>
-              </a:blipFill>
-            </p:spPr>
-            <p:txBody>
-              <a:bodyPr/>
-              <a:lstStyle/>
-              <a:p>
-                <a:r>
-                  <a:rPr lang="ja-JP" altLang="en-US">
-                    <a:noFill/>
-                  </a:rPr>
-                  <a:t> </a:t>
-                </a:r>
-              </a:p>
-            </p:txBody>
-          </p:sp>
-        </mc:Fallback>
-      </mc:AlternateContent>
-      <p:sp>
-        <p:nvSpPr>
-          <p:cNvPr id="4" name="日付プレースホルダー 3"/>
-          <p:cNvSpPr>
-            <a:spLocks noGrp="1"/>
-          </p:cNvSpPr>
-          <p:nvPr>
-            <p:ph type="dt" sz="half" idx="2"/>
-          </p:nvPr>
-        </p:nvSpPr>
-        <p:spPr/>
-        <p:txBody>
-          <a:bodyPr/>
-          <a:lstStyle/>
-          <a:p>
-            <a:fld id="{B1A103DF-03ED-4B04-9FA4-76EE9EA73D19}" type="datetime1">
-              <a:rPr lang="ja-JP" altLang="en-US" smtClean="0"/>
-              <a:t>2017/1/10</a:t>
-            </a:fld>
-            <a:endParaRPr lang="ja-JP" altLang="en-US" dirty="0"/>
-          </a:p>
-        </p:txBody>
-      </p:sp>
-      <p:sp>
-        <p:nvSpPr>
-          <p:cNvPr id="5" name="フッター プレースホルダー 4"/>
-          <p:cNvSpPr>
-            <a:spLocks noGrp="1"/>
-          </p:cNvSpPr>
-          <p:nvPr>
-            <p:ph type="ftr" sz="quarter" idx="3"/>
-          </p:nvPr>
-        </p:nvSpPr>
-        <p:spPr/>
-        <p:txBody>
-          <a:bodyPr/>
-          <a:lstStyle/>
-          <a:p>
-            <a:r>
-              <a:rPr lang="ja-JP" altLang="en-US"/>
-              <a:t>マクロのつかいかた</a:t>
-            </a:r>
-          </a:p>
-        </p:txBody>
-      </p:sp>
-      <p:sp>
-        <p:nvSpPr>
-          <p:cNvPr id="6" name="スライド番号プレースホルダー 5"/>
-          <p:cNvSpPr>
-            <a:spLocks noGrp="1"/>
-          </p:cNvSpPr>
-          <p:nvPr>
-            <p:ph type="sldNum" sz="quarter" idx="4"/>
-          </p:nvPr>
-        </p:nvSpPr>
-        <p:spPr/>
-        <p:txBody>
-          <a:bodyPr/>
-          <a:lstStyle/>
-          <a:p>
-            <a:fld id="{DC383006-1B5B-4F31-9C76-A2B56E08D15E}" type="slidenum">
-              <a:rPr lang="ja-JP" altLang="en-US" smtClean="0"/>
-              <a:pPr/>
-              <a:t>2</a:t>
-            </a:fld>
-            <a:endParaRPr lang="ja-JP" altLang="en-US" dirty="0"/>
-          </a:p>
-        </p:txBody>
-      </p:sp>
-    </p:spTree>
-    <p:extLst>
-      <p:ext uri="{BB962C8B-B14F-4D97-AF65-F5344CB8AC3E}">
-        <p14:creationId xmlns:p14="http://schemas.microsoft.com/office/powerpoint/2010/main" val="3085600019"/>
-      </p:ext>
-    </p:extLst>
-  </p:cSld>
-  <p:clrMapOvr>
-    <a:masterClrMapping/>
-  </p:clrMapOvr>
-</p:sld>
-</file>
-
-<file path=ppt/slides/slide20.xml><?xml version="1.0" encoding="utf-8"?>
+<file path=ppt/slides/slide22.xml><?xml version="1.0" encoding="utf-8"?>
 <p:sld xmlns:a="http://schemas.openxmlformats.org/drawingml/2006/main" xmlns:r="http://schemas.openxmlformats.org/officeDocument/2006/relationships" xmlns:p="http://schemas.openxmlformats.org/presentationml/2006/main">
   <p:cSld>
     <p:spTree>
@@ -9565,7 +10365,7 @@
           <a:bodyPr/>
           <a:lstStyle/>
           <a:p>
-            <a:fld id="{B1A103DF-03ED-4B04-9FA4-76EE9EA73D19}" type="datetime1">
+            <a:fld id="{F10B613F-5155-443A-84DD-DDB84F0BCC6A}" type="datetime1">
               <a:rPr lang="ja-JP" altLang="en-US" smtClean="0"/>
               <a:t>2017/1/10</a:t>
             </a:fld>
@@ -9590,7 +10390,7 @@
           <a:p>
             <a:r>
               <a:rPr lang="ja-JP" altLang="en-US"/>
-              <a:t>マクロのつかいかた</a:t>
+              <a:t>解説</a:t>
             </a:r>
           </a:p>
         </p:txBody>
@@ -9613,7 +10413,7 @@
             <a:fld id="{DC383006-1B5B-4F31-9C76-A2B56E08D15E}" type="slidenum">
               <a:rPr lang="ja-JP" altLang="en-US" smtClean="0"/>
               <a:pPr/>
-              <a:t>20</a:t>
+              <a:t>22</a:t>
             </a:fld>
             <a:endParaRPr lang="ja-JP" altLang="en-US" dirty="0"/>
           </a:p>
@@ -9632,7 +10432,7 @@
 </p:sld>
 </file>
 
-<file path=ppt/slides/slide21.xml><?xml version="1.0" encoding="utf-8"?>
+<file path=ppt/slides/slide23.xml><?xml version="1.0" encoding="utf-8"?>
 <p:sld xmlns:a="http://schemas.openxmlformats.org/drawingml/2006/main" xmlns:r="http://schemas.openxmlformats.org/officeDocument/2006/relationships" xmlns:p="http://schemas.openxmlformats.org/presentationml/2006/main">
   <p:cSld>
     <p:spTree>
@@ -10100,7 +10900,7 @@
           <a:bodyPr/>
           <a:lstStyle/>
           <a:p>
-            <a:fld id="{B1A103DF-03ED-4B04-9FA4-76EE9EA73D19}" type="datetime1">
+            <a:fld id="{14679F1B-8E35-4AC4-936D-F23102485007}" type="datetime1">
               <a:rPr lang="ja-JP" altLang="en-US" smtClean="0"/>
               <a:t>2017/1/10</a:t>
             </a:fld>
@@ -10125,7 +10925,7 @@
           <a:p>
             <a:r>
               <a:rPr lang="ja-JP" altLang="en-US"/>
-              <a:t>マクロのつかいかた</a:t>
+              <a:t>解説</a:t>
             </a:r>
           </a:p>
         </p:txBody>
@@ -10148,7 +10948,7 @@
             <a:fld id="{DC383006-1B5B-4F31-9C76-A2B56E08D15E}" type="slidenum">
               <a:rPr lang="ja-JP" altLang="en-US" smtClean="0"/>
               <a:pPr/>
-              <a:t>21</a:t>
+              <a:t>23</a:t>
             </a:fld>
             <a:endParaRPr lang="ja-JP" altLang="en-US" dirty="0"/>
           </a:p>
@@ -10167,7 +10967,7 @@
 </p:sld>
 </file>
 
-<file path=ppt/slides/slide22.xml><?xml version="1.0" encoding="utf-8"?>
+<file path=ppt/slides/slide24.xml><?xml version="1.0" encoding="utf-8"?>
 <p:sld xmlns:a="http://schemas.openxmlformats.org/drawingml/2006/main" xmlns:r="http://schemas.openxmlformats.org/officeDocument/2006/relationships" xmlns:p="http://schemas.openxmlformats.org/presentationml/2006/main">
   <p:cSld>
     <p:spTree>
@@ -10706,7 +11506,7 @@
           <a:bodyPr/>
           <a:lstStyle/>
           <a:p>
-            <a:fld id="{B1A103DF-03ED-4B04-9FA4-76EE9EA73D19}" type="datetime1">
+            <a:fld id="{46762EF0-438B-4449-A34A-5EA2E09E04DA}" type="datetime1">
               <a:rPr lang="ja-JP" altLang="en-US" smtClean="0"/>
               <a:t>2017/1/10</a:t>
             </a:fld>
@@ -10731,7 +11531,7 @@
           <a:p>
             <a:r>
               <a:rPr lang="ja-JP" altLang="en-US"/>
-              <a:t>マクロのつかいかた</a:t>
+              <a:t>解説</a:t>
             </a:r>
           </a:p>
         </p:txBody>
@@ -10754,7 +11554,7 @@
             <a:fld id="{DC383006-1B5B-4F31-9C76-A2B56E08D15E}" type="slidenum">
               <a:rPr lang="ja-JP" altLang="en-US" smtClean="0"/>
               <a:pPr/>
-              <a:t>22</a:t>
+              <a:t>24</a:t>
             </a:fld>
             <a:endParaRPr lang="ja-JP" altLang="en-US" dirty="0"/>
           </a:p>
@@ -10773,7 +11573,7 @@
 </p:sld>
 </file>
 
-<file path=ppt/slides/slide23.xml><?xml version="1.0" encoding="utf-8"?>
+<file path=ppt/slides/slide25.xml><?xml version="1.0" encoding="utf-8"?>
 <p:sld xmlns:a="http://schemas.openxmlformats.org/drawingml/2006/main" xmlns:r="http://schemas.openxmlformats.org/officeDocument/2006/relationships" xmlns:p="http://schemas.openxmlformats.org/presentationml/2006/main">
   <p:cSld>
     <p:spTree>
@@ -10824,8 +11624,8 @@
           </a:p>
         </p:txBody>
       </p:sp>
-      <mc:AlternateContent xmlns:mc="http://schemas.openxmlformats.org/markup-compatibility/2006">
-        <mc:Choice xmlns:a14="http://schemas.microsoft.com/office/drawing/2010/main" Requires="a14">
+      <mc:AlternateContent xmlns:mc="http://schemas.openxmlformats.org/markup-compatibility/2006" xmlns:a14="http://schemas.microsoft.com/office/drawing/2010/main">
+        <mc:Choice Requires="a14">
           <p:sp>
             <p:nvSpPr>
               <p:cNvPr id="3" name="コンテンツ プレースホルダー 2"/>
@@ -11519,7 +12319,7 @@
             </p:txBody>
           </p:sp>
         </mc:Choice>
-        <mc:Fallback>
+        <mc:Fallback xmlns="">
           <p:sp>
             <p:nvSpPr>
               <p:cNvPr id="3" name="コンテンツ プレースホルダー 2"/>
@@ -11572,7 +12372,7 @@
           <a:bodyPr/>
           <a:lstStyle/>
           <a:p>
-            <a:fld id="{B1A103DF-03ED-4B04-9FA4-76EE9EA73D19}" type="datetime1">
+            <a:fld id="{8BB7851E-77B3-4322-B37F-016BD94D0518}" type="datetime1">
               <a:rPr lang="ja-JP" altLang="en-US" smtClean="0"/>
               <a:t>2017/1/10</a:t>
             </a:fld>
@@ -11597,401 +12397,7 @@
           <a:p>
             <a:r>
               <a:rPr lang="ja-JP" altLang="en-US"/>
-              <a:t>マクロのつかいかた</a:t>
-            </a:r>
-          </a:p>
-        </p:txBody>
-      </p:sp>
-      <p:sp>
-        <p:nvSpPr>
-          <p:cNvPr id="6" name="スライド番号プレースホルダー 5"/>
-          <p:cNvSpPr>
-            <a:spLocks noGrp="1"/>
-          </p:cNvSpPr>
-          <p:nvPr>
-            <p:ph type="sldNum" sz="quarter" idx="4"/>
-          </p:nvPr>
-        </p:nvSpPr>
-        <p:spPr/>
-        <p:txBody>
-          <a:bodyPr/>
-          <a:lstStyle/>
-          <a:p>
-            <a:fld id="{DC383006-1B5B-4F31-9C76-A2B56E08D15E}" type="slidenum">
-              <a:rPr lang="ja-JP" altLang="en-US" smtClean="0"/>
-              <a:pPr/>
-              <a:t>23</a:t>
-            </a:fld>
-            <a:endParaRPr lang="ja-JP" altLang="en-US" dirty="0"/>
-          </a:p>
-        </p:txBody>
-      </p:sp>
-    </p:spTree>
-    <p:extLst>
-      <p:ext uri="{BB962C8B-B14F-4D97-AF65-F5344CB8AC3E}">
-        <p14:creationId xmlns:p14="http://schemas.microsoft.com/office/powerpoint/2010/main" val="2513102756"/>
-      </p:ext>
-    </p:extLst>
-  </p:cSld>
-  <p:clrMapOvr>
-    <a:masterClrMapping/>
-  </p:clrMapOvr>
-</p:sld>
-</file>
-
-<file path=ppt/slides/slide24.xml><?xml version="1.0" encoding="utf-8"?>
-<p:sld xmlns:a="http://schemas.openxmlformats.org/drawingml/2006/main" xmlns:r="http://schemas.openxmlformats.org/officeDocument/2006/relationships" xmlns:p="http://schemas.openxmlformats.org/presentationml/2006/main">
-  <p:cSld>
-    <p:spTree>
-      <p:nvGrpSpPr>
-        <p:cNvPr id="1" name=""/>
-        <p:cNvGrpSpPr/>
-        <p:nvPr/>
-      </p:nvGrpSpPr>
-      <p:grpSpPr>
-        <a:xfrm>
-          <a:off x="0" y="0"/>
-          <a:ext cx="0" cy="0"/>
-          <a:chOff x="0" y="0"/>
-          <a:chExt cx="0" cy="0"/>
-        </a:xfrm>
-      </p:grpSpPr>
-      <p:sp>
-        <p:nvSpPr>
-          <p:cNvPr id="2" name="タイトル 1"/>
-          <p:cNvSpPr>
-            <a:spLocks noGrp="1"/>
-          </p:cNvSpPr>
-          <p:nvPr>
-            <p:ph type="title"/>
-          </p:nvPr>
-        </p:nvSpPr>
-        <p:spPr/>
-        <p:txBody>
-          <a:bodyPr/>
-          <a:lstStyle/>
-          <a:p>
-            <a:r>
-              <a:rPr kumimoji="1" lang="en-US" altLang="ja-JP" dirty="0"/>
-              <a:t>7 </a:t>
-            </a:r>
-            <a:r>
-              <a:rPr kumimoji="1" lang="ja-JP" altLang="en-US" dirty="0"/>
-              <a:t>問目 </a:t>
-            </a:r>
-            <a:r>
-              <a:rPr kumimoji="1" lang="en-US" altLang="ja-JP" dirty="0"/>
-              <a:t>– </a:t>
-            </a:r>
-            <a:r>
-              <a:rPr lang="ja-JP" altLang="en-US" dirty="0"/>
-              <a:t>問題概要</a:t>
-            </a:r>
-            <a:r>
-              <a:rPr lang="en-US" altLang="ja-JP" dirty="0"/>
-              <a:t>, </a:t>
-            </a:r>
-            <a:r>
-              <a:rPr lang="ja-JP" altLang="en-US" dirty="0"/>
-              <a:t>解説など</a:t>
-            </a:r>
-            <a:endParaRPr kumimoji="1" lang="ja-JP" altLang="en-US" dirty="0"/>
-          </a:p>
-        </p:txBody>
-      </p:sp>
-      <p:sp>
-        <p:nvSpPr>
-          <p:cNvPr id="3" name="コンテンツ プレースホルダー 2"/>
-          <p:cNvSpPr>
-            <a:spLocks noGrp="1"/>
-          </p:cNvSpPr>
-          <p:nvPr>
-            <p:ph idx="1"/>
-          </p:nvPr>
-        </p:nvSpPr>
-        <p:spPr/>
-        <p:txBody>
-          <a:bodyPr/>
-          <a:lstStyle/>
-          <a:p>
-            <a:r>
-              <a:rPr kumimoji="1" lang="ja-JP" altLang="en-US" dirty="0"/>
-              <a:t>ごめんなさい力尽きました</a:t>
-            </a:r>
-            <a:endParaRPr kumimoji="1" lang="en-US" altLang="ja-JP" dirty="0"/>
-          </a:p>
-          <a:p>
-            <a:r>
-              <a:rPr lang="ja-JP" altLang="en-US" dirty="0"/>
-              <a:t>この問題に関しては</a:t>
-            </a:r>
-            <a:r>
-              <a:rPr lang="en-US" altLang="ja-JP" dirty="0"/>
-              <a:t>, RUPC2015 </a:t>
-            </a:r>
-            <a:r>
-              <a:rPr lang="ja-JP" altLang="en-US" dirty="0"/>
-              <a:t>の引用なので</a:t>
-            </a:r>
-            <a:br>
-              <a:rPr lang="en-US" altLang="ja-JP" dirty="0"/>
-            </a:br>
-            <a:r>
-              <a:rPr lang="ja-JP" altLang="en-US" dirty="0"/>
-              <a:t>そちらの解説を見てください</a:t>
-            </a:r>
-            <a:endParaRPr lang="en-US" altLang="ja-JP" dirty="0"/>
-          </a:p>
-          <a:p>
-            <a:r>
-              <a:rPr lang="en-US" altLang="ja-JP" dirty="0"/>
-              <a:t>D: Hopping Hearts </a:t>
-            </a:r>
-            <a:r>
-              <a:rPr lang="ja-JP" altLang="en-US" dirty="0"/>
-              <a:t>という問題です</a:t>
-            </a:r>
-            <a:endParaRPr lang="en-US" altLang="ja-JP" dirty="0"/>
-          </a:p>
-          <a:p>
-            <a:r>
-              <a:rPr lang="en-US" altLang="ja-JP" dirty="0">
-                <a:hlinkClick r:id="rId2"/>
-              </a:rPr>
-              <a:t>http://rippro.org/event/ritscamp2015/index.html</a:t>
-            </a:r>
-            <a:endParaRPr kumimoji="1" lang="ja-JP" altLang="en-US" dirty="0"/>
-          </a:p>
-        </p:txBody>
-      </p:sp>
-      <p:sp>
-        <p:nvSpPr>
-          <p:cNvPr id="4" name="日付プレースホルダー 3"/>
-          <p:cNvSpPr>
-            <a:spLocks noGrp="1"/>
-          </p:cNvSpPr>
-          <p:nvPr>
-            <p:ph type="dt" sz="half" idx="2"/>
-          </p:nvPr>
-        </p:nvSpPr>
-        <p:spPr/>
-        <p:txBody>
-          <a:bodyPr/>
-          <a:lstStyle/>
-          <a:p>
-            <a:fld id="{B1A103DF-03ED-4B04-9FA4-76EE9EA73D19}" type="datetime1">
-              <a:rPr lang="ja-JP" altLang="en-US" smtClean="0"/>
-              <a:t>2017/1/10</a:t>
-            </a:fld>
-            <a:endParaRPr lang="ja-JP" altLang="en-US" dirty="0"/>
-          </a:p>
-        </p:txBody>
-      </p:sp>
-      <p:sp>
-        <p:nvSpPr>
-          <p:cNvPr id="5" name="フッター プレースホルダー 4"/>
-          <p:cNvSpPr>
-            <a:spLocks noGrp="1"/>
-          </p:cNvSpPr>
-          <p:nvPr>
-            <p:ph type="ftr" sz="quarter" idx="3"/>
-          </p:nvPr>
-        </p:nvSpPr>
-        <p:spPr/>
-        <p:txBody>
-          <a:bodyPr/>
-          <a:lstStyle/>
-          <a:p>
-            <a:r>
-              <a:rPr lang="ja-JP" altLang="en-US"/>
-              <a:t>マクロのつかいかた</a:t>
-            </a:r>
-          </a:p>
-        </p:txBody>
-      </p:sp>
-      <p:sp>
-        <p:nvSpPr>
-          <p:cNvPr id="6" name="スライド番号プレースホルダー 5"/>
-          <p:cNvSpPr>
-            <a:spLocks noGrp="1"/>
-          </p:cNvSpPr>
-          <p:nvPr>
-            <p:ph type="sldNum" sz="quarter" idx="4"/>
-          </p:nvPr>
-        </p:nvSpPr>
-        <p:spPr/>
-        <p:txBody>
-          <a:bodyPr/>
-          <a:lstStyle/>
-          <a:p>
-            <a:fld id="{DC383006-1B5B-4F31-9C76-A2B56E08D15E}" type="slidenum">
-              <a:rPr lang="ja-JP" altLang="en-US" smtClean="0"/>
-              <a:pPr/>
-              <a:t>24</a:t>
-            </a:fld>
-            <a:endParaRPr lang="ja-JP" altLang="en-US" dirty="0"/>
-          </a:p>
-        </p:txBody>
-      </p:sp>
-    </p:spTree>
-    <p:extLst>
-      <p:ext uri="{BB962C8B-B14F-4D97-AF65-F5344CB8AC3E}">
-        <p14:creationId xmlns:p14="http://schemas.microsoft.com/office/powerpoint/2010/main" val="3298037745"/>
-      </p:ext>
-    </p:extLst>
-  </p:cSld>
-  <p:clrMapOvr>
-    <a:masterClrMapping/>
-  </p:clrMapOvr>
-</p:sld>
-</file>
-
-<file path=ppt/slides/slide25.xml><?xml version="1.0" encoding="utf-8"?>
-<p:sld xmlns:a="http://schemas.openxmlformats.org/drawingml/2006/main" xmlns:r="http://schemas.openxmlformats.org/officeDocument/2006/relationships" xmlns:p="http://schemas.openxmlformats.org/presentationml/2006/main">
-  <p:cSld>
-    <p:spTree>
-      <p:nvGrpSpPr>
-        <p:cNvPr id="1" name=""/>
-        <p:cNvGrpSpPr/>
-        <p:nvPr/>
-      </p:nvGrpSpPr>
-      <p:grpSpPr>
-        <a:xfrm>
-          <a:off x="0" y="0"/>
-          <a:ext cx="0" cy="0"/>
-          <a:chOff x="0" y="0"/>
-          <a:chExt cx="0" cy="0"/>
-        </a:xfrm>
-      </p:grpSpPr>
-      <p:sp>
-        <p:nvSpPr>
-          <p:cNvPr id="2" name="タイトル 1"/>
-          <p:cNvSpPr>
-            <a:spLocks noGrp="1"/>
-          </p:cNvSpPr>
-          <p:nvPr>
-            <p:ph type="title"/>
-          </p:nvPr>
-        </p:nvSpPr>
-        <p:spPr/>
-        <p:txBody>
-          <a:bodyPr/>
-          <a:lstStyle/>
-          <a:p>
-            <a:r>
-              <a:rPr lang="en-US" altLang="ja-JP" dirty="0"/>
-              <a:t>8</a:t>
-            </a:r>
-            <a:r>
-              <a:rPr kumimoji="1" lang="en-US" altLang="ja-JP" dirty="0"/>
-              <a:t> </a:t>
-            </a:r>
-            <a:r>
-              <a:rPr kumimoji="1" lang="ja-JP" altLang="en-US" dirty="0"/>
-              <a:t>問目 </a:t>
-            </a:r>
-            <a:r>
-              <a:rPr kumimoji="1" lang="en-US" altLang="ja-JP" dirty="0"/>
-              <a:t>– </a:t>
-            </a:r>
-            <a:r>
-              <a:rPr kumimoji="1" lang="ja-JP" altLang="en-US" dirty="0"/>
-              <a:t>問題概要</a:t>
-            </a:r>
-          </a:p>
-        </p:txBody>
-      </p:sp>
-      <p:sp>
-        <p:nvSpPr>
-          <p:cNvPr id="3" name="コンテンツ プレースホルダー 2"/>
-          <p:cNvSpPr>
-            <a:spLocks noGrp="1"/>
-          </p:cNvSpPr>
-          <p:nvPr>
-            <p:ph idx="1"/>
-          </p:nvPr>
-        </p:nvSpPr>
-        <p:spPr/>
-        <p:txBody>
-          <a:bodyPr/>
-          <a:lstStyle/>
-          <a:p>
-            <a:r>
-              <a:rPr lang="ja-JP" altLang="en-US" dirty="0"/>
-              <a:t>ジャッジ側で生成される乱数を当てよ</a:t>
-            </a:r>
-            <a:endParaRPr lang="en-US" altLang="ja-JP" dirty="0"/>
-          </a:p>
-          <a:p>
-            <a:pPr lvl="1"/>
-            <a:r>
-              <a:rPr lang="ja-JP" altLang="en-US" dirty="0"/>
-              <a:t>生成される乱数は </a:t>
-            </a:r>
-            <a:r>
-              <a:rPr lang="en-US" altLang="ja-JP" dirty="0"/>
-              <a:t>0 </a:t>
-            </a:r>
-            <a:r>
-              <a:rPr lang="ja-JP" altLang="en-US" dirty="0"/>
-              <a:t>から </a:t>
-            </a:r>
-            <a:r>
-              <a:rPr lang="en-US" altLang="ja-JP" dirty="0"/>
-              <a:t>9 </a:t>
-            </a:r>
-            <a:r>
-              <a:rPr lang="ja-JP" altLang="en-US" dirty="0"/>
-              <a:t>の範囲</a:t>
-            </a:r>
-            <a:endParaRPr lang="en-US" altLang="ja-JP" dirty="0"/>
-          </a:p>
-          <a:p>
-            <a:endParaRPr lang="en-US" altLang="ja-JP" dirty="0"/>
-          </a:p>
-        </p:txBody>
-      </p:sp>
-      <p:sp>
-        <p:nvSpPr>
-          <p:cNvPr id="4" name="日付プレースホルダー 3"/>
-          <p:cNvSpPr>
-            <a:spLocks noGrp="1"/>
-          </p:cNvSpPr>
-          <p:nvPr>
-            <p:ph type="dt" sz="half" idx="2"/>
-          </p:nvPr>
-        </p:nvSpPr>
-        <p:spPr/>
-        <p:txBody>
-          <a:bodyPr/>
-          <a:lstStyle/>
-          <a:p>
-            <a:fld id="{B1A103DF-03ED-4B04-9FA4-76EE9EA73D19}" type="datetime1">
-              <a:rPr lang="ja-JP" altLang="en-US" smtClean="0"/>
-              <a:t>2017/1/10</a:t>
-            </a:fld>
-            <a:endParaRPr lang="ja-JP" altLang="en-US" dirty="0"/>
-          </a:p>
-        </p:txBody>
-      </p:sp>
-      <p:sp>
-        <p:nvSpPr>
-          <p:cNvPr id="5" name="フッター プレースホルダー 4"/>
-          <p:cNvSpPr>
-            <a:spLocks noGrp="1"/>
-          </p:cNvSpPr>
-          <p:nvPr>
-            <p:ph type="ftr" sz="quarter" idx="3"/>
-          </p:nvPr>
-        </p:nvSpPr>
-        <p:spPr/>
-        <p:txBody>
-          <a:bodyPr/>
-          <a:lstStyle/>
-          <a:p>
-            <a:r>
-              <a:rPr lang="ja-JP" altLang="en-US"/>
-              <a:t>マクロのつかいかた</a:t>
+              <a:t>解説</a:t>
             </a:r>
           </a:p>
         </p:txBody>
@@ -12023,7 +12429,7 @@
     </p:spTree>
     <p:extLst>
       <p:ext uri="{BB962C8B-B14F-4D97-AF65-F5344CB8AC3E}">
-        <p14:creationId xmlns:p14="http://schemas.microsoft.com/office/powerpoint/2010/main" val="2439044705"/>
+        <p14:creationId xmlns:p14="http://schemas.microsoft.com/office/powerpoint/2010/main" val="2513102756"/>
       </p:ext>
     </p:extLst>
   </p:cSld>
@@ -12066,12 +12472,8 @@
           <a:lstStyle/>
           <a:p>
             <a:r>
-              <a:rPr lang="en-US" altLang="ja-JP" dirty="0"/>
-              <a:t>8</a:t>
-            </a:r>
-            <a:r>
               <a:rPr kumimoji="1" lang="en-US" altLang="ja-JP" dirty="0"/>
-              <a:t> </a:t>
+              <a:t>7 </a:t>
             </a:r>
             <a:r>
               <a:rPr kumimoji="1" lang="ja-JP" altLang="en-US" dirty="0"/>
@@ -12082,106 +12484,83 @@
               <a:t>– </a:t>
             </a:r>
             <a:r>
+              <a:rPr lang="ja-JP" altLang="en-US" dirty="0"/>
+              <a:t>問題概要</a:t>
+            </a:r>
+            <a:r>
+              <a:rPr lang="en-US" altLang="ja-JP" dirty="0"/>
+              <a:t>, </a:t>
+            </a:r>
+            <a:r>
+              <a:rPr lang="ja-JP" altLang="en-US" dirty="0"/>
+              <a:t>解説など</a:t>
+            </a:r>
+            <a:endParaRPr kumimoji="1" lang="ja-JP" altLang="en-US" dirty="0"/>
+          </a:p>
+        </p:txBody>
+      </p:sp>
+      <p:sp>
+        <p:nvSpPr>
+          <p:cNvPr id="3" name="コンテンツ プレースホルダー 2"/>
+          <p:cNvSpPr>
+            <a:spLocks noGrp="1"/>
+          </p:cNvSpPr>
+          <p:nvPr>
+            <p:ph idx="1"/>
+          </p:nvPr>
+        </p:nvSpPr>
+        <p:spPr/>
+        <p:txBody>
+          <a:bodyPr/>
+          <a:lstStyle/>
+          <a:p>
+            <a:r>
               <a:rPr kumimoji="1" lang="ja-JP" altLang="en-US" dirty="0"/>
-              <a:t>解法</a:t>
-            </a:r>
-          </a:p>
-        </p:txBody>
-      </p:sp>
-      <p:sp>
-        <p:nvSpPr>
-          <p:cNvPr id="3" name="コンテンツ プレースホルダー 2"/>
-          <p:cNvSpPr>
-            <a:spLocks noGrp="1"/>
-          </p:cNvSpPr>
-          <p:nvPr>
-            <p:ph idx="1"/>
-          </p:nvPr>
-        </p:nvSpPr>
-        <p:spPr/>
-        <p:txBody>
-          <a:bodyPr/>
-          <a:lstStyle/>
+              <a:t>ごめんなさい力尽きました</a:t>
+            </a:r>
+            <a:endParaRPr kumimoji="1" lang="en-US" altLang="ja-JP" dirty="0"/>
+          </a:p>
           <a:p>
             <a:r>
               <a:rPr lang="ja-JP" altLang="en-US" dirty="0"/>
-              <a:t>ごめんなさい。</a:t>
+              <a:t>この問題に関しては</a:t>
+            </a:r>
+            <a:r>
+              <a:rPr lang="en-US" altLang="ja-JP" dirty="0"/>
+              <a:t>, RUPC2015 </a:t>
+            </a:r>
+            <a:r>
+              <a:rPr lang="ja-JP" altLang="en-US" dirty="0"/>
+              <a:t>の引用なので</a:t>
             </a:r>
             <a:br>
               <a:rPr lang="en-US" altLang="ja-JP" dirty="0"/>
             </a:br>
             <a:r>
               <a:rPr lang="ja-JP" altLang="en-US" dirty="0"/>
-              <a:t>ネタ問です。</a:t>
+              <a:t>そちらの解説を見てください</a:t>
             </a:r>
             <a:endParaRPr lang="en-US" altLang="ja-JP" dirty="0"/>
           </a:p>
           <a:p>
-            <a:pPr lvl="1"/>
+            <a:r>
+              <a:rPr lang="en-US" altLang="ja-JP" dirty="0"/>
+              <a:t>D: Hopping Hearts </a:t>
+            </a:r>
             <a:r>
               <a:rPr lang="ja-JP" altLang="en-US" dirty="0"/>
-              <a:t>最後の問題はネタ問が多いイメージがあるので</a:t>
+              <a:t>という問題です</a:t>
             </a:r>
             <a:endParaRPr lang="en-US" altLang="ja-JP" dirty="0"/>
           </a:p>
           <a:p>
             <a:r>
-              <a:rPr lang="en-US" altLang="ja-JP" dirty="0"/>
-              <a:t>10 </a:t>
-            </a:r>
-            <a:r>
-              <a:rPr lang="ja-JP" altLang="en-US" dirty="0"/>
-              <a:t>回提出すれば期待値的には正解できます</a:t>
-            </a:r>
-            <a:endParaRPr lang="en-US" altLang="ja-JP" dirty="0"/>
-          </a:p>
-          <a:p>
-            <a:pPr lvl="1"/>
-            <a:r>
-              <a:rPr lang="ja-JP" altLang="en-US" dirty="0"/>
-              <a:t>そのために</a:t>
-            </a:r>
-            <a:r>
-              <a:rPr lang="en-US" altLang="ja-JP" dirty="0"/>
-              <a:t>, </a:t>
-            </a:r>
-            <a:r>
-              <a:rPr lang="ja-JP" altLang="en-US" dirty="0"/>
-              <a:t>不正解ペナルティなしの</a:t>
-            </a:r>
-            <a:r>
-              <a:rPr lang="en-US" altLang="ja-JP" dirty="0"/>
-              <a:t>JOI</a:t>
-            </a:r>
-            <a:r>
-              <a:rPr lang="ja-JP" altLang="en-US" dirty="0"/>
-              <a:t>形式にしたという話があります</a:t>
-            </a:r>
-            <a:endParaRPr lang="en-US" altLang="ja-JP" dirty="0"/>
-          </a:p>
-          <a:p>
-            <a:r>
-              <a:rPr lang="ja-JP" altLang="en-US" dirty="0"/>
-              <a:t>軽い気持ちで出題してから気づいたんですが</a:t>
-            </a:r>
-            <a:r>
-              <a:rPr lang="en-US" altLang="ja-JP" dirty="0"/>
-              <a:t>,</a:t>
-            </a:r>
-            <a:br>
-              <a:rPr lang="en-US" altLang="ja-JP" dirty="0"/>
-            </a:br>
-            <a:r>
-              <a:rPr lang="ja-JP" altLang="en-US" dirty="0"/>
-              <a:t>こういう問題は出してはいけませんね</a:t>
-            </a:r>
-            <a:r>
-              <a:rPr lang="en-US" altLang="ja-JP" dirty="0"/>
-              <a:t>….</a:t>
-            </a:r>
-          </a:p>
-          <a:p>
-            <a:endParaRPr lang="en-US" altLang="ja-JP" dirty="0"/>
+              <a:rPr lang="en-US" altLang="ja-JP" dirty="0">
+                <a:hlinkClick r:id="rId2"/>
+              </a:rPr>
+              <a:t>http://rippro.org/event/ritscamp2015/index.html</a:t>
+            </a:r>
+            <a:endParaRPr kumimoji="1" lang="ja-JP" altLang="en-US" dirty="0"/>
           </a:p>
         </p:txBody>
       </p:sp>
@@ -12200,7 +12579,7 @@
           <a:bodyPr/>
           <a:lstStyle/>
           <a:p>
-            <a:fld id="{B1A103DF-03ED-4B04-9FA4-76EE9EA73D19}" type="datetime1">
+            <a:fld id="{71F04C90-2520-462D-B744-B401E1F9EA7C}" type="datetime1">
               <a:rPr lang="ja-JP" altLang="en-US" smtClean="0"/>
               <a:t>2017/1/10</a:t>
             </a:fld>
@@ -12225,7 +12604,7 @@
           <a:p>
             <a:r>
               <a:rPr lang="ja-JP" altLang="en-US"/>
-              <a:t>マクロのつかいかた</a:t>
+              <a:t>解説</a:t>
             </a:r>
           </a:p>
         </p:txBody>
@@ -12257,7 +12636,7 @@
     </p:spTree>
     <p:extLst>
       <p:ext uri="{BB962C8B-B14F-4D97-AF65-F5344CB8AC3E}">
-        <p14:creationId xmlns:p14="http://schemas.microsoft.com/office/powerpoint/2010/main" val="1027412065"/>
+        <p14:creationId xmlns:p14="http://schemas.microsoft.com/office/powerpoint/2010/main" val="3298037745"/>
       </p:ext>
     </p:extLst>
   </p:cSld>
@@ -12300,8 +12679,24 @@
           <a:lstStyle/>
           <a:p>
             <a:r>
+              <a:rPr lang="en-US" altLang="ja-JP" dirty="0"/>
+              <a:t>8</a:t>
+            </a:r>
+            <a:r>
+              <a:rPr kumimoji="1" lang="en-US" altLang="ja-JP" dirty="0"/>
+              <a:t> </a:t>
+            </a:r>
+            <a:r>
               <a:rPr kumimoji="1" lang="ja-JP" altLang="en-US" dirty="0"/>
-              <a:t>コメント</a:t>
+              <a:t>問目 </a:t>
+            </a:r>
+            <a:r>
+              <a:rPr kumimoji="1" lang="en-US" altLang="ja-JP" dirty="0"/>
+              <a:t>– </a:t>
+            </a:r>
+            <a:r>
+              <a:rPr kumimoji="1" lang="ja-JP" altLang="en-US" dirty="0"/>
+              <a:t>問題概要</a:t>
             </a:r>
           </a:p>
         </p:txBody>
@@ -12322,31 +12717,37 @@
           <a:lstStyle/>
           <a:p>
             <a:r>
-              <a:rPr kumimoji="1" lang="ja-JP" altLang="en-US" dirty="0"/>
-              <a:t>あとから追記します！！！（</a:t>
-            </a:r>
-            <a:r>
               <a:rPr lang="ja-JP" altLang="en-US" dirty="0"/>
-              <a:t>多分</a:t>
+              <a:t>ジャッジ側で生成される乱数を当てよ</a:t>
             </a:r>
             <a:endParaRPr lang="en-US" altLang="ja-JP" dirty="0"/>
           </a:p>
           <a:p>
-            <a:endParaRPr kumimoji="1" lang="en-US" altLang="ja-JP" dirty="0"/>
-          </a:p>
-          <a:p>
+            <a:pPr lvl="1"/>
+            <a:r>
+              <a:rPr lang="ja-JP" altLang="en-US" dirty="0"/>
+              <a:t>生成される乱数は </a:t>
+            </a:r>
             <a:r>
               <a:rPr lang="en-US" altLang="ja-JP" dirty="0"/>
-              <a:t>5</a:t>
+              <a:t>0 </a:t>
             </a:r>
             <a:r>
               <a:rPr lang="ja-JP" altLang="en-US" dirty="0"/>
-              <a:t> 問目まで解く人がいたら嬉しいなぁって思っていたのでうれしいです</a:t>
+              <a:t>から </a:t>
+            </a:r>
+            <a:r>
+              <a:rPr lang="en-US" altLang="ja-JP" dirty="0"/>
+              <a:t>9 </a:t>
+            </a:r>
+            <a:r>
+              <a:rPr lang="ja-JP" altLang="en-US" dirty="0"/>
+              <a:t>の範囲</a:t>
             </a:r>
             <a:endParaRPr lang="en-US" altLang="ja-JP" dirty="0"/>
           </a:p>
           <a:p>
-            <a:endParaRPr kumimoji="1" lang="en-US" altLang="ja-JP" dirty="0"/>
+            <a:endParaRPr lang="en-US" altLang="ja-JP" dirty="0"/>
           </a:p>
         </p:txBody>
       </p:sp>
@@ -12365,7 +12766,7 @@
           <a:bodyPr/>
           <a:lstStyle/>
           <a:p>
-            <a:fld id="{B1A103DF-03ED-4B04-9FA4-76EE9EA73D19}" type="datetime1">
+            <a:fld id="{DE3CD52D-F099-4FE7-92D5-5BBF3A88DF82}" type="datetime1">
               <a:rPr lang="ja-JP" altLang="en-US" smtClean="0"/>
               <a:t>2017/1/10</a:t>
             </a:fld>
@@ -12390,7 +12791,7 @@
           <a:p>
             <a:r>
               <a:rPr lang="ja-JP" altLang="en-US"/>
-              <a:t>マクロのつかいかた</a:t>
+              <a:t>解説</a:t>
             </a:r>
           </a:p>
         </p:txBody>
@@ -12422,7 +12823,241 @@
     </p:spTree>
     <p:extLst>
       <p:ext uri="{BB962C8B-B14F-4D97-AF65-F5344CB8AC3E}">
-        <p14:creationId xmlns:p14="http://schemas.microsoft.com/office/powerpoint/2010/main" val="405878142"/>
+        <p14:creationId xmlns:p14="http://schemas.microsoft.com/office/powerpoint/2010/main" val="2439044705"/>
+      </p:ext>
+    </p:extLst>
+  </p:cSld>
+  <p:clrMapOvr>
+    <a:masterClrMapping/>
+  </p:clrMapOvr>
+</p:sld>
+</file>
+
+<file path=ppt/slides/slide28.xml><?xml version="1.0" encoding="utf-8"?>
+<p:sld xmlns:a="http://schemas.openxmlformats.org/drawingml/2006/main" xmlns:r="http://schemas.openxmlformats.org/officeDocument/2006/relationships" xmlns:p="http://schemas.openxmlformats.org/presentationml/2006/main">
+  <p:cSld>
+    <p:spTree>
+      <p:nvGrpSpPr>
+        <p:cNvPr id="1" name=""/>
+        <p:cNvGrpSpPr/>
+        <p:nvPr/>
+      </p:nvGrpSpPr>
+      <p:grpSpPr>
+        <a:xfrm>
+          <a:off x="0" y="0"/>
+          <a:ext cx="0" cy="0"/>
+          <a:chOff x="0" y="0"/>
+          <a:chExt cx="0" cy="0"/>
+        </a:xfrm>
+      </p:grpSpPr>
+      <p:sp>
+        <p:nvSpPr>
+          <p:cNvPr id="2" name="タイトル 1"/>
+          <p:cNvSpPr>
+            <a:spLocks noGrp="1"/>
+          </p:cNvSpPr>
+          <p:nvPr>
+            <p:ph type="title"/>
+          </p:nvPr>
+        </p:nvSpPr>
+        <p:spPr/>
+        <p:txBody>
+          <a:bodyPr/>
+          <a:lstStyle/>
+          <a:p>
+            <a:r>
+              <a:rPr lang="en-US" altLang="ja-JP" dirty="0"/>
+              <a:t>8</a:t>
+            </a:r>
+            <a:r>
+              <a:rPr kumimoji="1" lang="en-US" altLang="ja-JP" dirty="0"/>
+              <a:t> </a:t>
+            </a:r>
+            <a:r>
+              <a:rPr kumimoji="1" lang="ja-JP" altLang="en-US" dirty="0"/>
+              <a:t>問目 </a:t>
+            </a:r>
+            <a:r>
+              <a:rPr kumimoji="1" lang="en-US" altLang="ja-JP" dirty="0"/>
+              <a:t>– </a:t>
+            </a:r>
+            <a:r>
+              <a:rPr kumimoji="1" lang="ja-JP" altLang="en-US" dirty="0"/>
+              <a:t>解法</a:t>
+            </a:r>
+          </a:p>
+        </p:txBody>
+      </p:sp>
+      <p:sp>
+        <p:nvSpPr>
+          <p:cNvPr id="3" name="コンテンツ プレースホルダー 2"/>
+          <p:cNvSpPr>
+            <a:spLocks noGrp="1"/>
+          </p:cNvSpPr>
+          <p:nvPr>
+            <p:ph idx="1"/>
+          </p:nvPr>
+        </p:nvSpPr>
+        <p:spPr/>
+        <p:txBody>
+          <a:bodyPr/>
+          <a:lstStyle/>
+          <a:p>
+            <a:r>
+              <a:rPr lang="ja-JP" altLang="en-US" dirty="0"/>
+              <a:t>ごめんなさい。</a:t>
+            </a:r>
+            <a:br>
+              <a:rPr lang="en-US" altLang="ja-JP" dirty="0"/>
+            </a:br>
+            <a:r>
+              <a:rPr lang="ja-JP" altLang="en-US" dirty="0"/>
+              <a:t>ネタ問です。</a:t>
+            </a:r>
+            <a:endParaRPr lang="en-US" altLang="ja-JP" dirty="0"/>
+          </a:p>
+          <a:p>
+            <a:pPr lvl="1"/>
+            <a:r>
+              <a:rPr lang="ja-JP" altLang="en-US" dirty="0"/>
+              <a:t>最後の問題はネタ問が多いイメージがあるので</a:t>
+            </a:r>
+            <a:endParaRPr lang="en-US" altLang="ja-JP" dirty="0"/>
+          </a:p>
+          <a:p>
+            <a:r>
+              <a:rPr lang="en-US" altLang="ja-JP" dirty="0"/>
+              <a:t>10 </a:t>
+            </a:r>
+            <a:r>
+              <a:rPr lang="ja-JP" altLang="en-US" dirty="0"/>
+              <a:t>回提出すれば期待値的には正解できます</a:t>
+            </a:r>
+            <a:endParaRPr lang="en-US" altLang="ja-JP" dirty="0"/>
+          </a:p>
+          <a:p>
+            <a:pPr lvl="1"/>
+            <a:r>
+              <a:rPr lang="ja-JP" altLang="en-US" dirty="0"/>
+              <a:t>そのために</a:t>
+            </a:r>
+            <a:r>
+              <a:rPr lang="en-US" altLang="ja-JP" dirty="0"/>
+              <a:t>, </a:t>
+            </a:r>
+            <a:r>
+              <a:rPr lang="ja-JP" altLang="en-US" dirty="0"/>
+              <a:t>不正解ペナルティなしの</a:t>
+            </a:r>
+            <a:r>
+              <a:rPr lang="en-US" altLang="ja-JP" dirty="0"/>
+              <a:t>JOI</a:t>
+            </a:r>
+            <a:r>
+              <a:rPr lang="ja-JP" altLang="en-US" dirty="0"/>
+              <a:t>形式にしたという話があります</a:t>
+            </a:r>
+            <a:endParaRPr lang="en-US" altLang="ja-JP" dirty="0"/>
+          </a:p>
+          <a:p>
+            <a:r>
+              <a:rPr lang="ja-JP" altLang="en-US" dirty="0"/>
+              <a:t>軽い気持ちで出題してから気づいたんですが</a:t>
+            </a:r>
+            <a:r>
+              <a:rPr lang="en-US" altLang="ja-JP" dirty="0"/>
+              <a:t>,</a:t>
+            </a:r>
+            <a:br>
+              <a:rPr lang="en-US" altLang="ja-JP" dirty="0"/>
+            </a:br>
+            <a:r>
+              <a:rPr lang="ja-JP" altLang="en-US" dirty="0"/>
+              <a:t>こういう問題は出してはいけませんね</a:t>
+            </a:r>
+            <a:r>
+              <a:rPr lang="en-US" altLang="ja-JP" dirty="0"/>
+              <a:t>….</a:t>
+            </a:r>
+          </a:p>
+          <a:p>
+            <a:endParaRPr lang="en-US" altLang="ja-JP" dirty="0"/>
+          </a:p>
+        </p:txBody>
+      </p:sp>
+      <p:sp>
+        <p:nvSpPr>
+          <p:cNvPr id="4" name="日付プレースホルダー 3"/>
+          <p:cNvSpPr>
+            <a:spLocks noGrp="1"/>
+          </p:cNvSpPr>
+          <p:nvPr>
+            <p:ph type="dt" sz="half" idx="2"/>
+          </p:nvPr>
+        </p:nvSpPr>
+        <p:spPr/>
+        <p:txBody>
+          <a:bodyPr/>
+          <a:lstStyle/>
+          <a:p>
+            <a:fld id="{9B43852C-CACA-4CFB-A9F7-A7D2C1D82A2D}" type="datetime1">
+              <a:rPr lang="ja-JP" altLang="en-US" smtClean="0"/>
+              <a:t>2017/1/10</a:t>
+            </a:fld>
+            <a:endParaRPr lang="ja-JP" altLang="en-US" dirty="0"/>
+          </a:p>
+        </p:txBody>
+      </p:sp>
+      <p:sp>
+        <p:nvSpPr>
+          <p:cNvPr id="5" name="フッター プレースホルダー 4"/>
+          <p:cNvSpPr>
+            <a:spLocks noGrp="1"/>
+          </p:cNvSpPr>
+          <p:nvPr>
+            <p:ph type="ftr" sz="quarter" idx="3"/>
+          </p:nvPr>
+        </p:nvSpPr>
+        <p:spPr/>
+        <p:txBody>
+          <a:bodyPr/>
+          <a:lstStyle/>
+          <a:p>
+            <a:r>
+              <a:rPr lang="ja-JP" altLang="en-US"/>
+              <a:t>解説</a:t>
+            </a:r>
+          </a:p>
+        </p:txBody>
+      </p:sp>
+      <p:sp>
+        <p:nvSpPr>
+          <p:cNvPr id="6" name="スライド番号プレースホルダー 5"/>
+          <p:cNvSpPr>
+            <a:spLocks noGrp="1"/>
+          </p:cNvSpPr>
+          <p:nvPr>
+            <p:ph type="sldNum" sz="quarter" idx="4"/>
+          </p:nvPr>
+        </p:nvSpPr>
+        <p:spPr/>
+        <p:txBody>
+          <a:bodyPr/>
+          <a:lstStyle/>
+          <a:p>
+            <a:fld id="{DC383006-1B5B-4F31-9C76-A2B56E08D15E}" type="slidenum">
+              <a:rPr lang="ja-JP" altLang="en-US" smtClean="0"/>
+              <a:pPr/>
+              <a:t>28</a:t>
+            </a:fld>
+            <a:endParaRPr lang="ja-JP" altLang="en-US" dirty="0"/>
+          </a:p>
+        </p:txBody>
+      </p:sp>
+    </p:spTree>
+    <p:extLst>
+      <p:ext uri="{BB962C8B-B14F-4D97-AF65-F5344CB8AC3E}">
+        <p14:creationId xmlns:p14="http://schemas.microsoft.com/office/powerpoint/2010/main" val="1027412065"/>
       </p:ext>
     </p:extLst>
   </p:cSld>
@@ -13089,7 +13724,7 @@
           <a:bodyPr/>
           <a:lstStyle/>
           <a:p>
-            <a:fld id="{B1A103DF-03ED-4B04-9FA4-76EE9EA73D19}" type="datetime1">
+            <a:fld id="{72024617-0EDD-4601-9067-42E76D0820AF}" type="datetime1">
               <a:rPr lang="ja-JP" altLang="en-US" smtClean="0"/>
               <a:t>2017/1/10</a:t>
             </a:fld>
@@ -13114,7 +13749,7 @@
           <a:p>
             <a:r>
               <a:rPr lang="ja-JP" altLang="en-US"/>
-              <a:t>マクロのつかいかた</a:t>
+              <a:t>解説</a:t>
             </a:r>
           </a:p>
         </p:txBody>
@@ -13189,6 +13824,250 @@
           <a:lstStyle/>
           <a:p>
             <a:r>
+              <a:rPr kumimoji="1" lang="en-US" altLang="ja-JP" dirty="0"/>
+              <a:t>3 </a:t>
+            </a:r>
+            <a:r>
+              <a:rPr kumimoji="1" lang="ja-JP" altLang="en-US" dirty="0"/>
+              <a:t>問目 </a:t>
+            </a:r>
+            <a:r>
+              <a:rPr kumimoji="1" lang="en-US" altLang="ja-JP" dirty="0"/>
+              <a:t>– </a:t>
+            </a:r>
+            <a:r>
+              <a:rPr kumimoji="1" lang="ja-JP" altLang="en-US" dirty="0"/>
+              <a:t>問題概要</a:t>
+            </a:r>
+          </a:p>
+        </p:txBody>
+      </p:sp>
+      <p:sp>
+        <p:nvSpPr>
+          <p:cNvPr id="3" name="コンテンツ プレースホルダー 2"/>
+          <p:cNvSpPr>
+            <a:spLocks noGrp="1"/>
+          </p:cNvSpPr>
+          <p:nvPr>
+            <p:ph idx="1"/>
+          </p:nvPr>
+        </p:nvSpPr>
+        <p:spPr>
+          <a:xfrm>
+            <a:off x="532737" y="1312115"/>
+            <a:ext cx="11183982" cy="4805132"/>
+          </a:xfrm>
+        </p:spPr>
+        <p:txBody>
+          <a:bodyPr>
+            <a:normAutofit fontScale="92500" lnSpcReduction="20000"/>
+          </a:bodyPr>
+          <a:lstStyle/>
+          <a:p>
+            <a:r>
+              <a:rPr lang="en-US" altLang="ja-JP" dirty="0"/>
+              <a:t>N </a:t>
+            </a:r>
+            <a:r>
+              <a:rPr lang="ja-JP" altLang="en-US" dirty="0"/>
+              <a:t>枚のカードがあってそれぞれ整数が書かれている</a:t>
+            </a:r>
+            <a:endParaRPr kumimoji="1" lang="en-US" altLang="ja-JP" dirty="0"/>
+          </a:p>
+          <a:p>
+            <a:r>
+              <a:rPr kumimoji="1" lang="ja-JP" altLang="en-US" dirty="0" err="1"/>
+              <a:t>うしくんが</a:t>
+            </a:r>
+            <a:r>
+              <a:rPr kumimoji="1" lang="ja-JP" altLang="en-US" dirty="0"/>
+              <a:t>先攻</a:t>
+            </a:r>
+            <a:r>
+              <a:rPr kumimoji="1" lang="en-US" altLang="ja-JP" dirty="0"/>
+              <a:t>, </a:t>
+            </a:r>
+            <a:r>
+              <a:rPr kumimoji="1" lang="ja-JP" altLang="en-US" dirty="0"/>
+              <a:t>うく</a:t>
+            </a:r>
+            <a:r>
+              <a:rPr kumimoji="1" lang="ja-JP" altLang="en-US" dirty="0" err="1"/>
+              <a:t>くんが</a:t>
+            </a:r>
+            <a:r>
+              <a:rPr kumimoji="1" lang="ja-JP" altLang="en-US" dirty="0"/>
+              <a:t>後攻</a:t>
+            </a:r>
+            <a:endParaRPr kumimoji="1" lang="en-US" altLang="ja-JP" dirty="0"/>
+          </a:p>
+          <a:p>
+            <a:r>
+              <a:rPr lang="ja-JP" altLang="en-US" dirty="0"/>
+              <a:t>場のカードがなくなるまで以下の操作を交互に繰り返す</a:t>
+            </a:r>
+            <a:endParaRPr lang="en-US" altLang="ja-JP" dirty="0"/>
+          </a:p>
+          <a:p>
+            <a:pPr lvl="1"/>
+            <a:r>
+              <a:rPr lang="ja-JP" altLang="en-US" dirty="0"/>
+              <a:t>場にあるカードで</a:t>
+            </a:r>
+            <a:r>
+              <a:rPr lang="en-US" altLang="ja-JP" dirty="0"/>
+              <a:t>, </a:t>
+            </a:r>
+            <a:r>
+              <a:rPr lang="ja-JP" altLang="en-US" dirty="0"/>
+              <a:t>好きな一枚を選んでこれを取り除き</a:t>
+            </a:r>
+            <a:br>
+              <a:rPr lang="en-US" altLang="ja-JP" dirty="0"/>
+            </a:br>
+            <a:r>
+              <a:rPr lang="ja-JP" altLang="en-US" dirty="0"/>
+              <a:t>自分のカードとする</a:t>
+            </a:r>
+          </a:p>
+          <a:p>
+            <a:r>
+              <a:rPr lang="ja-JP" altLang="en-US" dirty="0"/>
+              <a:t>最終的に自分のカードに書かれた整数の合計が大きかったほうが</a:t>
+            </a:r>
+            <a:br>
+              <a:rPr lang="en-US" altLang="ja-JP" dirty="0"/>
+            </a:br>
+            <a:r>
+              <a:rPr lang="ja-JP" altLang="en-US" dirty="0"/>
+              <a:t>このゲームの勝者</a:t>
+            </a:r>
+            <a:endParaRPr lang="en-US" altLang="ja-JP" dirty="0"/>
+          </a:p>
+          <a:p>
+            <a:r>
+              <a:rPr lang="ja-JP" altLang="en-US" dirty="0"/>
+              <a:t>両者が最適に行動した時どちらがゲームに勝つか判定せよ</a:t>
+            </a:r>
+            <a:endParaRPr lang="en-US" altLang="ja-JP" dirty="0"/>
+          </a:p>
+        </p:txBody>
+      </p:sp>
+      <p:sp>
+        <p:nvSpPr>
+          <p:cNvPr id="4" name="日付プレースホルダー 3"/>
+          <p:cNvSpPr>
+            <a:spLocks noGrp="1"/>
+          </p:cNvSpPr>
+          <p:nvPr>
+            <p:ph type="dt" sz="half" idx="2"/>
+          </p:nvPr>
+        </p:nvSpPr>
+        <p:spPr/>
+        <p:txBody>
+          <a:bodyPr/>
+          <a:lstStyle/>
+          <a:p>
+            <a:fld id="{A0B47A58-E2A0-43BB-BC60-82938FBA961D}" type="datetime1">
+              <a:rPr lang="ja-JP" altLang="en-US" smtClean="0"/>
+              <a:t>2017/1/10</a:t>
+            </a:fld>
+            <a:endParaRPr lang="ja-JP" altLang="en-US" dirty="0"/>
+          </a:p>
+        </p:txBody>
+      </p:sp>
+      <p:sp>
+        <p:nvSpPr>
+          <p:cNvPr id="5" name="フッター プレースホルダー 4"/>
+          <p:cNvSpPr>
+            <a:spLocks noGrp="1"/>
+          </p:cNvSpPr>
+          <p:nvPr>
+            <p:ph type="ftr" sz="quarter" idx="3"/>
+          </p:nvPr>
+        </p:nvSpPr>
+        <p:spPr/>
+        <p:txBody>
+          <a:bodyPr/>
+          <a:lstStyle/>
+          <a:p>
+            <a:r>
+              <a:rPr lang="ja-JP" altLang="en-US"/>
+              <a:t>解説</a:t>
+            </a:r>
+          </a:p>
+        </p:txBody>
+      </p:sp>
+      <p:sp>
+        <p:nvSpPr>
+          <p:cNvPr id="6" name="スライド番号プレースホルダー 5"/>
+          <p:cNvSpPr>
+            <a:spLocks noGrp="1"/>
+          </p:cNvSpPr>
+          <p:nvPr>
+            <p:ph type="sldNum" sz="quarter" idx="4"/>
+          </p:nvPr>
+        </p:nvSpPr>
+        <p:spPr/>
+        <p:txBody>
+          <a:bodyPr/>
+          <a:lstStyle/>
+          <a:p>
+            <a:fld id="{DC383006-1B5B-4F31-9C76-A2B56E08D15E}" type="slidenum">
+              <a:rPr lang="ja-JP" altLang="en-US" smtClean="0"/>
+              <a:pPr/>
+              <a:t>4</a:t>
+            </a:fld>
+            <a:endParaRPr lang="ja-JP" altLang="en-US" dirty="0"/>
+          </a:p>
+        </p:txBody>
+      </p:sp>
+    </p:spTree>
+    <p:extLst>
+      <p:ext uri="{BB962C8B-B14F-4D97-AF65-F5344CB8AC3E}">
+        <p14:creationId xmlns:p14="http://schemas.microsoft.com/office/powerpoint/2010/main" val="583666409"/>
+      </p:ext>
+    </p:extLst>
+  </p:cSld>
+  <p:clrMapOvr>
+    <a:masterClrMapping/>
+  </p:clrMapOvr>
+</p:sld>
+</file>
+
+<file path=ppt/slides/slide5.xml><?xml version="1.0" encoding="utf-8"?>
+<p:sld xmlns:a="http://schemas.openxmlformats.org/drawingml/2006/main" xmlns:r="http://schemas.openxmlformats.org/officeDocument/2006/relationships" xmlns:p="http://schemas.openxmlformats.org/presentationml/2006/main">
+  <p:cSld>
+    <p:spTree>
+      <p:nvGrpSpPr>
+        <p:cNvPr id="1" name=""/>
+        <p:cNvGrpSpPr/>
+        <p:nvPr/>
+      </p:nvGrpSpPr>
+      <p:grpSpPr>
+        <a:xfrm>
+          <a:off x="0" y="0"/>
+          <a:ext cx="0" cy="0"/>
+          <a:chOff x="0" y="0"/>
+          <a:chExt cx="0" cy="0"/>
+        </a:xfrm>
+      </p:grpSpPr>
+      <p:sp>
+        <p:nvSpPr>
+          <p:cNvPr id="2" name="タイトル 1"/>
+          <p:cNvSpPr>
+            <a:spLocks noGrp="1"/>
+          </p:cNvSpPr>
+          <p:nvPr>
+            <p:ph type="title"/>
+          </p:nvPr>
+        </p:nvSpPr>
+        <p:spPr/>
+        <p:txBody>
+          <a:bodyPr/>
+          <a:lstStyle/>
+          <a:p>
+            <a:r>
               <a:rPr lang="en-US" altLang="ja-JP" dirty="0"/>
               <a:t>3 </a:t>
             </a:r>
@@ -13208,8 +14087,8 @@
           </a:p>
         </p:txBody>
       </p:sp>
-      <mc:AlternateContent xmlns:mc="http://schemas.openxmlformats.org/markup-compatibility/2006">
-        <mc:Choice xmlns:a14="http://schemas.microsoft.com/office/drawing/2010/main" Requires="a14">
+      <mc:AlternateContent xmlns:mc="http://schemas.openxmlformats.org/markup-compatibility/2006" xmlns:a14="http://schemas.microsoft.com/office/drawing/2010/main">
+        <mc:Choice Requires="a14">
           <p:sp>
             <p:nvSpPr>
               <p:cNvPr id="3" name="コンテンツ プレースホルダー 2"/>
@@ -13387,7 +14266,7 @@
             </p:txBody>
           </p:sp>
         </mc:Choice>
-        <mc:Fallback>
+        <mc:Fallback xmlns="">
           <p:sp>
             <p:nvSpPr>
               <p:cNvPr id="3" name="コンテンツ プレースホルダー 2"/>
@@ -13436,7 +14315,7 @@
           <a:bodyPr/>
           <a:lstStyle/>
           <a:p>
-            <a:fld id="{B1A103DF-03ED-4B04-9FA4-76EE9EA73D19}" type="datetime1">
+            <a:fld id="{F7A3A6B1-15C8-4C7F-B05F-7E1EBDEB1266}" type="datetime1">
               <a:rPr lang="ja-JP" altLang="en-US" smtClean="0"/>
               <a:t>2017/1/10</a:t>
             </a:fld>
@@ -13461,7 +14340,7 @@
           <a:p>
             <a:r>
               <a:rPr lang="ja-JP" altLang="en-US"/>
-              <a:t>マクロのつかいかた</a:t>
+              <a:t>解説</a:t>
             </a:r>
           </a:p>
         </p:txBody>
@@ -13484,7 +14363,7 @@
             <a:fld id="{DC383006-1B5B-4F31-9C76-A2B56E08D15E}" type="slidenum">
               <a:rPr lang="ja-JP" altLang="en-US" smtClean="0"/>
               <a:pPr/>
-              <a:t>4</a:t>
+              <a:t>5</a:t>
             </a:fld>
             <a:endParaRPr lang="ja-JP" altLang="en-US" dirty="0"/>
           </a:p>
@@ -13503,7 +14382,7 @@
 </p:sld>
 </file>
 
-<file path=ppt/slides/slide5.xml><?xml version="1.0" encoding="utf-8"?>
+<file path=ppt/slides/slide6.xml><?xml version="1.0" encoding="utf-8"?>
 <p:sld xmlns:a="http://schemas.openxmlformats.org/drawingml/2006/main" xmlns:r="http://schemas.openxmlformats.org/officeDocument/2006/relationships" xmlns:p="http://schemas.openxmlformats.org/presentationml/2006/main">
   <p:cSld>
     <p:spTree>
@@ -13963,7 +14842,7 @@
           <a:bodyPr/>
           <a:lstStyle/>
           <a:p>
-            <a:fld id="{B1A103DF-03ED-4B04-9FA4-76EE9EA73D19}" type="datetime1">
+            <a:fld id="{7B5E964C-1532-4D12-92D6-40CF00D125E1}" type="datetime1">
               <a:rPr lang="ja-JP" altLang="en-US" smtClean="0"/>
               <a:t>2017/1/10</a:t>
             </a:fld>
@@ -13988,7 +14867,7 @@
           <a:p>
             <a:r>
               <a:rPr lang="ja-JP" altLang="en-US"/>
-              <a:t>マクロのつかいかた</a:t>
+              <a:t>解説</a:t>
             </a:r>
           </a:p>
         </p:txBody>
@@ -14011,7 +14890,7 @@
             <a:fld id="{DC383006-1B5B-4F31-9C76-A2B56E08D15E}" type="slidenum">
               <a:rPr lang="ja-JP" altLang="en-US" smtClean="0"/>
               <a:pPr/>
-              <a:t>5</a:t>
+              <a:t>6</a:t>
             </a:fld>
             <a:endParaRPr lang="ja-JP" altLang="en-US" dirty="0"/>
           </a:p>
@@ -14030,7 +14909,197 @@
 </p:sld>
 </file>
 
-<file path=ppt/slides/slide6.xml><?xml version="1.0" encoding="utf-8"?>
+<file path=ppt/slides/slide7.xml><?xml version="1.0" encoding="utf-8"?>
+<p:sld xmlns:a="http://schemas.openxmlformats.org/drawingml/2006/main" xmlns:r="http://schemas.openxmlformats.org/officeDocument/2006/relationships" xmlns:p="http://schemas.openxmlformats.org/presentationml/2006/main">
+  <p:cSld>
+    <p:spTree>
+      <p:nvGrpSpPr>
+        <p:cNvPr id="1" name=""/>
+        <p:cNvGrpSpPr/>
+        <p:nvPr/>
+      </p:nvGrpSpPr>
+      <p:grpSpPr>
+        <a:xfrm>
+          <a:off x="0" y="0"/>
+          <a:ext cx="0" cy="0"/>
+          <a:chOff x="0" y="0"/>
+          <a:chExt cx="0" cy="0"/>
+        </a:xfrm>
+      </p:grpSpPr>
+      <p:sp>
+        <p:nvSpPr>
+          <p:cNvPr id="2" name="タイトル 1"/>
+          <p:cNvSpPr>
+            <a:spLocks noGrp="1"/>
+          </p:cNvSpPr>
+          <p:nvPr>
+            <p:ph type="title"/>
+          </p:nvPr>
+        </p:nvSpPr>
+        <p:spPr/>
+        <p:txBody>
+          <a:bodyPr/>
+          <a:lstStyle/>
+          <a:p>
+            <a:r>
+              <a:rPr kumimoji="1" lang="en-US" altLang="ja-JP" dirty="0"/>
+              <a:t>4 </a:t>
+            </a:r>
+            <a:r>
+              <a:rPr kumimoji="1" lang="ja-JP" altLang="en-US" dirty="0"/>
+              <a:t>問目 </a:t>
+            </a:r>
+            <a:r>
+              <a:rPr kumimoji="1" lang="en-US" altLang="ja-JP" dirty="0"/>
+              <a:t>– </a:t>
+            </a:r>
+            <a:r>
+              <a:rPr kumimoji="1" lang="ja-JP" altLang="en-US" dirty="0"/>
+              <a:t>問題概要</a:t>
+            </a:r>
+          </a:p>
+        </p:txBody>
+      </p:sp>
+      <p:sp>
+        <p:nvSpPr>
+          <p:cNvPr id="3" name="コンテンツ プレースホルダー 2"/>
+          <p:cNvSpPr>
+            <a:spLocks noGrp="1"/>
+          </p:cNvSpPr>
+          <p:nvPr>
+            <p:ph idx="1"/>
+          </p:nvPr>
+        </p:nvSpPr>
+        <p:spPr/>
+        <p:txBody>
+          <a:bodyPr/>
+          <a:lstStyle/>
+          <a:p>
+            <a:r>
+              <a:rPr lang="en-US" altLang="ja-JP" dirty="0"/>
+              <a:t>ICPC</a:t>
+            </a:r>
+            <a:r>
+              <a:rPr lang="ja-JP" altLang="en-US" dirty="0"/>
+              <a:t>模擬地区予選</a:t>
+            </a:r>
+            <a:r>
+              <a:rPr lang="en-US" altLang="ja-JP" dirty="0"/>
+              <a:t>2016 </a:t>
+            </a:r>
+            <a:r>
+              <a:rPr lang="ja-JP" altLang="en-US" dirty="0"/>
+              <a:t>の </a:t>
+            </a:r>
+            <a:r>
+              <a:rPr lang="en-US" altLang="ja-JP" dirty="0"/>
+              <a:t>Help the Princess! </a:t>
+            </a:r>
+            <a:r>
+              <a:rPr lang="ja-JP" altLang="en-US" dirty="0"/>
+              <a:t>の日本語バージョンの問題です</a:t>
+            </a:r>
+            <a:endParaRPr lang="en-US" altLang="ja-JP" dirty="0"/>
+          </a:p>
+          <a:p>
+            <a:r>
+              <a:rPr lang="ja-JP" altLang="en-US" dirty="0" err="1"/>
+              <a:t>ぐぐると</a:t>
+            </a:r>
+            <a:r>
+              <a:rPr lang="ja-JP" altLang="en-US" dirty="0"/>
+              <a:t>詳しい解説が出てくるかも </a:t>
+            </a:r>
+            <a:endParaRPr lang="en-US" altLang="ja-JP" dirty="0"/>
+          </a:p>
+          <a:p>
+            <a:endParaRPr kumimoji="1" lang="ja-JP" altLang="en-US" dirty="0"/>
+          </a:p>
+        </p:txBody>
+      </p:sp>
+      <p:sp>
+        <p:nvSpPr>
+          <p:cNvPr id="4" name="日付プレースホルダー 3"/>
+          <p:cNvSpPr>
+            <a:spLocks noGrp="1"/>
+          </p:cNvSpPr>
+          <p:nvPr>
+            <p:ph type="dt" sz="half" idx="2"/>
+          </p:nvPr>
+        </p:nvSpPr>
+        <p:spPr/>
+        <p:txBody>
+          <a:bodyPr/>
+          <a:lstStyle/>
+          <a:p>
+            <a:fld id="{451071AE-DA85-4311-9703-2D0CC35A7936}" type="datetime1">
+              <a:rPr lang="ja-JP" altLang="en-US" smtClean="0"/>
+              <a:t>2017/1/10</a:t>
+            </a:fld>
+            <a:endParaRPr lang="ja-JP" altLang="en-US" dirty="0"/>
+          </a:p>
+        </p:txBody>
+      </p:sp>
+      <p:sp>
+        <p:nvSpPr>
+          <p:cNvPr id="5" name="フッター プレースホルダー 4"/>
+          <p:cNvSpPr>
+            <a:spLocks noGrp="1"/>
+          </p:cNvSpPr>
+          <p:nvPr>
+            <p:ph type="ftr" sz="quarter" idx="3"/>
+          </p:nvPr>
+        </p:nvSpPr>
+        <p:spPr/>
+        <p:txBody>
+          <a:bodyPr/>
+          <a:lstStyle/>
+          <a:p>
+            <a:r>
+              <a:rPr lang="ja-JP" altLang="en-US"/>
+              <a:t>解説</a:t>
+            </a:r>
+          </a:p>
+        </p:txBody>
+      </p:sp>
+      <p:sp>
+        <p:nvSpPr>
+          <p:cNvPr id="6" name="スライド番号プレースホルダー 5"/>
+          <p:cNvSpPr>
+            <a:spLocks noGrp="1"/>
+          </p:cNvSpPr>
+          <p:nvPr>
+            <p:ph type="sldNum" sz="quarter" idx="4"/>
+          </p:nvPr>
+        </p:nvSpPr>
+        <p:spPr/>
+        <p:txBody>
+          <a:bodyPr/>
+          <a:lstStyle/>
+          <a:p>
+            <a:fld id="{DC383006-1B5B-4F31-9C76-A2B56E08D15E}" type="slidenum">
+              <a:rPr lang="ja-JP" altLang="en-US" smtClean="0"/>
+              <a:pPr/>
+              <a:t>7</a:t>
+            </a:fld>
+            <a:endParaRPr lang="ja-JP" altLang="en-US" dirty="0"/>
+          </a:p>
+        </p:txBody>
+      </p:sp>
+    </p:spTree>
+    <p:extLst>
+      <p:ext uri="{BB962C8B-B14F-4D97-AF65-F5344CB8AC3E}">
+        <p14:creationId xmlns:p14="http://schemas.microsoft.com/office/powerpoint/2010/main" val="1841405622"/>
+      </p:ext>
+    </p:extLst>
+  </p:cSld>
+  <p:clrMapOvr>
+    <a:masterClrMapping/>
+  </p:clrMapOvr>
+</p:sld>
+</file>
+
+<file path=ppt/slides/slide8.xml><?xml version="1.0" encoding="utf-8"?>
 <p:sld xmlns:a="http://schemas.openxmlformats.org/drawingml/2006/main" xmlns:r="http://schemas.openxmlformats.org/officeDocument/2006/relationships" xmlns:p="http://schemas.openxmlformats.org/presentationml/2006/main">
   <p:cSld>
     <p:spTree>
@@ -14338,7 +15407,7 @@
           <a:bodyPr/>
           <a:lstStyle/>
           <a:p>
-            <a:fld id="{B1A103DF-03ED-4B04-9FA4-76EE9EA73D19}" type="datetime1">
+            <a:fld id="{AA9DE99C-89B6-478B-B304-BC2E171D063F}" type="datetime1">
               <a:rPr lang="ja-JP" altLang="en-US" smtClean="0"/>
               <a:t>2017/1/10</a:t>
             </a:fld>
@@ -14363,579 +15432,7 @@
           <a:p>
             <a:r>
               <a:rPr lang="ja-JP" altLang="en-US"/>
-              <a:t>マクロのつかいかた</a:t>
-            </a:r>
-          </a:p>
-        </p:txBody>
-      </p:sp>
-      <p:sp>
-        <p:nvSpPr>
-          <p:cNvPr id="6" name="スライド番号プレースホルダー 5"/>
-          <p:cNvSpPr>
-            <a:spLocks noGrp="1"/>
-          </p:cNvSpPr>
-          <p:nvPr>
-            <p:ph type="sldNum" sz="quarter" idx="4"/>
-          </p:nvPr>
-        </p:nvSpPr>
-        <p:spPr/>
-        <p:txBody>
-          <a:bodyPr/>
-          <a:lstStyle/>
-          <a:p>
-            <a:fld id="{DC383006-1B5B-4F31-9C76-A2B56E08D15E}" type="slidenum">
-              <a:rPr lang="ja-JP" altLang="en-US" smtClean="0"/>
-              <a:pPr/>
-              <a:t>6</a:t>
-            </a:fld>
-            <a:endParaRPr lang="ja-JP" altLang="en-US" dirty="0"/>
-          </a:p>
-        </p:txBody>
-      </p:sp>
-    </p:spTree>
-    <p:extLst>
-      <p:ext uri="{BB962C8B-B14F-4D97-AF65-F5344CB8AC3E}">
-        <p14:creationId xmlns:p14="http://schemas.microsoft.com/office/powerpoint/2010/main" val="2191172973"/>
-      </p:ext>
-    </p:extLst>
-  </p:cSld>
-  <p:clrMapOvr>
-    <a:masterClrMapping/>
-  </p:clrMapOvr>
-</p:sld>
-</file>
-
-<file path=ppt/slides/slide7.xml><?xml version="1.0" encoding="utf-8"?>
-<p:sld xmlns:a="http://schemas.openxmlformats.org/drawingml/2006/main" xmlns:r="http://schemas.openxmlformats.org/officeDocument/2006/relationships" xmlns:p="http://schemas.openxmlformats.org/presentationml/2006/main">
-  <p:cSld>
-    <p:spTree>
-      <p:nvGrpSpPr>
-        <p:cNvPr id="1" name=""/>
-        <p:cNvGrpSpPr/>
-        <p:nvPr/>
-      </p:nvGrpSpPr>
-      <p:grpSpPr>
-        <a:xfrm>
-          <a:off x="0" y="0"/>
-          <a:ext cx="0" cy="0"/>
-          <a:chOff x="0" y="0"/>
-          <a:chExt cx="0" cy="0"/>
-        </a:xfrm>
-      </p:grpSpPr>
-      <p:sp>
-        <p:nvSpPr>
-          <p:cNvPr id="2" name="タイトル 1"/>
-          <p:cNvSpPr>
-            <a:spLocks noGrp="1"/>
-          </p:cNvSpPr>
-          <p:nvPr>
-            <p:ph type="title"/>
-          </p:nvPr>
-        </p:nvSpPr>
-        <p:spPr/>
-        <p:txBody>
-          <a:bodyPr/>
-          <a:lstStyle/>
-          <a:p>
-            <a:r>
-              <a:rPr lang="en-US" altLang="ja-JP" dirty="0"/>
-              <a:t>4 </a:t>
-            </a:r>
-            <a:r>
-              <a:rPr lang="ja-JP" altLang="en-US" dirty="0"/>
-              <a:t>問目 </a:t>
-            </a:r>
-            <a:r>
-              <a:rPr lang="en-US" altLang="ja-JP" dirty="0"/>
-              <a:t>– </a:t>
-            </a:r>
-            <a:r>
-              <a:rPr lang="ja-JP" altLang="en-US" dirty="0"/>
-              <a:t>解法</a:t>
-            </a:r>
-            <a:endParaRPr kumimoji="1" lang="ja-JP" altLang="en-US" dirty="0"/>
-          </a:p>
-        </p:txBody>
-      </p:sp>
-      <p:sp>
-        <p:nvSpPr>
-          <p:cNvPr id="3" name="コンテンツ プレースホルダー 2"/>
-          <p:cNvSpPr>
-            <a:spLocks noGrp="1"/>
-          </p:cNvSpPr>
-          <p:nvPr>
-            <p:ph idx="1"/>
-          </p:nvPr>
-        </p:nvSpPr>
-        <p:spPr/>
-        <p:txBody>
-          <a:bodyPr>
-            <a:normAutofit lnSpcReduction="10000"/>
-          </a:bodyPr>
-          <a:lstStyle/>
-          <a:p>
-            <a:r>
-              <a:rPr lang="ja-JP" altLang="en-US" dirty="0"/>
-              <a:t>同時にゴールに着くとダメという制約がコーナーケース</a:t>
-            </a:r>
-            <a:endParaRPr lang="en-US" altLang="ja-JP" dirty="0"/>
-          </a:p>
-          <a:p>
-            <a:r>
-              <a:rPr lang="ja-JP" altLang="en-US" dirty="0"/>
-              <a:t>先にキューから取り出されても</a:t>
-            </a:r>
-            <a:r>
-              <a:rPr lang="en-US" altLang="ja-JP" dirty="0"/>
-              <a:t>, </a:t>
-            </a:r>
-            <a:r>
-              <a:rPr lang="ja-JP" altLang="en-US" dirty="0"/>
-              <a:t>同じ時間で到達できるカメがいる</a:t>
-            </a:r>
-            <a:br>
-              <a:rPr lang="en-US" altLang="ja-JP" dirty="0"/>
-            </a:br>
-            <a:r>
-              <a:rPr lang="ja-JP" altLang="en-US" dirty="0"/>
-              <a:t>可能性があることに注意してください！？</a:t>
-            </a:r>
-            <a:endParaRPr lang="en-US" altLang="ja-JP" dirty="0"/>
-          </a:p>
-          <a:p>
-            <a:endParaRPr lang="en-US" altLang="ja-JP" dirty="0"/>
-          </a:p>
-          <a:p>
-            <a:r>
-              <a:rPr lang="en-US" altLang="ja-JP" dirty="0"/>
-              <a:t>ICPC</a:t>
-            </a:r>
-            <a:r>
-              <a:rPr lang="ja-JP" altLang="en-US" dirty="0"/>
-              <a:t>模擬地区予選</a:t>
-            </a:r>
-            <a:r>
-              <a:rPr lang="en-US" altLang="ja-JP" dirty="0"/>
-              <a:t>2016 </a:t>
-            </a:r>
-            <a:r>
-              <a:rPr lang="ja-JP" altLang="en-US" dirty="0"/>
-              <a:t>の </a:t>
-            </a:r>
-            <a:r>
-              <a:rPr lang="en-US" altLang="ja-JP" dirty="0"/>
-              <a:t>Help the Princess! </a:t>
-            </a:r>
-            <a:r>
-              <a:rPr lang="ja-JP" altLang="en-US" dirty="0"/>
-              <a:t>の日本語バージョンの問題です</a:t>
-            </a:r>
-            <a:endParaRPr lang="en-US" altLang="ja-JP" dirty="0"/>
-          </a:p>
-          <a:p>
-            <a:r>
-              <a:rPr lang="ja-JP" altLang="en-US" dirty="0" err="1"/>
-              <a:t>ぐぐると</a:t>
-            </a:r>
-            <a:r>
-              <a:rPr lang="ja-JP" altLang="en-US" dirty="0"/>
-              <a:t>詳しい解説が出てくるかも </a:t>
-            </a:r>
-            <a:endParaRPr lang="en-US" altLang="ja-JP" dirty="0"/>
-          </a:p>
-        </p:txBody>
-      </p:sp>
-      <p:sp>
-        <p:nvSpPr>
-          <p:cNvPr id="4" name="日付プレースホルダー 3"/>
-          <p:cNvSpPr>
-            <a:spLocks noGrp="1"/>
-          </p:cNvSpPr>
-          <p:nvPr>
-            <p:ph type="dt" sz="half" idx="2"/>
-          </p:nvPr>
-        </p:nvSpPr>
-        <p:spPr/>
-        <p:txBody>
-          <a:bodyPr/>
-          <a:lstStyle/>
-          <a:p>
-            <a:fld id="{B1A103DF-03ED-4B04-9FA4-76EE9EA73D19}" type="datetime1">
-              <a:rPr lang="ja-JP" altLang="en-US" smtClean="0"/>
-              <a:t>2017/1/10</a:t>
-            </a:fld>
-            <a:endParaRPr lang="ja-JP" altLang="en-US" dirty="0"/>
-          </a:p>
-        </p:txBody>
-      </p:sp>
-      <p:sp>
-        <p:nvSpPr>
-          <p:cNvPr id="5" name="フッター プレースホルダー 4"/>
-          <p:cNvSpPr>
-            <a:spLocks noGrp="1"/>
-          </p:cNvSpPr>
-          <p:nvPr>
-            <p:ph type="ftr" sz="quarter" idx="3"/>
-          </p:nvPr>
-        </p:nvSpPr>
-        <p:spPr/>
-        <p:txBody>
-          <a:bodyPr/>
-          <a:lstStyle/>
-          <a:p>
-            <a:r>
-              <a:rPr lang="ja-JP" altLang="en-US"/>
-              <a:t>マクロのつかいかた</a:t>
-            </a:r>
-          </a:p>
-        </p:txBody>
-      </p:sp>
-      <p:sp>
-        <p:nvSpPr>
-          <p:cNvPr id="6" name="スライド番号プレースホルダー 5"/>
-          <p:cNvSpPr>
-            <a:spLocks noGrp="1"/>
-          </p:cNvSpPr>
-          <p:nvPr>
-            <p:ph type="sldNum" sz="quarter" idx="4"/>
-          </p:nvPr>
-        </p:nvSpPr>
-        <p:spPr/>
-        <p:txBody>
-          <a:bodyPr/>
-          <a:lstStyle/>
-          <a:p>
-            <a:fld id="{DC383006-1B5B-4F31-9C76-A2B56E08D15E}" type="slidenum">
-              <a:rPr lang="ja-JP" altLang="en-US" smtClean="0"/>
-              <a:pPr/>
-              <a:t>7</a:t>
-            </a:fld>
-            <a:endParaRPr lang="ja-JP" altLang="en-US" dirty="0"/>
-          </a:p>
-        </p:txBody>
-      </p:sp>
-    </p:spTree>
-    <p:extLst>
-      <p:ext uri="{BB962C8B-B14F-4D97-AF65-F5344CB8AC3E}">
-        <p14:creationId xmlns:p14="http://schemas.microsoft.com/office/powerpoint/2010/main" val="468976796"/>
-      </p:ext>
-    </p:extLst>
-  </p:cSld>
-  <p:clrMapOvr>
-    <a:masterClrMapping/>
-  </p:clrMapOvr>
-</p:sld>
-</file>
-
-<file path=ppt/slides/slide8.xml><?xml version="1.0" encoding="utf-8"?>
-<p:sld xmlns:a="http://schemas.openxmlformats.org/drawingml/2006/main" xmlns:r="http://schemas.openxmlformats.org/officeDocument/2006/relationships" xmlns:p="http://schemas.openxmlformats.org/presentationml/2006/main">
-  <p:cSld>
-    <p:spTree>
-      <p:nvGrpSpPr>
-        <p:cNvPr id="1" name=""/>
-        <p:cNvGrpSpPr/>
-        <p:nvPr/>
-      </p:nvGrpSpPr>
-      <p:grpSpPr>
-        <a:xfrm>
-          <a:off x="0" y="0"/>
-          <a:ext cx="0" cy="0"/>
-          <a:chOff x="0" y="0"/>
-          <a:chExt cx="0" cy="0"/>
-        </a:xfrm>
-      </p:grpSpPr>
-      <p:sp>
-        <p:nvSpPr>
-          <p:cNvPr id="2" name="タイトル 1"/>
-          <p:cNvSpPr>
-            <a:spLocks noGrp="1"/>
-          </p:cNvSpPr>
-          <p:nvPr>
-            <p:ph type="title"/>
-          </p:nvPr>
-        </p:nvSpPr>
-        <p:spPr/>
-        <p:txBody>
-          <a:bodyPr>
-            <a:normAutofit/>
-          </a:bodyPr>
-          <a:lstStyle/>
-          <a:p>
-            <a:r>
-              <a:rPr kumimoji="1" lang="en-US" altLang="ja-JP" dirty="0"/>
-              <a:t>5 </a:t>
-            </a:r>
-            <a:r>
-              <a:rPr kumimoji="1" lang="ja-JP" altLang="en-US" dirty="0"/>
-              <a:t>問目</a:t>
-            </a:r>
-            <a:r>
-              <a:rPr lang="en-US" altLang="ja-JP" dirty="0"/>
-              <a:t> – </a:t>
-            </a:r>
-            <a:r>
-              <a:rPr lang="ja-JP" altLang="en-US" dirty="0"/>
-              <a:t>問題概要</a:t>
-            </a:r>
-            <a:endParaRPr kumimoji="1" lang="ja-JP" altLang="en-US" dirty="0"/>
-          </a:p>
-        </p:txBody>
-      </p:sp>
-      <mc:AlternateContent xmlns:mc="http://schemas.openxmlformats.org/markup-compatibility/2006" xmlns:a14="http://schemas.microsoft.com/office/drawing/2010/main">
-        <mc:Choice Requires="a14">
-          <p:sp>
-            <p:nvSpPr>
-              <p:cNvPr id="3" name="コンテンツ プレースホルダー 2"/>
-              <p:cNvSpPr>
-                <a:spLocks noGrp="1"/>
-              </p:cNvSpPr>
-              <p:nvPr>
-                <p:ph idx="1"/>
-              </p:nvPr>
-            </p:nvSpPr>
-            <p:spPr/>
-            <p:txBody>
-              <a:bodyPr/>
-              <a:lstStyle/>
-              <a:p>
-                <a:r>
-                  <a:rPr lang="en-US" altLang="ja-JP" dirty="0"/>
-                  <a:t>W </a:t>
-                </a:r>
-                <a:r>
-                  <a:rPr lang="ja-JP" altLang="en-US" dirty="0"/>
-                  <a:t>個のスイッチが横に並んでいて</a:t>
-                </a:r>
-                <a:r>
-                  <a:rPr lang="en-US" altLang="ja-JP" dirty="0"/>
-                  <a:t>, </a:t>
-                </a:r>
-                <a:r>
-                  <a:rPr lang="ja-JP" altLang="en-US" dirty="0"/>
-                  <a:t>すべてのスイッチは最初 </a:t>
-                </a:r>
-                <a:r>
-                  <a:rPr lang="en-US" altLang="ja-JP" dirty="0"/>
-                  <a:t>OFF</a:t>
-                </a:r>
-              </a:p>
-              <a:p>
-                <a:r>
-                  <a:rPr lang="en-US" altLang="ja-JP" dirty="0"/>
-                  <a:t>Q </a:t>
-                </a:r>
-                <a:r>
-                  <a:rPr lang="ja-JP" altLang="en-US" dirty="0"/>
-                  <a:t>匹のうさぎちゃんが</a:t>
-                </a:r>
-                <a:r>
-                  <a:rPr lang="en-US" altLang="ja-JP" dirty="0"/>
-                  <a:t>, </a:t>
-                </a:r>
-                <a:r>
-                  <a:rPr lang="ja-JP" altLang="en-US" dirty="0"/>
-                  <a:t>以下の操作を既に行った</a:t>
-                </a:r>
-                <a:endParaRPr lang="en-US" altLang="ja-JP" dirty="0"/>
-              </a:p>
-              <a:p>
-                <a:pPr lvl="1"/>
-                <a:r>
-                  <a:rPr lang="ja-JP" altLang="en-US" dirty="0"/>
-                  <a:t>スイッチ </a:t>
-                </a:r>
-                <a14:m>
-                  <m:oMath xmlns:m="http://schemas.openxmlformats.org/officeDocument/2006/math">
-                    <m:sSub>
-                      <m:sSubPr>
-                        <m:ctrlPr>
-                          <a:rPr lang="en-US" altLang="ja-JP" i="1" dirty="0" smtClean="0">
-                            <a:latin typeface="Cambria Math" panose="02040503050406030204" pitchFamily="18" charset="0"/>
-                          </a:rPr>
-                        </m:ctrlPr>
-                      </m:sSubPr>
-                      <m:e>
-                        <m:r>
-                          <a:rPr lang="en-US" altLang="ja-JP" i="1" dirty="0" smtClean="0">
-                            <a:latin typeface="Cambria Math" panose="02040503050406030204" pitchFamily="18" charset="0"/>
-                          </a:rPr>
-                          <m:t>𝐿</m:t>
-                        </m:r>
-                      </m:e>
-                      <m:sub>
-                        <m:r>
-                          <a:rPr lang="en-US" altLang="ja-JP" i="1" dirty="0" smtClean="0">
-                            <a:latin typeface="Cambria Math" panose="02040503050406030204" pitchFamily="18" charset="0"/>
-                          </a:rPr>
-                          <m:t>𝑖</m:t>
-                        </m:r>
-                      </m:sub>
-                    </m:sSub>
-                  </m:oMath>
-                </a14:m>
-                <a:r>
-                  <a:rPr lang="en-US" altLang="ja-JP" dirty="0"/>
-                  <a:t> </a:t>
-                </a:r>
-                <a:r>
-                  <a:rPr lang="ja-JP" altLang="en-US" dirty="0"/>
-                  <a:t>からスイッチ </a:t>
-                </a:r>
-                <a14:m>
-                  <m:oMath xmlns:m="http://schemas.openxmlformats.org/officeDocument/2006/math">
-                    <m:sSub>
-                      <m:sSubPr>
-                        <m:ctrlPr>
-                          <a:rPr lang="en-US" altLang="ja-JP" i="1" dirty="0" smtClean="0">
-                            <a:latin typeface="Cambria Math" panose="02040503050406030204" pitchFamily="18" charset="0"/>
-                          </a:rPr>
-                        </m:ctrlPr>
-                      </m:sSubPr>
-                      <m:e>
-                        <m:r>
-                          <a:rPr lang="en-US" altLang="ja-JP" i="1" dirty="0" smtClean="0">
-                            <a:latin typeface="Cambria Math" panose="02040503050406030204" pitchFamily="18" charset="0"/>
-                          </a:rPr>
-                          <m:t>𝑅</m:t>
-                        </m:r>
-                      </m:e>
-                      <m:sub>
-                        <m:r>
-                          <a:rPr lang="en-US" altLang="ja-JP" i="1" dirty="0" smtClean="0">
-                            <a:latin typeface="Cambria Math" panose="02040503050406030204" pitchFamily="18" charset="0"/>
-                          </a:rPr>
-                          <m:t>𝑖</m:t>
-                        </m:r>
-                      </m:sub>
-                    </m:sSub>
-                  </m:oMath>
-                </a14:m>
-                <a:r>
-                  <a:rPr lang="en-US" altLang="ja-JP" dirty="0"/>
-                  <a:t> </a:t>
-                </a:r>
-                <a:r>
-                  <a:rPr lang="ja-JP" altLang="en-US" dirty="0"/>
-                  <a:t>の区間の状態を反転</a:t>
-                </a:r>
-                <a:endParaRPr lang="en-US" altLang="ja-JP" dirty="0"/>
-              </a:p>
-              <a:p>
-                <a:r>
-                  <a:rPr lang="ja-JP" altLang="en-US" dirty="0"/>
-                  <a:t>上の操作をもう何回か行って</a:t>
-                </a:r>
-                <a:r>
-                  <a:rPr lang="en-US" altLang="ja-JP" dirty="0"/>
-                  <a:t>, </a:t>
-                </a:r>
-                <a:r>
-                  <a:rPr lang="ja-JP" altLang="en-US" dirty="0"/>
-                  <a:t>すべてのスイッチを </a:t>
-                </a:r>
-                <a:r>
-                  <a:rPr lang="en-US" altLang="ja-JP" dirty="0"/>
-                  <a:t>ON </a:t>
-                </a:r>
-                <a:r>
-                  <a:rPr lang="ja-JP" altLang="en-US" dirty="0"/>
-                  <a:t>にしたい</a:t>
-                </a:r>
-                <a:endParaRPr lang="en-US" altLang="ja-JP" dirty="0"/>
-              </a:p>
-              <a:p>
-                <a:pPr lvl="1"/>
-                <a:r>
-                  <a:rPr lang="ja-JP" altLang="en-US" dirty="0"/>
-                  <a:t>このときの区間は自由に選べる</a:t>
-                </a:r>
-                <a:endParaRPr lang="en-US" altLang="ja-JP" dirty="0"/>
-              </a:p>
-              <a:p>
-                <a:r>
-                  <a:rPr lang="ja-JP" altLang="en-US" dirty="0"/>
-                  <a:t>操作する回数の最小回数とその手順を出力せよ</a:t>
-                </a:r>
-                <a:endParaRPr lang="en-US" altLang="ja-JP" dirty="0"/>
-              </a:p>
-            </p:txBody>
-          </p:sp>
-        </mc:Choice>
-        <mc:Fallback xmlns="">
-          <p:sp>
-            <p:nvSpPr>
-              <p:cNvPr id="3" name="コンテンツ プレースホルダー 2"/>
-              <p:cNvSpPr>
-                <a:spLocks noGrp="1" noRot="1" noChangeAspect="1" noMove="1" noResize="1" noEditPoints="1" noAdjustHandles="1" noChangeArrowheads="1" noChangeShapeType="1" noTextEdit="1"/>
-              </p:cNvSpPr>
-              <p:nvPr>
-                <p:ph idx="1"/>
-              </p:nvPr>
-            </p:nvSpPr>
-            <p:spPr>
-              <a:blipFill>
-                <a:blip r:embed="rId2"/>
-                <a:stretch>
-                  <a:fillRect t="-127"/>
-                </a:stretch>
-              </a:blipFill>
-            </p:spPr>
-            <p:txBody>
-              <a:bodyPr/>
-              <a:lstStyle/>
-              <a:p>
-                <a:r>
-                  <a:rPr lang="ja-JP" altLang="en-US">
-                    <a:noFill/>
-                  </a:rPr>
-                  <a:t> </a:t>
-                </a:r>
-              </a:p>
-            </p:txBody>
-          </p:sp>
-        </mc:Fallback>
-      </mc:AlternateContent>
-      <p:sp>
-        <p:nvSpPr>
-          <p:cNvPr id="4" name="日付プレースホルダー 3"/>
-          <p:cNvSpPr>
-            <a:spLocks noGrp="1"/>
-          </p:cNvSpPr>
-          <p:nvPr>
-            <p:ph type="dt" sz="half" idx="2"/>
-          </p:nvPr>
-        </p:nvSpPr>
-        <p:spPr/>
-        <p:txBody>
-          <a:bodyPr/>
-          <a:lstStyle/>
-          <a:p>
-            <a:fld id="{B1A103DF-03ED-4B04-9FA4-76EE9EA73D19}" type="datetime1">
-              <a:rPr lang="ja-JP" altLang="en-US" smtClean="0"/>
-              <a:t>2017/1/10</a:t>
-            </a:fld>
-            <a:endParaRPr lang="ja-JP" altLang="en-US" dirty="0"/>
-          </a:p>
-        </p:txBody>
-      </p:sp>
-      <p:sp>
-        <p:nvSpPr>
-          <p:cNvPr id="5" name="フッター プレースホルダー 4"/>
-          <p:cNvSpPr>
-            <a:spLocks noGrp="1"/>
-          </p:cNvSpPr>
-          <p:nvPr>
-            <p:ph type="ftr" sz="quarter" idx="3"/>
-          </p:nvPr>
-        </p:nvSpPr>
-        <p:spPr/>
-        <p:txBody>
-          <a:bodyPr/>
-          <a:lstStyle/>
-          <a:p>
-            <a:r>
-              <a:rPr lang="ja-JP" altLang="en-US"/>
-              <a:t>マクロのつかいかた</a:t>
+              <a:t>解説</a:t>
             </a:r>
           </a:p>
         </p:txBody>
@@ -14967,7 +15464,7 @@
     </p:spTree>
     <p:extLst>
       <p:ext uri="{BB962C8B-B14F-4D97-AF65-F5344CB8AC3E}">
-        <p14:creationId xmlns:p14="http://schemas.microsoft.com/office/powerpoint/2010/main" val="2745784167"/>
+        <p14:creationId xmlns:p14="http://schemas.microsoft.com/office/powerpoint/2010/main" val="2191172973"/>
       </p:ext>
     </p:extLst>
   </p:cSld>
@@ -15006,343 +15503,79 @@
         </p:nvSpPr>
         <p:spPr/>
         <p:txBody>
+          <a:bodyPr/>
+          <a:lstStyle/>
+          <a:p>
+            <a:r>
+              <a:rPr lang="en-US" altLang="ja-JP" dirty="0"/>
+              <a:t>4 </a:t>
+            </a:r>
+            <a:r>
+              <a:rPr lang="ja-JP" altLang="en-US" dirty="0"/>
+              <a:t>問目 </a:t>
+            </a:r>
+            <a:r>
+              <a:rPr lang="en-US" altLang="ja-JP" dirty="0"/>
+              <a:t>– </a:t>
+            </a:r>
+            <a:r>
+              <a:rPr lang="ja-JP" altLang="en-US" dirty="0"/>
+              <a:t>解法</a:t>
+            </a:r>
+            <a:endParaRPr kumimoji="1" lang="ja-JP" altLang="en-US" dirty="0"/>
+          </a:p>
+        </p:txBody>
+      </p:sp>
+      <p:sp>
+        <p:nvSpPr>
+          <p:cNvPr id="3" name="コンテンツ プレースホルダー 2"/>
+          <p:cNvSpPr>
+            <a:spLocks noGrp="1"/>
+          </p:cNvSpPr>
+          <p:nvPr>
+            <p:ph idx="1"/>
+          </p:nvPr>
+        </p:nvSpPr>
+        <p:spPr/>
+        <p:txBody>
           <a:bodyPr>
             <a:normAutofit/>
           </a:bodyPr>
           <a:lstStyle/>
           <a:p>
             <a:r>
-              <a:rPr kumimoji="1" lang="en-US" altLang="ja-JP" dirty="0"/>
-              <a:t>5 </a:t>
-            </a:r>
-            <a:r>
-              <a:rPr kumimoji="1" lang="ja-JP" altLang="en-US" dirty="0"/>
-              <a:t>問目 </a:t>
-            </a:r>
-            <a:r>
-              <a:rPr kumimoji="1" lang="en-US" altLang="ja-JP" dirty="0"/>
-              <a:t>– </a:t>
-            </a:r>
-            <a:r>
-              <a:rPr kumimoji="1" lang="ja-JP" altLang="en-US" dirty="0"/>
-              <a:t>制約</a:t>
-            </a:r>
-          </a:p>
-        </p:txBody>
-      </p:sp>
-      <mc:AlternateContent xmlns:mc="http://schemas.openxmlformats.org/markup-compatibility/2006" xmlns:a14="http://schemas.microsoft.com/office/drawing/2010/main">
-        <mc:Choice Requires="a14">
-          <p:sp>
-            <p:nvSpPr>
-              <p:cNvPr id="3" name="コンテンツ プレースホルダー 2"/>
-              <p:cNvSpPr>
-                <a:spLocks noGrp="1"/>
-              </p:cNvSpPr>
-              <p:nvPr>
-                <p:ph idx="1"/>
-              </p:nvPr>
-            </p:nvSpPr>
-            <p:spPr/>
-            <p:txBody>
-              <a:bodyPr/>
-              <a:lstStyle/>
-              <a:p>
-                <a:r>
-                  <a:rPr kumimoji="1" lang="ja-JP" altLang="en-US" dirty="0"/>
-                  <a:t>部分点制約</a:t>
-                </a:r>
-                <a:endParaRPr lang="en-US" altLang="ja-JP" dirty="0"/>
-              </a:p>
-              <a:p>
-                <a:pPr lvl="1"/>
-                <a:r>
-                  <a:rPr lang="ja-JP" altLang="en-US" dirty="0"/>
-                  <a:t>スイッチの個数 </a:t>
-                </a:r>
-                <a14:m>
-                  <m:oMath xmlns:m="http://schemas.openxmlformats.org/officeDocument/2006/math">
-                    <m:r>
-                      <a:rPr lang="en-US" altLang="ja-JP" i="1" dirty="0">
-                        <a:latin typeface="Cambria Math" panose="02040503050406030204" pitchFamily="18" charset="0"/>
-                      </a:rPr>
-                      <m:t>𝑊</m:t>
-                    </m:r>
-                    <m:d>
-                      <m:dPr>
-                        <m:ctrlPr>
-                          <a:rPr lang="en-US" altLang="ja-JP" i="1" dirty="0">
-                            <a:latin typeface="Cambria Math" panose="02040503050406030204" pitchFamily="18" charset="0"/>
-                          </a:rPr>
-                        </m:ctrlPr>
-                      </m:dPr>
-                      <m:e>
-                        <m:r>
-                          <a:rPr lang="en-US" altLang="ja-JP" i="1" dirty="0">
-                            <a:latin typeface="Cambria Math" panose="02040503050406030204" pitchFamily="18" charset="0"/>
-                          </a:rPr>
-                          <m:t>1≤</m:t>
-                        </m:r>
-                        <m:r>
-                          <a:rPr lang="en-US" altLang="ja-JP" i="1" dirty="0">
-                            <a:latin typeface="Cambria Math" panose="02040503050406030204" pitchFamily="18" charset="0"/>
-                          </a:rPr>
-                          <m:t>𝑊</m:t>
-                        </m:r>
-                        <m:r>
-                          <a:rPr lang="en-US" altLang="ja-JP" i="1" dirty="0">
-                            <a:latin typeface="Cambria Math" panose="02040503050406030204" pitchFamily="18" charset="0"/>
-                          </a:rPr>
-                          <m:t>≤1000</m:t>
-                        </m:r>
-                      </m:e>
-                    </m:d>
-                  </m:oMath>
-                </a14:m>
-                <a:endParaRPr lang="en-US" altLang="ja-JP" dirty="0"/>
-              </a:p>
-              <a:p>
-                <a:pPr lvl="1"/>
-                <a:r>
-                  <a:rPr lang="ja-JP" altLang="en-US" dirty="0"/>
-                  <a:t>うさぎちゃんの匹数</a:t>
-                </a:r>
-                <a:r>
-                  <a:rPr lang="en-US" altLang="ja-JP" dirty="0"/>
-                  <a:t> </a:t>
-                </a:r>
-                <a14:m>
-                  <m:oMath xmlns:m="http://schemas.openxmlformats.org/officeDocument/2006/math">
-                    <m:r>
-                      <a:rPr lang="en-US" altLang="ja-JP" i="1">
-                        <a:latin typeface="Cambria Math" panose="02040503050406030204" pitchFamily="18" charset="0"/>
-                      </a:rPr>
-                      <m:t>𝑄</m:t>
-                    </m:r>
-                    <m:d>
-                      <m:dPr>
-                        <m:ctrlPr>
-                          <a:rPr lang="en-US" altLang="ja-JP" i="1" smtClean="0">
-                            <a:latin typeface="Cambria Math" panose="02040503050406030204" pitchFamily="18" charset="0"/>
-                          </a:rPr>
-                        </m:ctrlPr>
-                      </m:dPr>
-                      <m:e>
-                        <m:r>
-                          <a:rPr lang="en-US" altLang="ja-JP" i="1">
-                            <a:latin typeface="Cambria Math" panose="02040503050406030204" pitchFamily="18" charset="0"/>
-                          </a:rPr>
-                          <m:t>0≤</m:t>
-                        </m:r>
-                        <m:r>
-                          <a:rPr lang="en-US" altLang="ja-JP" i="1">
-                            <a:latin typeface="Cambria Math" panose="02040503050406030204" pitchFamily="18" charset="0"/>
-                          </a:rPr>
-                          <m:t>𝑄</m:t>
-                        </m:r>
-                        <m:r>
-                          <a:rPr lang="en-US" altLang="ja-JP" i="1">
-                            <a:latin typeface="Cambria Math" panose="02040503050406030204" pitchFamily="18" charset="0"/>
-                          </a:rPr>
-                          <m:t>≤1000</m:t>
-                        </m:r>
-                      </m:e>
-                    </m:d>
-                  </m:oMath>
-                </a14:m>
-                <a:endParaRPr kumimoji="1" lang="en-US" altLang="ja-JP" dirty="0"/>
-              </a:p>
-              <a:p>
-                <a:r>
-                  <a:rPr lang="ja-JP" altLang="en-US" dirty="0"/>
-                  <a:t>満点制約</a:t>
-                </a:r>
-                <a:endParaRPr lang="en-US" altLang="ja-JP" dirty="0"/>
-              </a:p>
-              <a:p>
-                <a:pPr lvl="1"/>
-                <a:r>
-                  <a:rPr kumimoji="1" lang="ja-JP" altLang="en-US" dirty="0"/>
-                  <a:t>スイッチの個数 </a:t>
-                </a:r>
-                <a14:m>
-                  <m:oMath xmlns:m="http://schemas.openxmlformats.org/officeDocument/2006/math">
-                    <m:r>
-                      <a:rPr kumimoji="1" lang="en-US" altLang="ja-JP" i="1" dirty="0" smtClean="0">
-                        <a:latin typeface="Cambria Math" panose="02040503050406030204" pitchFamily="18" charset="0"/>
-                      </a:rPr>
-                      <m:t>𝑊</m:t>
-                    </m:r>
-                    <m:d>
-                      <m:dPr>
-                        <m:ctrlPr>
-                          <a:rPr kumimoji="1" lang="en-US" altLang="ja-JP" i="1" dirty="0" smtClean="0">
-                            <a:latin typeface="Cambria Math" panose="02040503050406030204" pitchFamily="18" charset="0"/>
-                          </a:rPr>
-                        </m:ctrlPr>
-                      </m:dPr>
-                      <m:e>
-                        <m:r>
-                          <a:rPr kumimoji="1" lang="en-US" altLang="ja-JP" i="1" dirty="0" smtClean="0">
-                            <a:latin typeface="Cambria Math" panose="02040503050406030204" pitchFamily="18" charset="0"/>
-                          </a:rPr>
-                          <m:t>1≤</m:t>
-                        </m:r>
-                        <m:r>
-                          <a:rPr kumimoji="1" lang="en-US" altLang="ja-JP" b="0" i="1" dirty="0" smtClean="0">
-                            <a:latin typeface="Cambria Math" panose="02040503050406030204" pitchFamily="18" charset="0"/>
-                          </a:rPr>
-                          <m:t>𝑊</m:t>
-                        </m:r>
-                        <m:r>
-                          <a:rPr kumimoji="1" lang="en-US" altLang="ja-JP" i="1" dirty="0" smtClean="0">
-                            <a:latin typeface="Cambria Math" panose="02040503050406030204" pitchFamily="18" charset="0"/>
-                          </a:rPr>
-                          <m:t>≤2×</m:t>
-                        </m:r>
-                        <m:sSup>
-                          <m:sSupPr>
-                            <m:ctrlPr>
-                              <a:rPr kumimoji="1" lang="en-US" altLang="ja-JP" i="1" dirty="0" smtClean="0">
-                                <a:latin typeface="Cambria Math" panose="02040503050406030204" pitchFamily="18" charset="0"/>
-                              </a:rPr>
-                            </m:ctrlPr>
-                          </m:sSupPr>
-                          <m:e>
-                            <m:r>
-                              <a:rPr kumimoji="1" lang="en-US" altLang="ja-JP" i="1" dirty="0" smtClean="0">
-                                <a:latin typeface="Cambria Math" panose="02040503050406030204" pitchFamily="18" charset="0"/>
-                              </a:rPr>
-                              <m:t>10</m:t>
-                            </m:r>
-                          </m:e>
-                          <m:sup>
-                            <m:r>
-                              <a:rPr kumimoji="1" lang="en-US" altLang="ja-JP" i="1" dirty="0" smtClean="0">
-                                <a:latin typeface="Cambria Math" panose="02040503050406030204" pitchFamily="18" charset="0"/>
-                              </a:rPr>
-                              <m:t>5</m:t>
-                            </m:r>
-                          </m:sup>
-                        </m:sSup>
-                      </m:e>
-                    </m:d>
-                  </m:oMath>
-                </a14:m>
-                <a:endParaRPr kumimoji="1" lang="en-US" altLang="ja-JP" dirty="0"/>
-              </a:p>
-              <a:p>
-                <a:pPr lvl="1"/>
-                <a:r>
-                  <a:rPr lang="ja-JP" altLang="en-US" dirty="0"/>
-                  <a:t>うさぎちゃんの匹数</a:t>
-                </a:r>
-                <a:r>
-                  <a:rPr lang="en-US" altLang="ja-JP" dirty="0"/>
-                  <a:t> </a:t>
-                </a:r>
-                <a14:m>
-                  <m:oMath xmlns:m="http://schemas.openxmlformats.org/officeDocument/2006/math">
-                    <m:r>
-                      <a:rPr lang="en-US" altLang="ja-JP" b="0" i="1" smtClean="0">
-                        <a:latin typeface="Cambria Math" panose="02040503050406030204" pitchFamily="18" charset="0"/>
-                      </a:rPr>
-                      <m:t>𝑄</m:t>
-                    </m:r>
-                    <m:d>
-                      <m:dPr>
-                        <m:ctrlPr>
-                          <a:rPr lang="en-US" altLang="ja-JP" b="0" i="1" smtClean="0">
-                            <a:latin typeface="Cambria Math" panose="02040503050406030204" pitchFamily="18" charset="0"/>
-                          </a:rPr>
-                        </m:ctrlPr>
-                      </m:dPr>
-                      <m:e>
-                        <m:r>
-                          <a:rPr lang="en-US" altLang="ja-JP" b="0" i="1" smtClean="0">
-                            <a:latin typeface="Cambria Math" panose="02040503050406030204" pitchFamily="18" charset="0"/>
-                          </a:rPr>
-                          <m:t>0≤</m:t>
-                        </m:r>
-                        <m:r>
-                          <a:rPr lang="en-US" altLang="ja-JP" b="0" i="1" smtClean="0">
-                            <a:latin typeface="Cambria Math" panose="02040503050406030204" pitchFamily="18" charset="0"/>
-                          </a:rPr>
-                          <m:t>𝑄</m:t>
-                        </m:r>
-                        <m:r>
-                          <a:rPr lang="en-US" altLang="ja-JP" b="0" i="1" smtClean="0">
-                            <a:latin typeface="Cambria Math" panose="02040503050406030204" pitchFamily="18" charset="0"/>
-                          </a:rPr>
-                          <m:t>≤2×</m:t>
-                        </m:r>
-                        <m:sSup>
-                          <m:sSupPr>
-                            <m:ctrlPr>
-                              <a:rPr lang="en-US" altLang="ja-JP" b="0" i="1" smtClean="0">
-                                <a:latin typeface="Cambria Math" panose="02040503050406030204" pitchFamily="18" charset="0"/>
-                              </a:rPr>
-                            </m:ctrlPr>
-                          </m:sSupPr>
-                          <m:e>
-                            <m:r>
-                              <a:rPr lang="en-US" altLang="ja-JP" b="0" i="1" smtClean="0">
-                                <a:latin typeface="Cambria Math" panose="02040503050406030204" pitchFamily="18" charset="0"/>
-                              </a:rPr>
-                              <m:t>10</m:t>
-                            </m:r>
-                          </m:e>
-                          <m:sup>
-                            <m:r>
-                              <a:rPr lang="en-US" altLang="ja-JP" b="0" i="1" smtClean="0">
-                                <a:latin typeface="Cambria Math" panose="02040503050406030204" pitchFamily="18" charset="0"/>
-                              </a:rPr>
-                              <m:t>5</m:t>
-                            </m:r>
-                          </m:sup>
-                        </m:sSup>
-                      </m:e>
-                    </m:d>
-                  </m:oMath>
-                </a14:m>
-                <a:endParaRPr lang="en-US" altLang="ja-JP" dirty="0"/>
-              </a:p>
-            </p:txBody>
-          </p:sp>
-        </mc:Choice>
-        <mc:Fallback xmlns="">
-          <p:sp>
-            <p:nvSpPr>
-              <p:cNvPr id="3" name="コンテンツ プレースホルダー 2"/>
-              <p:cNvSpPr>
-                <a:spLocks noGrp="1" noRot="1" noChangeAspect="1" noMove="1" noResize="1" noEditPoints="1" noAdjustHandles="1" noChangeArrowheads="1" noChangeShapeType="1" noTextEdit="1"/>
-              </p:cNvSpPr>
-              <p:nvPr>
-                <p:ph idx="1"/>
-              </p:nvPr>
-            </p:nvSpPr>
-            <p:spPr>
-              <a:blipFill>
-                <a:blip r:embed="rId2"/>
-                <a:stretch>
-                  <a:fillRect/>
-                </a:stretch>
-              </a:blipFill>
-            </p:spPr>
-            <p:txBody>
-              <a:bodyPr/>
-              <a:lstStyle/>
-              <a:p>
-                <a:r>
-                  <a:rPr lang="ja-JP" altLang="en-US">
-                    <a:noFill/>
-                  </a:rPr>
-                  <a:t> </a:t>
-                </a:r>
-              </a:p>
-            </p:txBody>
-          </p:sp>
-        </mc:Fallback>
-      </mc:AlternateContent>
+              <a:rPr lang="ja-JP" altLang="en-US" dirty="0"/>
+              <a:t>同時にゴールに着くとダメという制約がコーナーケース</a:t>
+            </a:r>
+            <a:endParaRPr lang="en-US" altLang="ja-JP" dirty="0"/>
+          </a:p>
+          <a:p>
+            <a:r>
+              <a:rPr lang="ja-JP" altLang="en-US" dirty="0"/>
+              <a:t>先にキューから取り出されても</a:t>
+            </a:r>
+            <a:r>
+              <a:rPr lang="en-US" altLang="ja-JP" dirty="0"/>
+              <a:t>, </a:t>
+            </a:r>
+            <a:r>
+              <a:rPr lang="ja-JP" altLang="en-US" dirty="0"/>
+              <a:t>同じ時間で到達できるカメがいる</a:t>
+            </a:r>
+            <a:br>
+              <a:rPr lang="en-US" altLang="ja-JP" dirty="0"/>
+            </a:br>
+            <a:r>
+              <a:rPr lang="ja-JP" altLang="en-US" dirty="0"/>
+              <a:t>可能性があることに注意してください！？</a:t>
+            </a:r>
+            <a:endParaRPr lang="en-US" altLang="ja-JP" dirty="0"/>
+          </a:p>
+          <a:p>
+            <a:endParaRPr lang="en-US" altLang="ja-JP" dirty="0"/>
+          </a:p>
+        </p:txBody>
+      </p:sp>
       <p:sp>
         <p:nvSpPr>
           <p:cNvPr id="4" name="日付プレースホルダー 3"/>
@@ -15358,7 +15591,7 @@
           <a:bodyPr/>
           <a:lstStyle/>
           <a:p>
-            <a:fld id="{B1A103DF-03ED-4B04-9FA4-76EE9EA73D19}" type="datetime1">
+            <a:fld id="{F55067D1-C76B-4ABF-B13C-0617DA2D500F}" type="datetime1">
               <a:rPr lang="ja-JP" altLang="en-US" smtClean="0"/>
               <a:t>2017/1/10</a:t>
             </a:fld>
@@ -15383,7 +15616,7 @@
           <a:p>
             <a:r>
               <a:rPr lang="ja-JP" altLang="en-US"/>
-              <a:t>マクロのつかいかた</a:t>
+              <a:t>解説</a:t>
             </a:r>
           </a:p>
         </p:txBody>
@@ -15415,7 +15648,7 @@
     </p:spTree>
     <p:extLst>
       <p:ext uri="{BB962C8B-B14F-4D97-AF65-F5344CB8AC3E}">
-        <p14:creationId xmlns:p14="http://schemas.microsoft.com/office/powerpoint/2010/main" val="1057238243"/>
+        <p14:creationId xmlns:p14="http://schemas.microsoft.com/office/powerpoint/2010/main" val="468976796"/>
       </p:ext>
     </p:extLst>
   </p:cSld>
